--- a/slides/Spotify_Presentation.pptx
+++ b/slides/Spotify_Presentation.pptx
@@ -5,7 +5,7 @@
     <p:sldMasterId id="2147483750" r:id="rId1"/>
   </p:sldMasterIdLst>
   <p:notesMasterIdLst>
-    <p:notesMasterId r:id="rId27"/>
+    <p:notesMasterId r:id="rId30"/>
   </p:notesMasterIdLst>
   <p:sldIdLst>
     <p:sldId id="256" r:id="rId2"/>
@@ -14,25 +14,28 @@
     <p:sldId id="262" r:id="rId5"/>
     <p:sldId id="263" r:id="rId6"/>
     <p:sldId id="264" r:id="rId7"/>
-    <p:sldId id="265" r:id="rId8"/>
-    <p:sldId id="266" r:id="rId9"/>
-    <p:sldId id="267" r:id="rId10"/>
-    <p:sldId id="271" r:id="rId11"/>
-    <p:sldId id="268" r:id="rId12"/>
-    <p:sldId id="270" r:id="rId13"/>
-    <p:sldId id="280" r:id="rId14"/>
-    <p:sldId id="284" r:id="rId15"/>
-    <p:sldId id="272" r:id="rId16"/>
-    <p:sldId id="269" r:id="rId17"/>
-    <p:sldId id="273" r:id="rId18"/>
-    <p:sldId id="281" r:id="rId19"/>
-    <p:sldId id="285" r:id="rId20"/>
-    <p:sldId id="275" r:id="rId21"/>
-    <p:sldId id="283" r:id="rId22"/>
-    <p:sldId id="274" r:id="rId23"/>
-    <p:sldId id="276" r:id="rId24"/>
-    <p:sldId id="286" r:id="rId25"/>
-    <p:sldId id="277" r:id="rId26"/>
+    <p:sldId id="287" r:id="rId8"/>
+    <p:sldId id="288" r:id="rId9"/>
+    <p:sldId id="290" r:id="rId10"/>
+    <p:sldId id="265" r:id="rId11"/>
+    <p:sldId id="266" r:id="rId12"/>
+    <p:sldId id="267" r:id="rId13"/>
+    <p:sldId id="271" r:id="rId14"/>
+    <p:sldId id="268" r:id="rId15"/>
+    <p:sldId id="270" r:id="rId16"/>
+    <p:sldId id="280" r:id="rId17"/>
+    <p:sldId id="284" r:id="rId18"/>
+    <p:sldId id="272" r:id="rId19"/>
+    <p:sldId id="269" r:id="rId20"/>
+    <p:sldId id="273" r:id="rId21"/>
+    <p:sldId id="281" r:id="rId22"/>
+    <p:sldId id="285" r:id="rId23"/>
+    <p:sldId id="275" r:id="rId24"/>
+    <p:sldId id="283" r:id="rId25"/>
+    <p:sldId id="274" r:id="rId26"/>
+    <p:sldId id="276" r:id="rId27"/>
+    <p:sldId id="286" r:id="rId28"/>
+    <p:sldId id="277" r:id="rId29"/>
   </p:sldIdLst>
   <p:sldSz cx="12192000" cy="6858000"/>
   <p:notesSz cx="6858000" cy="9144000"/>
@@ -2381,6 +2384,753 @@
 </file>
 
 <file path=ppt/diagrams/colors4.xml><?xml version="1.0" encoding="utf-8"?>
+<dgm:colorsDef xmlns:dgm="http://schemas.openxmlformats.org/drawingml/2006/diagram" xmlns:a="http://schemas.openxmlformats.org/drawingml/2006/main" uniqueId="urn:microsoft.com/office/officeart/2005/8/colors/accent2_2">
+  <dgm:title val=""/>
+  <dgm:desc val=""/>
+  <dgm:catLst>
+    <dgm:cat type="accent2" pri="11200"/>
+  </dgm:catLst>
+  <dgm:styleLbl name="node0">
+    <dgm:fillClrLst meth="repeat">
+      <a:schemeClr val="accent2"/>
+    </dgm:fillClrLst>
+    <dgm:linClrLst meth="repeat">
+      <a:schemeClr val="lt1"/>
+    </dgm:linClrLst>
+    <dgm:effectClrLst/>
+    <dgm:txLinClrLst/>
+    <dgm:txFillClrLst/>
+    <dgm:txEffectClrLst/>
+  </dgm:styleLbl>
+  <dgm:styleLbl name="node1">
+    <dgm:fillClrLst meth="repeat">
+      <a:schemeClr val="accent2"/>
+    </dgm:fillClrLst>
+    <dgm:linClrLst meth="repeat">
+      <a:schemeClr val="lt1"/>
+    </dgm:linClrLst>
+    <dgm:effectClrLst/>
+    <dgm:txLinClrLst/>
+    <dgm:txFillClrLst/>
+    <dgm:txEffectClrLst/>
+  </dgm:styleLbl>
+  <dgm:styleLbl name="alignNode1">
+    <dgm:fillClrLst meth="repeat">
+      <a:schemeClr val="accent2"/>
+    </dgm:fillClrLst>
+    <dgm:linClrLst meth="repeat">
+      <a:schemeClr val="accent2"/>
+    </dgm:linClrLst>
+    <dgm:effectClrLst/>
+    <dgm:txLinClrLst/>
+    <dgm:txFillClrLst/>
+    <dgm:txEffectClrLst/>
+  </dgm:styleLbl>
+  <dgm:styleLbl name="lnNode1">
+    <dgm:fillClrLst meth="repeat">
+      <a:schemeClr val="accent2"/>
+    </dgm:fillClrLst>
+    <dgm:linClrLst meth="repeat">
+      <a:schemeClr val="lt1"/>
+    </dgm:linClrLst>
+    <dgm:effectClrLst/>
+    <dgm:txLinClrLst/>
+    <dgm:txFillClrLst/>
+    <dgm:txEffectClrLst/>
+  </dgm:styleLbl>
+  <dgm:styleLbl name="vennNode1">
+    <dgm:fillClrLst meth="repeat">
+      <a:schemeClr val="accent2">
+        <a:alpha val="50000"/>
+      </a:schemeClr>
+    </dgm:fillClrLst>
+    <dgm:linClrLst meth="repeat">
+      <a:schemeClr val="lt1"/>
+    </dgm:linClrLst>
+    <dgm:effectClrLst/>
+    <dgm:txLinClrLst/>
+    <dgm:txFillClrLst/>
+    <dgm:txEffectClrLst/>
+  </dgm:styleLbl>
+  <dgm:styleLbl name="node2">
+    <dgm:fillClrLst meth="repeat">
+      <a:schemeClr val="accent2"/>
+    </dgm:fillClrLst>
+    <dgm:linClrLst meth="repeat">
+      <a:schemeClr val="lt1"/>
+    </dgm:linClrLst>
+    <dgm:effectClrLst/>
+    <dgm:txLinClrLst/>
+    <dgm:txFillClrLst/>
+    <dgm:txEffectClrLst/>
+  </dgm:styleLbl>
+  <dgm:styleLbl name="node3">
+    <dgm:fillClrLst meth="repeat">
+      <a:schemeClr val="accent2"/>
+    </dgm:fillClrLst>
+    <dgm:linClrLst meth="repeat">
+      <a:schemeClr val="lt1"/>
+    </dgm:linClrLst>
+    <dgm:effectClrLst/>
+    <dgm:txLinClrLst/>
+    <dgm:txFillClrLst/>
+    <dgm:txEffectClrLst/>
+  </dgm:styleLbl>
+  <dgm:styleLbl name="node4">
+    <dgm:fillClrLst meth="repeat">
+      <a:schemeClr val="accent2"/>
+    </dgm:fillClrLst>
+    <dgm:linClrLst meth="repeat">
+      <a:schemeClr val="lt1"/>
+    </dgm:linClrLst>
+    <dgm:effectClrLst/>
+    <dgm:txLinClrLst/>
+    <dgm:txFillClrLst/>
+    <dgm:txEffectClrLst/>
+  </dgm:styleLbl>
+  <dgm:styleLbl name="fgImgPlace1">
+    <dgm:fillClrLst meth="repeat">
+      <a:schemeClr val="accent2">
+        <a:tint val="50000"/>
+      </a:schemeClr>
+    </dgm:fillClrLst>
+    <dgm:linClrLst meth="repeat">
+      <a:schemeClr val="lt1"/>
+    </dgm:linClrLst>
+    <dgm:effectClrLst/>
+    <dgm:txLinClrLst/>
+    <dgm:txFillClrLst meth="repeat">
+      <a:schemeClr val="lt1"/>
+    </dgm:txFillClrLst>
+    <dgm:txEffectClrLst/>
+  </dgm:styleLbl>
+  <dgm:styleLbl name="alignImgPlace1">
+    <dgm:fillClrLst meth="repeat">
+      <a:schemeClr val="accent2">
+        <a:tint val="50000"/>
+      </a:schemeClr>
+    </dgm:fillClrLst>
+    <dgm:linClrLst meth="repeat">
+      <a:schemeClr val="lt1"/>
+    </dgm:linClrLst>
+    <dgm:effectClrLst/>
+    <dgm:txLinClrLst/>
+    <dgm:txFillClrLst meth="repeat">
+      <a:schemeClr val="lt1"/>
+    </dgm:txFillClrLst>
+    <dgm:txEffectClrLst/>
+  </dgm:styleLbl>
+  <dgm:styleLbl name="bgImgPlace1">
+    <dgm:fillClrLst meth="repeat">
+      <a:schemeClr val="accent2">
+        <a:tint val="50000"/>
+      </a:schemeClr>
+    </dgm:fillClrLst>
+    <dgm:linClrLst meth="repeat">
+      <a:schemeClr val="lt1"/>
+    </dgm:linClrLst>
+    <dgm:effectClrLst/>
+    <dgm:txLinClrLst/>
+    <dgm:txFillClrLst meth="repeat">
+      <a:schemeClr val="lt1"/>
+    </dgm:txFillClrLst>
+    <dgm:txEffectClrLst/>
+  </dgm:styleLbl>
+  <dgm:styleLbl name="sibTrans2D1">
+    <dgm:fillClrLst meth="repeat">
+      <a:schemeClr val="accent2">
+        <a:tint val="60000"/>
+      </a:schemeClr>
+    </dgm:fillClrLst>
+    <dgm:linClrLst meth="repeat">
+      <a:schemeClr val="accent2">
+        <a:tint val="60000"/>
+      </a:schemeClr>
+    </dgm:linClrLst>
+    <dgm:effectClrLst/>
+    <dgm:txLinClrLst/>
+    <dgm:txFillClrLst/>
+    <dgm:txEffectClrLst/>
+  </dgm:styleLbl>
+  <dgm:styleLbl name="fgSibTrans2D1">
+    <dgm:fillClrLst meth="repeat">
+      <a:schemeClr val="accent2">
+        <a:tint val="60000"/>
+      </a:schemeClr>
+    </dgm:fillClrLst>
+    <dgm:linClrLst meth="repeat">
+      <a:schemeClr val="accent2">
+        <a:tint val="60000"/>
+      </a:schemeClr>
+    </dgm:linClrLst>
+    <dgm:effectClrLst/>
+    <dgm:txLinClrLst/>
+    <dgm:txFillClrLst/>
+    <dgm:txEffectClrLst/>
+  </dgm:styleLbl>
+  <dgm:styleLbl name="bgSibTrans2D1">
+    <dgm:fillClrLst meth="repeat">
+      <a:schemeClr val="accent2">
+        <a:tint val="60000"/>
+      </a:schemeClr>
+    </dgm:fillClrLst>
+    <dgm:linClrLst meth="repeat">
+      <a:schemeClr val="accent2">
+        <a:tint val="60000"/>
+      </a:schemeClr>
+    </dgm:linClrLst>
+    <dgm:effectClrLst/>
+    <dgm:txLinClrLst/>
+    <dgm:txFillClrLst/>
+    <dgm:txEffectClrLst/>
+  </dgm:styleLbl>
+  <dgm:styleLbl name="sibTrans1D1">
+    <dgm:fillClrLst meth="repeat">
+      <a:schemeClr val="accent2"/>
+    </dgm:fillClrLst>
+    <dgm:linClrLst meth="repeat">
+      <a:schemeClr val="accent2"/>
+    </dgm:linClrLst>
+    <dgm:effectClrLst/>
+    <dgm:txLinClrLst/>
+    <dgm:txFillClrLst meth="repeat">
+      <a:schemeClr val="tx1"/>
+    </dgm:txFillClrLst>
+    <dgm:txEffectClrLst/>
+  </dgm:styleLbl>
+  <dgm:styleLbl name="callout">
+    <dgm:fillClrLst meth="repeat">
+      <a:schemeClr val="accent2"/>
+    </dgm:fillClrLst>
+    <dgm:linClrLst meth="repeat">
+      <a:schemeClr val="accent2">
+        <a:tint val="50000"/>
+      </a:schemeClr>
+    </dgm:linClrLst>
+    <dgm:effectClrLst/>
+    <dgm:txLinClrLst/>
+    <dgm:txFillClrLst meth="repeat">
+      <a:schemeClr val="tx1"/>
+    </dgm:txFillClrLst>
+    <dgm:txEffectClrLst/>
+  </dgm:styleLbl>
+  <dgm:styleLbl name="asst0">
+    <dgm:fillClrLst meth="repeat">
+      <a:schemeClr val="accent2"/>
+    </dgm:fillClrLst>
+    <dgm:linClrLst meth="repeat">
+      <a:schemeClr val="lt1"/>
+    </dgm:linClrLst>
+    <dgm:effectClrLst/>
+    <dgm:txLinClrLst/>
+    <dgm:txFillClrLst/>
+    <dgm:txEffectClrLst/>
+  </dgm:styleLbl>
+  <dgm:styleLbl name="asst1">
+    <dgm:fillClrLst meth="repeat">
+      <a:schemeClr val="accent2"/>
+    </dgm:fillClrLst>
+    <dgm:linClrLst meth="repeat">
+      <a:schemeClr val="lt1"/>
+    </dgm:linClrLst>
+    <dgm:effectClrLst/>
+    <dgm:txLinClrLst/>
+    <dgm:txFillClrLst/>
+    <dgm:txEffectClrLst/>
+  </dgm:styleLbl>
+  <dgm:styleLbl name="asst2">
+    <dgm:fillClrLst meth="repeat">
+      <a:schemeClr val="accent2"/>
+    </dgm:fillClrLst>
+    <dgm:linClrLst meth="repeat">
+      <a:schemeClr val="lt1"/>
+    </dgm:linClrLst>
+    <dgm:effectClrLst/>
+    <dgm:txLinClrLst/>
+    <dgm:txFillClrLst/>
+    <dgm:txEffectClrLst/>
+  </dgm:styleLbl>
+  <dgm:styleLbl name="asst3">
+    <dgm:fillClrLst meth="repeat">
+      <a:schemeClr val="accent2"/>
+    </dgm:fillClrLst>
+    <dgm:linClrLst meth="repeat">
+      <a:schemeClr val="lt1"/>
+    </dgm:linClrLst>
+    <dgm:effectClrLst/>
+    <dgm:txLinClrLst/>
+    <dgm:txFillClrLst/>
+    <dgm:txEffectClrLst/>
+  </dgm:styleLbl>
+  <dgm:styleLbl name="asst4">
+    <dgm:fillClrLst meth="repeat">
+      <a:schemeClr val="accent2"/>
+    </dgm:fillClrLst>
+    <dgm:linClrLst meth="repeat">
+      <a:schemeClr val="lt1"/>
+    </dgm:linClrLst>
+    <dgm:effectClrLst/>
+    <dgm:txLinClrLst/>
+    <dgm:txFillClrLst/>
+    <dgm:txEffectClrLst/>
+  </dgm:styleLbl>
+  <dgm:styleLbl name="parChTrans2D1">
+    <dgm:fillClrLst meth="repeat">
+      <a:schemeClr val="accent2">
+        <a:tint val="60000"/>
+      </a:schemeClr>
+    </dgm:fillClrLst>
+    <dgm:linClrLst meth="repeat">
+      <a:schemeClr val="accent2">
+        <a:tint val="60000"/>
+      </a:schemeClr>
+    </dgm:linClrLst>
+    <dgm:effectClrLst/>
+    <dgm:txLinClrLst/>
+    <dgm:txFillClrLst meth="repeat">
+      <a:schemeClr val="lt1"/>
+    </dgm:txFillClrLst>
+    <dgm:txEffectClrLst/>
+  </dgm:styleLbl>
+  <dgm:styleLbl name="parChTrans2D2">
+    <dgm:fillClrLst meth="repeat">
+      <a:schemeClr val="accent2"/>
+    </dgm:fillClrLst>
+    <dgm:linClrLst meth="repeat">
+      <a:schemeClr val="accent2"/>
+    </dgm:linClrLst>
+    <dgm:effectClrLst/>
+    <dgm:txLinClrLst/>
+    <dgm:txFillClrLst meth="repeat">
+      <a:schemeClr val="lt1"/>
+    </dgm:txFillClrLst>
+    <dgm:txEffectClrLst/>
+  </dgm:styleLbl>
+  <dgm:styleLbl name="parChTrans2D3">
+    <dgm:fillClrLst meth="repeat">
+      <a:schemeClr val="accent2"/>
+    </dgm:fillClrLst>
+    <dgm:linClrLst meth="repeat">
+      <a:schemeClr val="accent2"/>
+    </dgm:linClrLst>
+    <dgm:effectClrLst/>
+    <dgm:txLinClrLst/>
+    <dgm:txFillClrLst meth="repeat">
+      <a:schemeClr val="lt1"/>
+    </dgm:txFillClrLst>
+    <dgm:txEffectClrLst/>
+  </dgm:styleLbl>
+  <dgm:styleLbl name="parChTrans2D4">
+    <dgm:fillClrLst meth="repeat">
+      <a:schemeClr val="accent2"/>
+    </dgm:fillClrLst>
+    <dgm:linClrLst meth="repeat">
+      <a:schemeClr val="accent2"/>
+    </dgm:linClrLst>
+    <dgm:effectClrLst/>
+    <dgm:txLinClrLst/>
+    <dgm:txFillClrLst meth="repeat">
+      <a:schemeClr val="lt1"/>
+    </dgm:txFillClrLst>
+    <dgm:txEffectClrLst/>
+  </dgm:styleLbl>
+  <dgm:styleLbl name="parChTrans1D1">
+    <dgm:fillClrLst meth="repeat">
+      <a:schemeClr val="accent2"/>
+    </dgm:fillClrLst>
+    <dgm:linClrLst meth="repeat">
+      <a:schemeClr val="accent2">
+        <a:shade val="60000"/>
+      </a:schemeClr>
+    </dgm:linClrLst>
+    <dgm:effectClrLst/>
+    <dgm:txLinClrLst/>
+    <dgm:txFillClrLst meth="repeat">
+      <a:schemeClr val="tx1"/>
+    </dgm:txFillClrLst>
+    <dgm:txEffectClrLst/>
+  </dgm:styleLbl>
+  <dgm:styleLbl name="parChTrans1D2">
+    <dgm:fillClrLst meth="repeat">
+      <a:schemeClr val="accent2"/>
+    </dgm:fillClrLst>
+    <dgm:linClrLst meth="repeat">
+      <a:schemeClr val="accent2">
+        <a:shade val="60000"/>
+      </a:schemeClr>
+    </dgm:linClrLst>
+    <dgm:effectClrLst/>
+    <dgm:txLinClrLst/>
+    <dgm:txFillClrLst meth="repeat">
+      <a:schemeClr val="tx1"/>
+    </dgm:txFillClrLst>
+    <dgm:txEffectClrLst/>
+  </dgm:styleLbl>
+  <dgm:styleLbl name="parChTrans1D3">
+    <dgm:fillClrLst meth="repeat">
+      <a:schemeClr val="accent2"/>
+    </dgm:fillClrLst>
+    <dgm:linClrLst meth="repeat">
+      <a:schemeClr val="accent2">
+        <a:shade val="80000"/>
+      </a:schemeClr>
+    </dgm:linClrLst>
+    <dgm:effectClrLst/>
+    <dgm:txLinClrLst/>
+    <dgm:txFillClrLst meth="repeat">
+      <a:schemeClr val="tx1"/>
+    </dgm:txFillClrLst>
+    <dgm:txEffectClrLst/>
+  </dgm:styleLbl>
+  <dgm:styleLbl name="parChTrans1D4">
+    <dgm:fillClrLst meth="repeat">
+      <a:schemeClr val="accent2"/>
+    </dgm:fillClrLst>
+    <dgm:linClrLst meth="repeat">
+      <a:schemeClr val="accent2">
+        <a:shade val="80000"/>
+      </a:schemeClr>
+    </dgm:linClrLst>
+    <dgm:effectClrLst/>
+    <dgm:txLinClrLst/>
+    <dgm:txFillClrLst meth="repeat">
+      <a:schemeClr val="tx1"/>
+    </dgm:txFillClrLst>
+    <dgm:txEffectClrLst/>
+  </dgm:styleLbl>
+  <dgm:styleLbl name="fgAcc1">
+    <dgm:fillClrLst meth="repeat">
+      <a:schemeClr val="lt1">
+        <a:alpha val="90000"/>
+      </a:schemeClr>
+    </dgm:fillClrLst>
+    <dgm:linClrLst meth="repeat">
+      <a:schemeClr val="accent2"/>
+    </dgm:linClrLst>
+    <dgm:effectClrLst/>
+    <dgm:txLinClrLst/>
+    <dgm:txFillClrLst meth="repeat">
+      <a:schemeClr val="dk1"/>
+    </dgm:txFillClrLst>
+    <dgm:txEffectClrLst/>
+  </dgm:styleLbl>
+  <dgm:styleLbl name="conFgAcc1">
+    <dgm:fillClrLst meth="repeat">
+      <a:schemeClr val="lt1">
+        <a:alpha val="90000"/>
+      </a:schemeClr>
+    </dgm:fillClrLst>
+    <dgm:linClrLst meth="repeat">
+      <a:schemeClr val="accent2"/>
+    </dgm:linClrLst>
+    <dgm:effectClrLst/>
+    <dgm:txLinClrLst/>
+    <dgm:txFillClrLst meth="repeat">
+      <a:schemeClr val="dk1"/>
+    </dgm:txFillClrLst>
+    <dgm:txEffectClrLst/>
+  </dgm:styleLbl>
+  <dgm:styleLbl name="alignAcc1">
+    <dgm:fillClrLst meth="repeat">
+      <a:schemeClr val="lt1">
+        <a:alpha val="90000"/>
+      </a:schemeClr>
+    </dgm:fillClrLst>
+    <dgm:linClrLst meth="repeat">
+      <a:schemeClr val="accent2"/>
+    </dgm:linClrLst>
+    <dgm:effectClrLst/>
+    <dgm:txLinClrLst/>
+    <dgm:txFillClrLst meth="repeat">
+      <a:schemeClr val="dk1"/>
+    </dgm:txFillClrLst>
+    <dgm:txEffectClrLst/>
+  </dgm:styleLbl>
+  <dgm:styleLbl name="trAlignAcc1">
+    <dgm:fillClrLst meth="repeat">
+      <a:schemeClr val="lt1">
+        <a:alpha val="40000"/>
+      </a:schemeClr>
+    </dgm:fillClrLst>
+    <dgm:linClrLst meth="repeat">
+      <a:schemeClr val="accent2"/>
+    </dgm:linClrLst>
+    <dgm:effectClrLst/>
+    <dgm:txLinClrLst/>
+    <dgm:txFillClrLst meth="repeat">
+      <a:schemeClr val="dk1"/>
+    </dgm:txFillClrLst>
+    <dgm:txEffectClrLst/>
+  </dgm:styleLbl>
+  <dgm:styleLbl name="bgAcc1">
+    <dgm:fillClrLst meth="repeat">
+      <a:schemeClr val="lt1">
+        <a:alpha val="90000"/>
+      </a:schemeClr>
+    </dgm:fillClrLst>
+    <dgm:linClrLst meth="repeat">
+      <a:schemeClr val="accent2"/>
+    </dgm:linClrLst>
+    <dgm:effectClrLst/>
+    <dgm:txLinClrLst/>
+    <dgm:txFillClrLst meth="repeat">
+      <a:schemeClr val="dk1"/>
+    </dgm:txFillClrLst>
+    <dgm:txEffectClrLst/>
+  </dgm:styleLbl>
+  <dgm:styleLbl name="solidFgAcc1">
+    <dgm:fillClrLst meth="repeat">
+      <a:schemeClr val="lt1"/>
+    </dgm:fillClrLst>
+    <dgm:linClrLst meth="repeat">
+      <a:schemeClr val="accent2"/>
+    </dgm:linClrLst>
+    <dgm:effectClrLst/>
+    <dgm:txLinClrLst/>
+    <dgm:txFillClrLst meth="repeat">
+      <a:schemeClr val="dk1"/>
+    </dgm:txFillClrLst>
+    <dgm:txEffectClrLst/>
+  </dgm:styleLbl>
+  <dgm:styleLbl name="solidAlignAcc1">
+    <dgm:fillClrLst meth="repeat">
+      <a:schemeClr val="lt1"/>
+    </dgm:fillClrLst>
+    <dgm:linClrLst meth="repeat">
+      <a:schemeClr val="accent2"/>
+    </dgm:linClrLst>
+    <dgm:effectClrLst/>
+    <dgm:txLinClrLst/>
+    <dgm:txFillClrLst meth="repeat">
+      <a:schemeClr val="dk1"/>
+    </dgm:txFillClrLst>
+    <dgm:txEffectClrLst/>
+  </dgm:styleLbl>
+  <dgm:styleLbl name="solidBgAcc1">
+    <dgm:fillClrLst meth="repeat">
+      <a:schemeClr val="lt1"/>
+    </dgm:fillClrLst>
+    <dgm:linClrLst meth="repeat">
+      <a:schemeClr val="accent2"/>
+    </dgm:linClrLst>
+    <dgm:effectClrLst/>
+    <dgm:txLinClrLst/>
+    <dgm:txFillClrLst meth="repeat">
+      <a:schemeClr val="dk1"/>
+    </dgm:txFillClrLst>
+    <dgm:txEffectClrLst/>
+  </dgm:styleLbl>
+  <dgm:styleLbl name="fgAccFollowNode1">
+    <dgm:fillClrLst meth="repeat">
+      <a:schemeClr val="accent2">
+        <a:alpha val="90000"/>
+        <a:tint val="40000"/>
+      </a:schemeClr>
+    </dgm:fillClrLst>
+    <dgm:linClrLst meth="repeat">
+      <a:schemeClr val="accent2">
+        <a:alpha val="90000"/>
+        <a:tint val="40000"/>
+      </a:schemeClr>
+    </dgm:linClrLst>
+    <dgm:effectClrLst/>
+    <dgm:txLinClrLst/>
+    <dgm:txFillClrLst meth="repeat">
+      <a:schemeClr val="dk1"/>
+    </dgm:txFillClrLst>
+    <dgm:txEffectClrLst/>
+  </dgm:styleLbl>
+  <dgm:styleLbl name="alignAccFollowNode1">
+    <dgm:fillClrLst meth="repeat">
+      <a:schemeClr val="accent2">
+        <a:alpha val="90000"/>
+        <a:tint val="40000"/>
+      </a:schemeClr>
+    </dgm:fillClrLst>
+    <dgm:linClrLst meth="repeat">
+      <a:schemeClr val="accent2">
+        <a:alpha val="90000"/>
+        <a:tint val="40000"/>
+      </a:schemeClr>
+    </dgm:linClrLst>
+    <dgm:effectClrLst/>
+    <dgm:txLinClrLst/>
+    <dgm:txFillClrLst meth="repeat">
+      <a:schemeClr val="dk1"/>
+    </dgm:txFillClrLst>
+    <dgm:txEffectClrLst/>
+  </dgm:styleLbl>
+  <dgm:styleLbl name="bgAccFollowNode1">
+    <dgm:fillClrLst meth="repeat">
+      <a:schemeClr val="accent2">
+        <a:alpha val="90000"/>
+        <a:tint val="40000"/>
+      </a:schemeClr>
+    </dgm:fillClrLst>
+    <dgm:linClrLst meth="repeat">
+      <a:schemeClr val="accent2">
+        <a:alpha val="90000"/>
+        <a:tint val="40000"/>
+      </a:schemeClr>
+    </dgm:linClrLst>
+    <dgm:effectClrLst/>
+    <dgm:txLinClrLst/>
+    <dgm:txFillClrLst meth="repeat">
+      <a:schemeClr val="dk1"/>
+    </dgm:txFillClrLst>
+    <dgm:txEffectClrLst/>
+  </dgm:styleLbl>
+  <dgm:styleLbl name="fgAcc0">
+    <dgm:fillClrLst meth="repeat">
+      <a:schemeClr val="lt1">
+        <a:alpha val="90000"/>
+      </a:schemeClr>
+    </dgm:fillClrLst>
+    <dgm:linClrLst meth="repeat">
+      <a:schemeClr val="accent2"/>
+    </dgm:linClrLst>
+    <dgm:effectClrLst/>
+    <dgm:txLinClrLst/>
+    <dgm:txFillClrLst meth="repeat">
+      <a:schemeClr val="dk1"/>
+    </dgm:txFillClrLst>
+    <dgm:txEffectClrLst/>
+  </dgm:styleLbl>
+  <dgm:styleLbl name="fgAcc2">
+    <dgm:fillClrLst meth="repeat">
+      <a:schemeClr val="lt1">
+        <a:alpha val="90000"/>
+      </a:schemeClr>
+    </dgm:fillClrLst>
+    <dgm:linClrLst meth="repeat">
+      <a:schemeClr val="accent2"/>
+    </dgm:linClrLst>
+    <dgm:effectClrLst/>
+    <dgm:txLinClrLst/>
+    <dgm:txFillClrLst meth="repeat">
+      <a:schemeClr val="dk1"/>
+    </dgm:txFillClrLst>
+    <dgm:txEffectClrLst/>
+  </dgm:styleLbl>
+  <dgm:styleLbl name="fgAcc3">
+    <dgm:fillClrLst meth="repeat">
+      <a:schemeClr val="lt1">
+        <a:alpha val="90000"/>
+      </a:schemeClr>
+    </dgm:fillClrLst>
+    <dgm:linClrLst meth="repeat">
+      <a:schemeClr val="accent2"/>
+    </dgm:linClrLst>
+    <dgm:effectClrLst/>
+    <dgm:txLinClrLst/>
+    <dgm:txFillClrLst meth="repeat">
+      <a:schemeClr val="dk1"/>
+    </dgm:txFillClrLst>
+    <dgm:txEffectClrLst/>
+  </dgm:styleLbl>
+  <dgm:styleLbl name="fgAcc4">
+    <dgm:fillClrLst meth="repeat">
+      <a:schemeClr val="lt1">
+        <a:alpha val="90000"/>
+      </a:schemeClr>
+    </dgm:fillClrLst>
+    <dgm:linClrLst meth="repeat">
+      <a:schemeClr val="accent2"/>
+    </dgm:linClrLst>
+    <dgm:effectClrLst/>
+    <dgm:txLinClrLst/>
+    <dgm:txFillClrLst meth="repeat">
+      <a:schemeClr val="dk1"/>
+    </dgm:txFillClrLst>
+    <dgm:txEffectClrLst/>
+  </dgm:styleLbl>
+  <dgm:styleLbl name="bgShp">
+    <dgm:fillClrLst meth="repeat">
+      <a:schemeClr val="accent2">
+        <a:tint val="40000"/>
+      </a:schemeClr>
+    </dgm:fillClrLst>
+    <dgm:linClrLst meth="repeat">
+      <a:schemeClr val="accent2"/>
+    </dgm:linClrLst>
+    <dgm:effectClrLst/>
+    <dgm:txLinClrLst/>
+    <dgm:txFillClrLst meth="repeat">
+      <a:schemeClr val="dk1"/>
+    </dgm:txFillClrLst>
+    <dgm:txEffectClrLst/>
+  </dgm:styleLbl>
+  <dgm:styleLbl name="dkBgShp">
+    <dgm:fillClrLst meth="repeat">
+      <a:schemeClr val="accent2">
+        <a:shade val="80000"/>
+      </a:schemeClr>
+    </dgm:fillClrLst>
+    <dgm:linClrLst meth="repeat">
+      <a:schemeClr val="accent2"/>
+    </dgm:linClrLst>
+    <dgm:effectClrLst/>
+    <dgm:txLinClrLst/>
+    <dgm:txFillClrLst meth="repeat">
+      <a:schemeClr val="lt1"/>
+    </dgm:txFillClrLst>
+    <dgm:txEffectClrLst/>
+  </dgm:styleLbl>
+  <dgm:styleLbl name="trBgShp">
+    <dgm:fillClrLst meth="repeat">
+      <a:schemeClr val="accent2">
+        <a:tint val="50000"/>
+        <a:alpha val="40000"/>
+      </a:schemeClr>
+    </dgm:fillClrLst>
+    <dgm:linClrLst meth="repeat">
+      <a:schemeClr val="accent2"/>
+    </dgm:linClrLst>
+    <dgm:effectClrLst/>
+    <dgm:txLinClrLst/>
+    <dgm:txFillClrLst meth="repeat">
+      <a:schemeClr val="lt1"/>
+    </dgm:txFillClrLst>
+    <dgm:txEffectClrLst/>
+  </dgm:styleLbl>
+  <dgm:styleLbl name="fgShp">
+    <dgm:fillClrLst meth="repeat">
+      <a:schemeClr val="accent2">
+        <a:tint val="60000"/>
+      </a:schemeClr>
+    </dgm:fillClrLst>
+    <dgm:linClrLst meth="repeat">
+      <a:schemeClr val="lt1"/>
+    </dgm:linClrLst>
+    <dgm:effectClrLst/>
+    <dgm:txLinClrLst/>
+    <dgm:txFillClrLst meth="repeat">
+      <a:schemeClr val="dk1"/>
+    </dgm:txFillClrLst>
+    <dgm:txEffectClrLst/>
+  </dgm:styleLbl>
+  <dgm:styleLbl name="revTx">
+    <dgm:fillClrLst meth="repeat">
+      <a:schemeClr val="lt1">
+        <a:alpha val="0"/>
+      </a:schemeClr>
+    </dgm:fillClrLst>
+    <dgm:linClrLst meth="repeat">
+      <a:schemeClr val="dk1">
+        <a:alpha val="0"/>
+      </a:schemeClr>
+    </dgm:linClrLst>
+    <dgm:effectClrLst/>
+    <dgm:txLinClrLst/>
+    <dgm:txFillClrLst meth="repeat">
+      <a:schemeClr val="tx1"/>
+    </dgm:txFillClrLst>
+    <dgm:txEffectClrLst/>
+  </dgm:styleLbl>
+</dgm:colorsDef>
+</file>
+
+<file path=ppt/diagrams/colors5.xml><?xml version="1.0" encoding="utf-8"?>
 <dgm:colorsDef xmlns:dgm="http://schemas.openxmlformats.org/drawingml/2006/diagram" xmlns:a="http://schemas.openxmlformats.org/drawingml/2006/main" uniqueId="urn:microsoft.com/office/officeart/2005/8/colors/accent1_2">
   <dgm:title val=""/>
   <dgm:desc val=""/>
@@ -4492,6 +5242,45 @@
 <file path=ppt/diagrams/data4.xml><?xml version="1.0" encoding="utf-8"?>
 <dgm:dataModel xmlns:dgm="http://schemas.openxmlformats.org/drawingml/2006/diagram" xmlns:a="http://schemas.openxmlformats.org/drawingml/2006/main">
   <dgm:ptLst>
+    <dgm:pt modelId="{38F77BF4-091E-41CD-B343-F12A36323783}" type="doc">
+      <dgm:prSet loTypeId="urn:microsoft.com/office/officeart/2005/8/layout/process5" loCatId="process" qsTypeId="urn:microsoft.com/office/officeart/2005/8/quickstyle/simple1" qsCatId="simple" csTypeId="urn:microsoft.com/office/officeart/2005/8/colors/accent2_2" csCatId="accent2" phldr="1"/>
+      <dgm:spPr/>
+      <dgm:t>
+        <a:bodyPr/>
+        <a:lstStyle/>
+        <a:p>
+          <a:endParaRPr lang="en-US"/>
+        </a:p>
+      </dgm:t>
+    </dgm:pt>
+    <dgm:pt modelId="{3AA6D941-D128-4247-AB08-845294BA2BA4}" type="pres">
+      <dgm:prSet presAssocID="{38F77BF4-091E-41CD-B343-F12A36323783}" presName="diagram" presStyleCnt="0">
+        <dgm:presLayoutVars>
+          <dgm:dir/>
+          <dgm:resizeHandles val="exact"/>
+        </dgm:presLayoutVars>
+      </dgm:prSet>
+      <dgm:spPr/>
+    </dgm:pt>
+  </dgm:ptLst>
+  <dgm:cxnLst>
+    <dgm:cxn modelId="{ED606750-680B-496F-AAE3-53188FC05B4C}" type="presOf" srcId="{38F77BF4-091E-41CD-B343-F12A36323783}" destId="{3AA6D941-D128-4247-AB08-845294BA2BA4}" srcOrd="0" destOrd="0" presId="urn:microsoft.com/office/officeart/2005/8/layout/process5"/>
+  </dgm:cxnLst>
+  <dgm:bg/>
+  <dgm:whole>
+    <a:ln w="3175"/>
+  </dgm:whole>
+  <dgm:extLst>
+    <a:ext uri="http://schemas.microsoft.com/office/drawing/2008/diagram">
+      <dsp:dataModelExt xmlns:dsp="http://schemas.microsoft.com/office/drawing/2008/diagram" relId="rId6" minVer="http://schemas.openxmlformats.org/drawingml/2006/diagram"/>
+    </a:ext>
+  </dgm:extLst>
+</dgm:dataModel>
+</file>
+
+<file path=ppt/diagrams/data5.xml><?xml version="1.0" encoding="utf-8"?>
+<dgm:dataModel xmlns:dgm="http://schemas.openxmlformats.org/drawingml/2006/diagram" xmlns:a="http://schemas.openxmlformats.org/drawingml/2006/main">
+  <dgm:ptLst>
     <dgm:pt modelId="{A19D50D0-9BB2-4746-8E91-B42DC38A8799}" type="doc">
       <dgm:prSet loTypeId="urn:microsoft.com/office/officeart/2005/8/layout/process2" loCatId="process" qsTypeId="urn:microsoft.com/office/officeart/2005/8/quickstyle/simple2" qsCatId="simple" csTypeId="urn:microsoft.com/office/officeart/2005/8/colors/accent1_2" csCatId="accent1" phldr="1"/>
       <dgm:spPr/>
@@ -4733,7 +5522,7 @@
       <dgm:spPr/>
     </dgm:pt>
     <dgm:pt modelId="{CF885E57-8E9B-46E7-860E-FAFAFE39739C}" type="pres">
-      <dgm:prSet presAssocID="{AF136162-345E-4A48-ACBE-C085297D0CFF}" presName="node" presStyleLbl="node1" presStyleIdx="0" presStyleCnt="6" custScaleX="317920">
+      <dgm:prSet presAssocID="{AF136162-345E-4A48-ACBE-C085297D0CFF}" presName="node" presStyleLbl="node1" presStyleIdx="0" presStyleCnt="6" custScaleX="317920" custLinFactNeighborX="36211" custLinFactNeighborY="-66665">
         <dgm:presLayoutVars>
           <dgm:bulletEnabled val="1"/>
         </dgm:presLayoutVars>
@@ -7513,6 +8302,18 @@
       <dsp:cNvGrpSpPr/>
     </dsp:nvGrpSpPr>
     <dsp:grpSpPr/>
+  </dsp:spTree>
+</dsp:drawing>
+</file>
+
+<file path=ppt/diagrams/drawing5.xml><?xml version="1.0" encoding="utf-8"?>
+<dsp:drawing xmlns:dgm="http://schemas.openxmlformats.org/drawingml/2006/diagram" xmlns:dsp="http://schemas.microsoft.com/office/drawing/2008/diagram" xmlns:a="http://schemas.openxmlformats.org/drawingml/2006/main">
+  <dsp:spTree>
+    <dsp:nvGrpSpPr>
+      <dsp:cNvPr id="0" name=""/>
+      <dsp:cNvGrpSpPr/>
+    </dsp:nvGrpSpPr>
+    <dsp:grpSpPr/>
     <dsp:sp modelId="{CF885E57-8E9B-46E7-860E-FAFAFE39739C}">
       <dsp:nvSpPr>
         <dsp:cNvPr id="0" name=""/>
@@ -7520,7 +8321,7 @@
       </dsp:nvSpPr>
       <dsp:spPr>
         <a:xfrm>
-          <a:off x="0" y="1744"/>
+          <a:off x="0" y="0"/>
           <a:ext cx="4933950" cy="516888"/>
         </a:xfrm>
         <a:prstGeom prst="roundRect">
@@ -7589,7 +8390,7 @@
         </a:p>
       </dsp:txBody>
       <dsp:txXfrm>
-        <a:off x="15139" y="16883"/>
+        <a:off x="15139" y="15139"/>
         <a:ext cx="4903672" cy="486610"/>
       </dsp:txXfrm>
     </dsp:sp>
@@ -7600,8 +8401,8 @@
       </dsp:nvSpPr>
       <dsp:spPr>
         <a:xfrm rot="5400000">
-          <a:off x="2370058" y="531554"/>
-          <a:ext cx="193833" cy="232599"/>
+          <a:off x="2369404" y="530682"/>
+          <a:ext cx="195141" cy="232599"/>
         </a:xfrm>
         <a:prstGeom prst="rightArrow">
           <a:avLst>
@@ -7659,8 +8460,8 @@
         </a:p>
       </dsp:txBody>
       <dsp:txXfrm rot="-5400000">
-        <a:off x="2397195" y="550937"/>
-        <a:ext cx="139559" cy="135683"/>
+        <a:off x="2397195" y="549411"/>
+        <a:ext cx="139559" cy="136599"/>
       </dsp:txXfrm>
     </dsp:sp>
     <dsp:sp modelId="{6D3E3D4D-1AC8-44D1-ABDF-FAA70FD27685}">
@@ -9416,6 +10217,177 @@
 </file>
 
 <file path=ppt/diagrams/layout4.xml><?xml version="1.0" encoding="utf-8"?>
+<dgm:layoutDef xmlns:dgm="http://schemas.openxmlformats.org/drawingml/2006/diagram" xmlns:a="http://schemas.openxmlformats.org/drawingml/2006/main" uniqueId="urn:microsoft.com/office/officeart/2005/8/layout/process5">
+  <dgm:title val=""/>
+  <dgm:desc val=""/>
+  <dgm:catLst>
+    <dgm:cat type="process" pri="17000"/>
+  </dgm:catLst>
+  <dgm:sampData>
+    <dgm:dataModel>
+      <dgm:ptLst>
+        <dgm:pt modelId="0" type="doc"/>
+        <dgm:pt modelId="1">
+          <dgm:prSet phldr="1"/>
+        </dgm:pt>
+        <dgm:pt modelId="2">
+          <dgm:prSet phldr="1"/>
+        </dgm:pt>
+        <dgm:pt modelId="3">
+          <dgm:prSet phldr="1"/>
+        </dgm:pt>
+        <dgm:pt modelId="4">
+          <dgm:prSet phldr="1"/>
+        </dgm:pt>
+        <dgm:pt modelId="5">
+          <dgm:prSet phldr="1"/>
+        </dgm:pt>
+      </dgm:ptLst>
+      <dgm:cxnLst>
+        <dgm:cxn modelId="7" srcId="0" destId="1" srcOrd="0" destOrd="0"/>
+        <dgm:cxn modelId="8" srcId="0" destId="2" srcOrd="1" destOrd="0"/>
+        <dgm:cxn modelId="9" srcId="0" destId="3" srcOrd="2" destOrd="0"/>
+        <dgm:cxn modelId="10" srcId="0" destId="4" srcOrd="3" destOrd="0"/>
+        <dgm:cxn modelId="11" srcId="0" destId="5" srcOrd="4" destOrd="0"/>
+      </dgm:cxnLst>
+      <dgm:bg/>
+      <dgm:whole/>
+    </dgm:dataModel>
+  </dgm:sampData>
+  <dgm:styleData>
+    <dgm:dataModel>
+      <dgm:ptLst>
+        <dgm:pt modelId="0" type="doc"/>
+        <dgm:pt modelId="1"/>
+        <dgm:pt modelId="2"/>
+      </dgm:ptLst>
+      <dgm:cxnLst>
+        <dgm:cxn modelId="3" srcId="0" destId="1" srcOrd="0" destOrd="0"/>
+        <dgm:cxn modelId="4" srcId="0" destId="2" srcOrd="1" destOrd="0"/>
+      </dgm:cxnLst>
+      <dgm:bg/>
+      <dgm:whole/>
+    </dgm:dataModel>
+  </dgm:styleData>
+  <dgm:clrData>
+    <dgm:dataModel>
+      <dgm:ptLst>
+        <dgm:pt modelId="0" type="doc"/>
+        <dgm:pt modelId="1"/>
+        <dgm:pt modelId="2"/>
+        <dgm:pt modelId="3"/>
+        <dgm:pt modelId="4"/>
+      </dgm:ptLst>
+      <dgm:cxnLst>
+        <dgm:cxn modelId="5" srcId="0" destId="1" srcOrd="0" destOrd="0"/>
+        <dgm:cxn modelId="6" srcId="0" destId="2" srcOrd="1" destOrd="0"/>
+        <dgm:cxn modelId="7" srcId="0" destId="3" srcOrd="2" destOrd="0"/>
+        <dgm:cxn modelId="8" srcId="0" destId="4" srcOrd="3" destOrd="0"/>
+      </dgm:cxnLst>
+      <dgm:bg/>
+      <dgm:whole/>
+    </dgm:dataModel>
+  </dgm:clrData>
+  <dgm:layoutNode name="diagram">
+    <dgm:varLst>
+      <dgm:dir/>
+      <dgm:resizeHandles val="exact"/>
+    </dgm:varLst>
+    <dgm:choose name="Name0">
+      <dgm:if name="Name1" axis="self" func="var" arg="dir" op="equ" val="norm">
+        <dgm:alg type="snake">
+          <dgm:param type="grDir" val="tL"/>
+          <dgm:param type="flowDir" val="row"/>
+          <dgm:param type="contDir" val="revDir"/>
+          <dgm:param type="bkpt" val="endCnv"/>
+        </dgm:alg>
+      </dgm:if>
+      <dgm:else name="Name2">
+        <dgm:alg type="snake">
+          <dgm:param type="grDir" val="tR"/>
+          <dgm:param type="flowDir" val="row"/>
+          <dgm:param type="contDir" val="revDir"/>
+          <dgm:param type="bkpt" val="endCnv"/>
+        </dgm:alg>
+      </dgm:else>
+    </dgm:choose>
+    <dgm:shape xmlns:r="http://schemas.openxmlformats.org/officeDocument/2006/relationships" r:blip="">
+      <dgm:adjLst/>
+    </dgm:shape>
+    <dgm:presOf/>
+    <dgm:constrLst>
+      <dgm:constr type="w" for="ch" ptType="node" refType="w"/>
+      <dgm:constr type="w" for="ch" forName="sibTrans" refType="w" refFor="ch" refPtType="node" op="equ" fact="0.4"/>
+      <dgm:constr type="sp" refType="w" refFor="ch" refForName="sibTrans" op="equ"/>
+      <dgm:constr type="primFontSz" for="ch" ptType="node" op="equ" val="65"/>
+      <dgm:constr type="primFontSz" for="des" forName="connectorText" op="equ" val="55"/>
+      <dgm:constr type="primFontSz" for="des" forName="connectorText" refType="primFontSz" refFor="ch" refPtType="node" op="lte" fact="0.8"/>
+    </dgm:constrLst>
+    <dgm:ruleLst/>
+    <dgm:forEach name="nodesForEach" axis="ch" ptType="node">
+      <dgm:layoutNode name="node">
+        <dgm:varLst>
+          <dgm:bulletEnabled val="1"/>
+        </dgm:varLst>
+        <dgm:alg type="tx"/>
+        <dgm:shape xmlns:r="http://schemas.openxmlformats.org/officeDocument/2006/relationships" type="roundRect" r:blip="">
+          <dgm:adjLst>
+            <dgm:adj idx="1" val="0.1"/>
+          </dgm:adjLst>
+        </dgm:shape>
+        <dgm:presOf axis="desOrSelf" ptType="node"/>
+        <dgm:constrLst>
+          <dgm:constr type="h" refType="w" fact="0.6"/>
+          <dgm:constr type="tMarg" refType="primFontSz" fact="0.3"/>
+          <dgm:constr type="bMarg" refType="primFontSz" fact="0.3"/>
+          <dgm:constr type="lMarg" refType="primFontSz" fact="0.3"/>
+          <dgm:constr type="rMarg" refType="primFontSz" fact="0.3"/>
+        </dgm:constrLst>
+        <dgm:ruleLst>
+          <dgm:rule type="primFontSz" val="5" fact="NaN" max="NaN"/>
+        </dgm:ruleLst>
+      </dgm:layoutNode>
+      <dgm:forEach name="sibTransForEach" axis="followSib" ptType="sibTrans" cnt="1">
+        <dgm:layoutNode name="sibTrans">
+          <dgm:alg type="conn">
+            <dgm:param type="begPts" val="auto"/>
+            <dgm:param type="endPts" val="auto"/>
+          </dgm:alg>
+          <dgm:shape xmlns:r="http://schemas.openxmlformats.org/officeDocument/2006/relationships" type="conn" r:blip="">
+            <dgm:adjLst/>
+          </dgm:shape>
+          <dgm:presOf axis="self"/>
+          <dgm:constrLst>
+            <dgm:constr type="h" refType="w" fact="0.62"/>
+            <dgm:constr type="connDist"/>
+          </dgm:constrLst>
+          <dgm:ruleLst/>
+          <dgm:layoutNode name="connectorText">
+            <dgm:alg type="tx">
+              <dgm:param type="autoTxRot" val="upr"/>
+            </dgm:alg>
+            <dgm:shape xmlns:r="http://schemas.openxmlformats.org/officeDocument/2006/relationships" type="conn" r:blip="" hideGeom="1">
+              <dgm:adjLst/>
+            </dgm:shape>
+            <dgm:presOf axis="self"/>
+            <dgm:constrLst>
+              <dgm:constr type="lMarg"/>
+              <dgm:constr type="rMarg"/>
+              <dgm:constr type="tMarg"/>
+              <dgm:constr type="bMarg"/>
+            </dgm:constrLst>
+            <dgm:ruleLst>
+              <dgm:rule type="primFontSz" val="5" fact="NaN" max="NaN"/>
+            </dgm:ruleLst>
+          </dgm:layoutNode>
+        </dgm:layoutNode>
+      </dgm:forEach>
+    </dgm:forEach>
+  </dgm:layoutNode>
+</dgm:layoutDef>
+</file>
+
+<file path=ppt/diagrams/layout5.xml><?xml version="1.0" encoding="utf-8"?>
 <dgm:layoutDef xmlns:dgm="http://schemas.openxmlformats.org/drawingml/2006/diagram" xmlns:a="http://schemas.openxmlformats.org/drawingml/2006/main" uniqueId="urn:microsoft.com/office/officeart/2005/8/layout/process2">
   <dgm:title val=""/>
   <dgm:desc val=""/>
@@ -12667,6 +13639,1040 @@
 </file>
 
 <file path=ppt/diagrams/quickStyle4.xml><?xml version="1.0" encoding="utf-8"?>
+<dgm:styleDef xmlns:dgm="http://schemas.openxmlformats.org/drawingml/2006/diagram" xmlns:a="http://schemas.openxmlformats.org/drawingml/2006/main" uniqueId="urn:microsoft.com/office/officeart/2005/8/quickstyle/simple1">
+  <dgm:title val=""/>
+  <dgm:desc val=""/>
+  <dgm:catLst>
+    <dgm:cat type="simple" pri="10100"/>
+  </dgm:catLst>
+  <dgm:scene3d>
+    <a:camera prst="orthographicFront"/>
+    <a:lightRig rig="threePt" dir="t"/>
+  </dgm:scene3d>
+  <dgm:styleLbl name="node0">
+    <dgm:scene3d>
+      <a:camera prst="orthographicFront"/>
+      <a:lightRig rig="threePt" dir="t"/>
+    </dgm:scene3d>
+    <dgm:sp3d/>
+    <dgm:txPr/>
+    <dgm:style>
+      <a:lnRef idx="2">
+        <a:scrgbClr r="0" g="0" b="0"/>
+      </a:lnRef>
+      <a:fillRef idx="1">
+        <a:scrgbClr r="0" g="0" b="0"/>
+      </a:fillRef>
+      <a:effectRef idx="0">
+        <a:scrgbClr r="0" g="0" b="0"/>
+      </a:effectRef>
+      <a:fontRef idx="minor">
+        <a:schemeClr val="lt1"/>
+      </a:fontRef>
+    </dgm:style>
+  </dgm:styleLbl>
+  <dgm:styleLbl name="lnNode1">
+    <dgm:scene3d>
+      <a:camera prst="orthographicFront"/>
+      <a:lightRig rig="threePt" dir="t"/>
+    </dgm:scene3d>
+    <dgm:sp3d/>
+    <dgm:txPr/>
+    <dgm:style>
+      <a:lnRef idx="2">
+        <a:scrgbClr r="0" g="0" b="0"/>
+      </a:lnRef>
+      <a:fillRef idx="1">
+        <a:scrgbClr r="0" g="0" b="0"/>
+      </a:fillRef>
+      <a:effectRef idx="0">
+        <a:scrgbClr r="0" g="0" b="0"/>
+      </a:effectRef>
+      <a:fontRef idx="minor">
+        <a:schemeClr val="lt1"/>
+      </a:fontRef>
+    </dgm:style>
+  </dgm:styleLbl>
+  <dgm:styleLbl name="vennNode1">
+    <dgm:scene3d>
+      <a:camera prst="orthographicFront"/>
+      <a:lightRig rig="threePt" dir="t"/>
+    </dgm:scene3d>
+    <dgm:sp3d/>
+    <dgm:txPr/>
+    <dgm:style>
+      <a:lnRef idx="2">
+        <a:scrgbClr r="0" g="0" b="0"/>
+      </a:lnRef>
+      <a:fillRef idx="1">
+        <a:scrgbClr r="0" g="0" b="0"/>
+      </a:fillRef>
+      <a:effectRef idx="0">
+        <a:scrgbClr r="0" g="0" b="0"/>
+      </a:effectRef>
+      <a:fontRef idx="minor">
+        <a:schemeClr val="tx1"/>
+      </a:fontRef>
+    </dgm:style>
+  </dgm:styleLbl>
+  <dgm:styleLbl name="alignNode1">
+    <dgm:scene3d>
+      <a:camera prst="orthographicFront"/>
+      <a:lightRig rig="threePt" dir="t"/>
+    </dgm:scene3d>
+    <dgm:sp3d/>
+    <dgm:txPr/>
+    <dgm:style>
+      <a:lnRef idx="2">
+        <a:scrgbClr r="0" g="0" b="0"/>
+      </a:lnRef>
+      <a:fillRef idx="1">
+        <a:scrgbClr r="0" g="0" b="0"/>
+      </a:fillRef>
+      <a:effectRef idx="0">
+        <a:scrgbClr r="0" g="0" b="0"/>
+      </a:effectRef>
+      <a:fontRef idx="minor">
+        <a:schemeClr val="lt1"/>
+      </a:fontRef>
+    </dgm:style>
+  </dgm:styleLbl>
+  <dgm:styleLbl name="node1">
+    <dgm:scene3d>
+      <a:camera prst="orthographicFront"/>
+      <a:lightRig rig="threePt" dir="t"/>
+    </dgm:scene3d>
+    <dgm:sp3d/>
+    <dgm:txPr/>
+    <dgm:style>
+      <a:lnRef idx="2">
+        <a:scrgbClr r="0" g="0" b="0"/>
+      </a:lnRef>
+      <a:fillRef idx="1">
+        <a:scrgbClr r="0" g="0" b="0"/>
+      </a:fillRef>
+      <a:effectRef idx="0">
+        <a:scrgbClr r="0" g="0" b="0"/>
+      </a:effectRef>
+      <a:fontRef idx="minor">
+        <a:schemeClr val="lt1"/>
+      </a:fontRef>
+    </dgm:style>
+  </dgm:styleLbl>
+  <dgm:styleLbl name="node2">
+    <dgm:scene3d>
+      <a:camera prst="orthographicFront"/>
+      <a:lightRig rig="threePt" dir="t"/>
+    </dgm:scene3d>
+    <dgm:sp3d/>
+    <dgm:txPr/>
+    <dgm:style>
+      <a:lnRef idx="2">
+        <a:scrgbClr r="0" g="0" b="0"/>
+      </a:lnRef>
+      <a:fillRef idx="1">
+        <a:scrgbClr r="0" g="0" b="0"/>
+      </a:fillRef>
+      <a:effectRef idx="0">
+        <a:scrgbClr r="0" g="0" b="0"/>
+      </a:effectRef>
+      <a:fontRef idx="minor">
+        <a:schemeClr val="lt1"/>
+      </a:fontRef>
+    </dgm:style>
+  </dgm:styleLbl>
+  <dgm:styleLbl name="node3">
+    <dgm:scene3d>
+      <a:camera prst="orthographicFront"/>
+      <a:lightRig rig="threePt" dir="t"/>
+    </dgm:scene3d>
+    <dgm:sp3d/>
+    <dgm:txPr/>
+    <dgm:style>
+      <a:lnRef idx="2">
+        <a:scrgbClr r="0" g="0" b="0"/>
+      </a:lnRef>
+      <a:fillRef idx="1">
+        <a:scrgbClr r="0" g="0" b="0"/>
+      </a:fillRef>
+      <a:effectRef idx="0">
+        <a:scrgbClr r="0" g="0" b="0"/>
+      </a:effectRef>
+      <a:fontRef idx="minor">
+        <a:schemeClr val="lt1"/>
+      </a:fontRef>
+    </dgm:style>
+  </dgm:styleLbl>
+  <dgm:styleLbl name="node4">
+    <dgm:scene3d>
+      <a:camera prst="orthographicFront"/>
+      <a:lightRig rig="threePt" dir="t"/>
+    </dgm:scene3d>
+    <dgm:sp3d/>
+    <dgm:txPr/>
+    <dgm:style>
+      <a:lnRef idx="2">
+        <a:scrgbClr r="0" g="0" b="0"/>
+      </a:lnRef>
+      <a:fillRef idx="1">
+        <a:scrgbClr r="0" g="0" b="0"/>
+      </a:fillRef>
+      <a:effectRef idx="0">
+        <a:scrgbClr r="0" g="0" b="0"/>
+      </a:effectRef>
+      <a:fontRef idx="minor">
+        <a:schemeClr val="lt1"/>
+      </a:fontRef>
+    </dgm:style>
+  </dgm:styleLbl>
+  <dgm:styleLbl name="fgImgPlace1">
+    <dgm:scene3d>
+      <a:camera prst="orthographicFront"/>
+      <a:lightRig rig="threePt" dir="t"/>
+    </dgm:scene3d>
+    <dgm:sp3d/>
+    <dgm:txPr/>
+    <dgm:style>
+      <a:lnRef idx="2">
+        <a:scrgbClr r="0" g="0" b="0"/>
+      </a:lnRef>
+      <a:fillRef idx="1">
+        <a:scrgbClr r="0" g="0" b="0"/>
+      </a:fillRef>
+      <a:effectRef idx="0">
+        <a:scrgbClr r="0" g="0" b="0"/>
+      </a:effectRef>
+      <a:fontRef idx="minor"/>
+    </dgm:style>
+  </dgm:styleLbl>
+  <dgm:styleLbl name="alignImgPlace1">
+    <dgm:scene3d>
+      <a:camera prst="orthographicFront"/>
+      <a:lightRig rig="threePt" dir="t"/>
+    </dgm:scene3d>
+    <dgm:sp3d/>
+    <dgm:txPr/>
+    <dgm:style>
+      <a:lnRef idx="2">
+        <a:scrgbClr r="0" g="0" b="0"/>
+      </a:lnRef>
+      <a:fillRef idx="1">
+        <a:scrgbClr r="0" g="0" b="0"/>
+      </a:fillRef>
+      <a:effectRef idx="0">
+        <a:scrgbClr r="0" g="0" b="0"/>
+      </a:effectRef>
+      <a:fontRef idx="minor"/>
+    </dgm:style>
+  </dgm:styleLbl>
+  <dgm:styleLbl name="bgImgPlace1">
+    <dgm:scene3d>
+      <a:camera prst="orthographicFront"/>
+      <a:lightRig rig="threePt" dir="t"/>
+    </dgm:scene3d>
+    <dgm:sp3d/>
+    <dgm:txPr/>
+    <dgm:style>
+      <a:lnRef idx="2">
+        <a:scrgbClr r="0" g="0" b="0"/>
+      </a:lnRef>
+      <a:fillRef idx="1">
+        <a:scrgbClr r="0" g="0" b="0"/>
+      </a:fillRef>
+      <a:effectRef idx="0">
+        <a:scrgbClr r="0" g="0" b="0"/>
+      </a:effectRef>
+      <a:fontRef idx="minor"/>
+    </dgm:style>
+  </dgm:styleLbl>
+  <dgm:styleLbl name="sibTrans2D1">
+    <dgm:scene3d>
+      <a:camera prst="orthographicFront"/>
+      <a:lightRig rig="threePt" dir="t"/>
+    </dgm:scene3d>
+    <dgm:sp3d/>
+    <dgm:txPr/>
+    <dgm:style>
+      <a:lnRef idx="0">
+        <a:scrgbClr r="0" g="0" b="0"/>
+      </a:lnRef>
+      <a:fillRef idx="1">
+        <a:scrgbClr r="0" g="0" b="0"/>
+      </a:fillRef>
+      <a:effectRef idx="0">
+        <a:scrgbClr r="0" g="0" b="0"/>
+      </a:effectRef>
+      <a:fontRef idx="minor">
+        <a:schemeClr val="lt1"/>
+      </a:fontRef>
+    </dgm:style>
+  </dgm:styleLbl>
+  <dgm:styleLbl name="fgSibTrans2D1">
+    <dgm:scene3d>
+      <a:camera prst="orthographicFront"/>
+      <a:lightRig rig="threePt" dir="t"/>
+    </dgm:scene3d>
+    <dgm:sp3d/>
+    <dgm:txPr/>
+    <dgm:style>
+      <a:lnRef idx="0">
+        <a:scrgbClr r="0" g="0" b="0"/>
+      </a:lnRef>
+      <a:fillRef idx="1">
+        <a:scrgbClr r="0" g="0" b="0"/>
+      </a:fillRef>
+      <a:effectRef idx="0">
+        <a:scrgbClr r="0" g="0" b="0"/>
+      </a:effectRef>
+      <a:fontRef idx="minor">
+        <a:schemeClr val="lt1"/>
+      </a:fontRef>
+    </dgm:style>
+  </dgm:styleLbl>
+  <dgm:styleLbl name="bgSibTrans2D1">
+    <dgm:scene3d>
+      <a:camera prst="orthographicFront"/>
+      <a:lightRig rig="threePt" dir="t"/>
+    </dgm:scene3d>
+    <dgm:sp3d/>
+    <dgm:txPr/>
+    <dgm:style>
+      <a:lnRef idx="0">
+        <a:scrgbClr r="0" g="0" b="0"/>
+      </a:lnRef>
+      <a:fillRef idx="1">
+        <a:scrgbClr r="0" g="0" b="0"/>
+      </a:fillRef>
+      <a:effectRef idx="0">
+        <a:scrgbClr r="0" g="0" b="0"/>
+      </a:effectRef>
+      <a:fontRef idx="minor">
+        <a:schemeClr val="lt1"/>
+      </a:fontRef>
+    </dgm:style>
+  </dgm:styleLbl>
+  <dgm:styleLbl name="sibTrans1D1">
+    <dgm:scene3d>
+      <a:camera prst="orthographicFront"/>
+      <a:lightRig rig="threePt" dir="t"/>
+    </dgm:scene3d>
+    <dgm:sp3d/>
+    <dgm:txPr/>
+    <dgm:style>
+      <a:lnRef idx="1">
+        <a:scrgbClr r="0" g="0" b="0"/>
+      </a:lnRef>
+      <a:fillRef idx="0">
+        <a:scrgbClr r="0" g="0" b="0"/>
+      </a:fillRef>
+      <a:effectRef idx="0">
+        <a:scrgbClr r="0" g="0" b="0"/>
+      </a:effectRef>
+      <a:fontRef idx="minor"/>
+    </dgm:style>
+  </dgm:styleLbl>
+  <dgm:styleLbl name="callout">
+    <dgm:scene3d>
+      <a:camera prst="orthographicFront"/>
+      <a:lightRig rig="threePt" dir="t"/>
+    </dgm:scene3d>
+    <dgm:sp3d/>
+    <dgm:txPr/>
+    <dgm:style>
+      <a:lnRef idx="2">
+        <a:scrgbClr r="0" g="0" b="0"/>
+      </a:lnRef>
+      <a:fillRef idx="1">
+        <a:scrgbClr r="0" g="0" b="0"/>
+      </a:fillRef>
+      <a:effectRef idx="0">
+        <a:scrgbClr r="0" g="0" b="0"/>
+      </a:effectRef>
+      <a:fontRef idx="minor"/>
+    </dgm:style>
+  </dgm:styleLbl>
+  <dgm:styleLbl name="asst0">
+    <dgm:scene3d>
+      <a:camera prst="orthographicFront"/>
+      <a:lightRig rig="threePt" dir="t"/>
+    </dgm:scene3d>
+    <dgm:sp3d/>
+    <dgm:txPr/>
+    <dgm:style>
+      <a:lnRef idx="2">
+        <a:scrgbClr r="0" g="0" b="0"/>
+      </a:lnRef>
+      <a:fillRef idx="1">
+        <a:scrgbClr r="0" g="0" b="0"/>
+      </a:fillRef>
+      <a:effectRef idx="0">
+        <a:scrgbClr r="0" g="0" b="0"/>
+      </a:effectRef>
+      <a:fontRef idx="minor">
+        <a:schemeClr val="lt1"/>
+      </a:fontRef>
+    </dgm:style>
+  </dgm:styleLbl>
+  <dgm:styleLbl name="asst1">
+    <dgm:scene3d>
+      <a:camera prst="orthographicFront"/>
+      <a:lightRig rig="threePt" dir="t"/>
+    </dgm:scene3d>
+    <dgm:sp3d/>
+    <dgm:txPr/>
+    <dgm:style>
+      <a:lnRef idx="2">
+        <a:scrgbClr r="0" g="0" b="0"/>
+      </a:lnRef>
+      <a:fillRef idx="1">
+        <a:scrgbClr r="0" g="0" b="0"/>
+      </a:fillRef>
+      <a:effectRef idx="0">
+        <a:scrgbClr r="0" g="0" b="0"/>
+      </a:effectRef>
+      <a:fontRef idx="minor">
+        <a:schemeClr val="lt1"/>
+      </a:fontRef>
+    </dgm:style>
+  </dgm:styleLbl>
+  <dgm:styleLbl name="asst2">
+    <dgm:scene3d>
+      <a:camera prst="orthographicFront"/>
+      <a:lightRig rig="threePt" dir="t"/>
+    </dgm:scene3d>
+    <dgm:sp3d/>
+    <dgm:txPr/>
+    <dgm:style>
+      <a:lnRef idx="2">
+        <a:scrgbClr r="0" g="0" b="0"/>
+      </a:lnRef>
+      <a:fillRef idx="1">
+        <a:scrgbClr r="0" g="0" b="0"/>
+      </a:fillRef>
+      <a:effectRef idx="0">
+        <a:scrgbClr r="0" g="0" b="0"/>
+      </a:effectRef>
+      <a:fontRef idx="minor">
+        <a:schemeClr val="lt1"/>
+      </a:fontRef>
+    </dgm:style>
+  </dgm:styleLbl>
+  <dgm:styleLbl name="asst3">
+    <dgm:scene3d>
+      <a:camera prst="orthographicFront"/>
+      <a:lightRig rig="threePt" dir="t"/>
+    </dgm:scene3d>
+    <dgm:sp3d/>
+    <dgm:txPr/>
+    <dgm:style>
+      <a:lnRef idx="2">
+        <a:scrgbClr r="0" g="0" b="0"/>
+      </a:lnRef>
+      <a:fillRef idx="1">
+        <a:scrgbClr r="0" g="0" b="0"/>
+      </a:fillRef>
+      <a:effectRef idx="0">
+        <a:scrgbClr r="0" g="0" b="0"/>
+      </a:effectRef>
+      <a:fontRef idx="minor">
+        <a:schemeClr val="lt1"/>
+      </a:fontRef>
+    </dgm:style>
+  </dgm:styleLbl>
+  <dgm:styleLbl name="asst4">
+    <dgm:scene3d>
+      <a:camera prst="orthographicFront"/>
+      <a:lightRig rig="threePt" dir="t"/>
+    </dgm:scene3d>
+    <dgm:sp3d/>
+    <dgm:txPr/>
+    <dgm:style>
+      <a:lnRef idx="2">
+        <a:scrgbClr r="0" g="0" b="0"/>
+      </a:lnRef>
+      <a:fillRef idx="1">
+        <a:scrgbClr r="0" g="0" b="0"/>
+      </a:fillRef>
+      <a:effectRef idx="0">
+        <a:scrgbClr r="0" g="0" b="0"/>
+      </a:effectRef>
+      <a:fontRef idx="minor">
+        <a:schemeClr val="lt1"/>
+      </a:fontRef>
+    </dgm:style>
+  </dgm:styleLbl>
+  <dgm:styleLbl name="parChTrans2D1">
+    <dgm:scene3d>
+      <a:camera prst="orthographicFront"/>
+      <a:lightRig rig="threePt" dir="t"/>
+    </dgm:scene3d>
+    <dgm:sp3d/>
+    <dgm:txPr/>
+    <dgm:style>
+      <a:lnRef idx="2">
+        <a:scrgbClr r="0" g="0" b="0"/>
+      </a:lnRef>
+      <a:fillRef idx="1">
+        <a:scrgbClr r="0" g="0" b="0"/>
+      </a:fillRef>
+      <a:effectRef idx="0">
+        <a:scrgbClr r="0" g="0" b="0"/>
+      </a:effectRef>
+      <a:fontRef idx="minor">
+        <a:schemeClr val="lt1"/>
+      </a:fontRef>
+    </dgm:style>
+  </dgm:styleLbl>
+  <dgm:styleLbl name="parChTrans2D2">
+    <dgm:scene3d>
+      <a:camera prst="orthographicFront"/>
+      <a:lightRig rig="threePt" dir="t"/>
+    </dgm:scene3d>
+    <dgm:sp3d/>
+    <dgm:txPr/>
+    <dgm:style>
+      <a:lnRef idx="2">
+        <a:scrgbClr r="0" g="0" b="0"/>
+      </a:lnRef>
+      <a:fillRef idx="1">
+        <a:scrgbClr r="0" g="0" b="0"/>
+      </a:fillRef>
+      <a:effectRef idx="0">
+        <a:scrgbClr r="0" g="0" b="0"/>
+      </a:effectRef>
+      <a:fontRef idx="minor">
+        <a:schemeClr val="lt1"/>
+      </a:fontRef>
+    </dgm:style>
+  </dgm:styleLbl>
+  <dgm:styleLbl name="parChTrans2D3">
+    <dgm:scene3d>
+      <a:camera prst="orthographicFront"/>
+      <a:lightRig rig="threePt" dir="t"/>
+    </dgm:scene3d>
+    <dgm:sp3d/>
+    <dgm:txPr/>
+    <dgm:style>
+      <a:lnRef idx="2">
+        <a:scrgbClr r="0" g="0" b="0"/>
+      </a:lnRef>
+      <a:fillRef idx="1">
+        <a:scrgbClr r="0" g="0" b="0"/>
+      </a:fillRef>
+      <a:effectRef idx="0">
+        <a:scrgbClr r="0" g="0" b="0"/>
+      </a:effectRef>
+      <a:fontRef idx="minor">
+        <a:schemeClr val="lt1"/>
+      </a:fontRef>
+    </dgm:style>
+  </dgm:styleLbl>
+  <dgm:styleLbl name="parChTrans2D4">
+    <dgm:scene3d>
+      <a:camera prst="orthographicFront"/>
+      <a:lightRig rig="threePt" dir="t"/>
+    </dgm:scene3d>
+    <dgm:sp3d/>
+    <dgm:txPr/>
+    <dgm:style>
+      <a:lnRef idx="2">
+        <a:scrgbClr r="0" g="0" b="0"/>
+      </a:lnRef>
+      <a:fillRef idx="1">
+        <a:scrgbClr r="0" g="0" b="0"/>
+      </a:fillRef>
+      <a:effectRef idx="0">
+        <a:scrgbClr r="0" g="0" b="0"/>
+      </a:effectRef>
+      <a:fontRef idx="minor">
+        <a:schemeClr val="lt1"/>
+      </a:fontRef>
+    </dgm:style>
+  </dgm:styleLbl>
+  <dgm:styleLbl name="parChTrans1D1">
+    <dgm:scene3d>
+      <a:camera prst="orthographicFront"/>
+      <a:lightRig rig="threePt" dir="t"/>
+    </dgm:scene3d>
+    <dgm:sp3d/>
+    <dgm:txPr/>
+    <dgm:style>
+      <a:lnRef idx="2">
+        <a:scrgbClr r="0" g="0" b="0"/>
+      </a:lnRef>
+      <a:fillRef idx="0">
+        <a:scrgbClr r="0" g="0" b="0"/>
+      </a:fillRef>
+      <a:effectRef idx="0">
+        <a:scrgbClr r="0" g="0" b="0"/>
+      </a:effectRef>
+      <a:fontRef idx="minor"/>
+    </dgm:style>
+  </dgm:styleLbl>
+  <dgm:styleLbl name="parChTrans1D2">
+    <dgm:scene3d>
+      <a:camera prst="orthographicFront"/>
+      <a:lightRig rig="threePt" dir="t"/>
+    </dgm:scene3d>
+    <dgm:sp3d/>
+    <dgm:txPr/>
+    <dgm:style>
+      <a:lnRef idx="2">
+        <a:scrgbClr r="0" g="0" b="0"/>
+      </a:lnRef>
+      <a:fillRef idx="0">
+        <a:scrgbClr r="0" g="0" b="0"/>
+      </a:fillRef>
+      <a:effectRef idx="0">
+        <a:scrgbClr r="0" g="0" b="0"/>
+      </a:effectRef>
+      <a:fontRef idx="minor"/>
+    </dgm:style>
+  </dgm:styleLbl>
+  <dgm:styleLbl name="parChTrans1D3">
+    <dgm:scene3d>
+      <a:camera prst="orthographicFront"/>
+      <a:lightRig rig="threePt" dir="t"/>
+    </dgm:scene3d>
+    <dgm:sp3d/>
+    <dgm:txPr/>
+    <dgm:style>
+      <a:lnRef idx="2">
+        <a:scrgbClr r="0" g="0" b="0"/>
+      </a:lnRef>
+      <a:fillRef idx="0">
+        <a:scrgbClr r="0" g="0" b="0"/>
+      </a:fillRef>
+      <a:effectRef idx="0">
+        <a:scrgbClr r="0" g="0" b="0"/>
+      </a:effectRef>
+      <a:fontRef idx="minor"/>
+    </dgm:style>
+  </dgm:styleLbl>
+  <dgm:styleLbl name="parChTrans1D4">
+    <dgm:scene3d>
+      <a:camera prst="orthographicFront"/>
+      <a:lightRig rig="threePt" dir="t"/>
+    </dgm:scene3d>
+    <dgm:sp3d/>
+    <dgm:txPr/>
+    <dgm:style>
+      <a:lnRef idx="2">
+        <a:scrgbClr r="0" g="0" b="0"/>
+      </a:lnRef>
+      <a:fillRef idx="0">
+        <a:scrgbClr r="0" g="0" b="0"/>
+      </a:fillRef>
+      <a:effectRef idx="0">
+        <a:scrgbClr r="0" g="0" b="0"/>
+      </a:effectRef>
+      <a:fontRef idx="minor"/>
+    </dgm:style>
+  </dgm:styleLbl>
+  <dgm:styleLbl name="fgAcc1">
+    <dgm:scene3d>
+      <a:camera prst="orthographicFront"/>
+      <a:lightRig rig="threePt" dir="t"/>
+    </dgm:scene3d>
+    <dgm:sp3d/>
+    <dgm:txPr/>
+    <dgm:style>
+      <a:lnRef idx="2">
+        <a:scrgbClr r="0" g="0" b="0"/>
+      </a:lnRef>
+      <a:fillRef idx="1">
+        <a:scrgbClr r="0" g="0" b="0"/>
+      </a:fillRef>
+      <a:effectRef idx="0">
+        <a:scrgbClr r="0" g="0" b="0"/>
+      </a:effectRef>
+      <a:fontRef idx="minor"/>
+    </dgm:style>
+  </dgm:styleLbl>
+  <dgm:styleLbl name="conFgAcc1">
+    <dgm:scene3d>
+      <a:camera prst="orthographicFront"/>
+      <a:lightRig rig="threePt" dir="t"/>
+    </dgm:scene3d>
+    <dgm:sp3d/>
+    <dgm:txPr/>
+    <dgm:style>
+      <a:lnRef idx="2">
+        <a:scrgbClr r="0" g="0" b="0"/>
+      </a:lnRef>
+      <a:fillRef idx="1">
+        <a:scrgbClr r="0" g="0" b="0"/>
+      </a:fillRef>
+      <a:effectRef idx="0">
+        <a:scrgbClr r="0" g="0" b="0"/>
+      </a:effectRef>
+      <a:fontRef idx="minor"/>
+    </dgm:style>
+  </dgm:styleLbl>
+  <dgm:styleLbl name="alignAcc1">
+    <dgm:scene3d>
+      <a:camera prst="orthographicFront"/>
+      <a:lightRig rig="threePt" dir="t"/>
+    </dgm:scene3d>
+    <dgm:sp3d/>
+    <dgm:txPr/>
+    <dgm:style>
+      <a:lnRef idx="2">
+        <a:scrgbClr r="0" g="0" b="0"/>
+      </a:lnRef>
+      <a:fillRef idx="1">
+        <a:scrgbClr r="0" g="0" b="0"/>
+      </a:fillRef>
+      <a:effectRef idx="0">
+        <a:scrgbClr r="0" g="0" b="0"/>
+      </a:effectRef>
+      <a:fontRef idx="minor"/>
+    </dgm:style>
+  </dgm:styleLbl>
+  <dgm:styleLbl name="trAlignAcc1">
+    <dgm:scene3d>
+      <a:camera prst="orthographicFront"/>
+      <a:lightRig rig="threePt" dir="t"/>
+    </dgm:scene3d>
+    <dgm:sp3d/>
+    <dgm:txPr/>
+    <dgm:style>
+      <a:lnRef idx="1">
+        <a:scrgbClr r="0" g="0" b="0"/>
+      </a:lnRef>
+      <a:fillRef idx="1">
+        <a:scrgbClr r="0" g="0" b="0"/>
+      </a:fillRef>
+      <a:effectRef idx="0">
+        <a:scrgbClr r="0" g="0" b="0"/>
+      </a:effectRef>
+      <a:fontRef idx="minor"/>
+    </dgm:style>
+  </dgm:styleLbl>
+  <dgm:styleLbl name="bgAcc1">
+    <dgm:scene3d>
+      <a:camera prst="orthographicFront"/>
+      <a:lightRig rig="threePt" dir="t"/>
+    </dgm:scene3d>
+    <dgm:sp3d/>
+    <dgm:txPr/>
+    <dgm:style>
+      <a:lnRef idx="2">
+        <a:scrgbClr r="0" g="0" b="0"/>
+      </a:lnRef>
+      <a:fillRef idx="1">
+        <a:scrgbClr r="0" g="0" b="0"/>
+      </a:fillRef>
+      <a:effectRef idx="0">
+        <a:scrgbClr r="0" g="0" b="0"/>
+      </a:effectRef>
+      <a:fontRef idx="minor"/>
+    </dgm:style>
+  </dgm:styleLbl>
+  <dgm:styleLbl name="solidFgAcc1">
+    <dgm:scene3d>
+      <a:camera prst="orthographicFront"/>
+      <a:lightRig rig="threePt" dir="t"/>
+    </dgm:scene3d>
+    <dgm:sp3d/>
+    <dgm:txPr/>
+    <dgm:style>
+      <a:lnRef idx="2">
+        <a:scrgbClr r="0" g="0" b="0"/>
+      </a:lnRef>
+      <a:fillRef idx="1">
+        <a:scrgbClr r="0" g="0" b="0"/>
+      </a:fillRef>
+      <a:effectRef idx="0">
+        <a:scrgbClr r="0" g="0" b="0"/>
+      </a:effectRef>
+      <a:fontRef idx="minor"/>
+    </dgm:style>
+  </dgm:styleLbl>
+  <dgm:styleLbl name="solidAlignAcc1">
+    <dgm:scene3d>
+      <a:camera prst="orthographicFront"/>
+      <a:lightRig rig="threePt" dir="t"/>
+    </dgm:scene3d>
+    <dgm:sp3d/>
+    <dgm:txPr/>
+    <dgm:style>
+      <a:lnRef idx="2">
+        <a:scrgbClr r="0" g="0" b="0"/>
+      </a:lnRef>
+      <a:fillRef idx="1">
+        <a:scrgbClr r="0" g="0" b="0"/>
+      </a:fillRef>
+      <a:effectRef idx="0">
+        <a:scrgbClr r="0" g="0" b="0"/>
+      </a:effectRef>
+      <a:fontRef idx="minor"/>
+    </dgm:style>
+  </dgm:styleLbl>
+  <dgm:styleLbl name="solidBgAcc1">
+    <dgm:scene3d>
+      <a:camera prst="orthographicFront"/>
+      <a:lightRig rig="threePt" dir="t"/>
+    </dgm:scene3d>
+    <dgm:sp3d/>
+    <dgm:txPr/>
+    <dgm:style>
+      <a:lnRef idx="2">
+        <a:scrgbClr r="0" g="0" b="0"/>
+      </a:lnRef>
+      <a:fillRef idx="1">
+        <a:scrgbClr r="0" g="0" b="0"/>
+      </a:fillRef>
+      <a:effectRef idx="0">
+        <a:scrgbClr r="0" g="0" b="0"/>
+      </a:effectRef>
+      <a:fontRef idx="minor"/>
+    </dgm:style>
+  </dgm:styleLbl>
+  <dgm:styleLbl name="fgAccFollowNode1">
+    <dgm:scene3d>
+      <a:camera prst="orthographicFront"/>
+      <a:lightRig rig="threePt" dir="t"/>
+    </dgm:scene3d>
+    <dgm:sp3d/>
+    <dgm:txPr/>
+    <dgm:style>
+      <a:lnRef idx="2">
+        <a:scrgbClr r="0" g="0" b="0"/>
+      </a:lnRef>
+      <a:fillRef idx="1">
+        <a:scrgbClr r="0" g="0" b="0"/>
+      </a:fillRef>
+      <a:effectRef idx="0">
+        <a:scrgbClr r="0" g="0" b="0"/>
+      </a:effectRef>
+      <a:fontRef idx="minor"/>
+    </dgm:style>
+  </dgm:styleLbl>
+  <dgm:styleLbl name="alignAccFollowNode1">
+    <dgm:scene3d>
+      <a:camera prst="orthographicFront"/>
+      <a:lightRig rig="threePt" dir="t"/>
+    </dgm:scene3d>
+    <dgm:sp3d/>
+    <dgm:txPr/>
+    <dgm:style>
+      <a:lnRef idx="2">
+        <a:scrgbClr r="0" g="0" b="0"/>
+      </a:lnRef>
+      <a:fillRef idx="1">
+        <a:scrgbClr r="0" g="0" b="0"/>
+      </a:fillRef>
+      <a:effectRef idx="0">
+        <a:scrgbClr r="0" g="0" b="0"/>
+      </a:effectRef>
+      <a:fontRef idx="minor"/>
+    </dgm:style>
+  </dgm:styleLbl>
+  <dgm:styleLbl name="bgAccFollowNode1">
+    <dgm:scene3d>
+      <a:camera prst="orthographicFront"/>
+      <a:lightRig rig="threePt" dir="t"/>
+    </dgm:scene3d>
+    <dgm:sp3d/>
+    <dgm:txPr/>
+    <dgm:style>
+      <a:lnRef idx="2">
+        <a:scrgbClr r="0" g="0" b="0"/>
+      </a:lnRef>
+      <a:fillRef idx="1">
+        <a:scrgbClr r="0" g="0" b="0"/>
+      </a:fillRef>
+      <a:effectRef idx="0">
+        <a:scrgbClr r="0" g="0" b="0"/>
+      </a:effectRef>
+      <a:fontRef idx="minor"/>
+    </dgm:style>
+  </dgm:styleLbl>
+  <dgm:styleLbl name="fgAcc0">
+    <dgm:scene3d>
+      <a:camera prst="orthographicFront"/>
+      <a:lightRig rig="threePt" dir="t"/>
+    </dgm:scene3d>
+    <dgm:sp3d/>
+    <dgm:txPr/>
+    <dgm:style>
+      <a:lnRef idx="2">
+        <a:scrgbClr r="0" g="0" b="0"/>
+      </a:lnRef>
+      <a:fillRef idx="1">
+        <a:scrgbClr r="0" g="0" b="0"/>
+      </a:fillRef>
+      <a:effectRef idx="0">
+        <a:scrgbClr r="0" g="0" b="0"/>
+      </a:effectRef>
+      <a:fontRef idx="minor"/>
+    </dgm:style>
+  </dgm:styleLbl>
+  <dgm:styleLbl name="fgAcc2">
+    <dgm:scene3d>
+      <a:camera prst="orthographicFront"/>
+      <a:lightRig rig="threePt" dir="t"/>
+    </dgm:scene3d>
+    <dgm:sp3d/>
+    <dgm:txPr/>
+    <dgm:style>
+      <a:lnRef idx="2">
+        <a:scrgbClr r="0" g="0" b="0"/>
+      </a:lnRef>
+      <a:fillRef idx="1">
+        <a:scrgbClr r="0" g="0" b="0"/>
+      </a:fillRef>
+      <a:effectRef idx="0">
+        <a:scrgbClr r="0" g="0" b="0"/>
+      </a:effectRef>
+      <a:fontRef idx="minor"/>
+    </dgm:style>
+  </dgm:styleLbl>
+  <dgm:styleLbl name="fgAcc3">
+    <dgm:scene3d>
+      <a:camera prst="orthographicFront"/>
+      <a:lightRig rig="threePt" dir="t"/>
+    </dgm:scene3d>
+    <dgm:sp3d/>
+    <dgm:txPr/>
+    <dgm:style>
+      <a:lnRef idx="2">
+        <a:scrgbClr r="0" g="0" b="0"/>
+      </a:lnRef>
+      <a:fillRef idx="1">
+        <a:scrgbClr r="0" g="0" b="0"/>
+      </a:fillRef>
+      <a:effectRef idx="0">
+        <a:scrgbClr r="0" g="0" b="0"/>
+      </a:effectRef>
+      <a:fontRef idx="minor"/>
+    </dgm:style>
+  </dgm:styleLbl>
+  <dgm:styleLbl name="fgAcc4">
+    <dgm:scene3d>
+      <a:camera prst="orthographicFront"/>
+      <a:lightRig rig="threePt" dir="t"/>
+    </dgm:scene3d>
+    <dgm:sp3d/>
+    <dgm:txPr/>
+    <dgm:style>
+      <a:lnRef idx="2">
+        <a:scrgbClr r="0" g="0" b="0"/>
+      </a:lnRef>
+      <a:fillRef idx="1">
+        <a:scrgbClr r="0" g="0" b="0"/>
+      </a:fillRef>
+      <a:effectRef idx="0">
+        <a:scrgbClr r="0" g="0" b="0"/>
+      </a:effectRef>
+      <a:fontRef idx="minor"/>
+    </dgm:style>
+  </dgm:styleLbl>
+  <dgm:styleLbl name="bgShp">
+    <dgm:scene3d>
+      <a:camera prst="orthographicFront"/>
+      <a:lightRig rig="threePt" dir="t"/>
+    </dgm:scene3d>
+    <dgm:sp3d/>
+    <dgm:txPr/>
+    <dgm:style>
+      <a:lnRef idx="0">
+        <a:scrgbClr r="0" g="0" b="0"/>
+      </a:lnRef>
+      <a:fillRef idx="1">
+        <a:scrgbClr r="0" g="0" b="0"/>
+      </a:fillRef>
+      <a:effectRef idx="0">
+        <a:scrgbClr r="0" g="0" b="0"/>
+      </a:effectRef>
+      <a:fontRef idx="minor"/>
+    </dgm:style>
+  </dgm:styleLbl>
+  <dgm:styleLbl name="dkBgShp">
+    <dgm:scene3d>
+      <a:camera prst="orthographicFront"/>
+      <a:lightRig rig="threePt" dir="t"/>
+    </dgm:scene3d>
+    <dgm:sp3d/>
+    <dgm:txPr/>
+    <dgm:style>
+      <a:lnRef idx="0">
+        <a:scrgbClr r="0" g="0" b="0"/>
+      </a:lnRef>
+      <a:fillRef idx="1">
+        <a:scrgbClr r="0" g="0" b="0"/>
+      </a:fillRef>
+      <a:effectRef idx="0">
+        <a:scrgbClr r="0" g="0" b="0"/>
+      </a:effectRef>
+      <a:fontRef idx="minor"/>
+    </dgm:style>
+  </dgm:styleLbl>
+  <dgm:styleLbl name="trBgShp">
+    <dgm:scene3d>
+      <a:camera prst="orthographicFront"/>
+      <a:lightRig rig="threePt" dir="t"/>
+    </dgm:scene3d>
+    <dgm:sp3d/>
+    <dgm:txPr/>
+    <dgm:style>
+      <a:lnRef idx="0">
+        <a:scrgbClr r="0" g="0" b="0"/>
+      </a:lnRef>
+      <a:fillRef idx="1">
+        <a:scrgbClr r="0" g="0" b="0"/>
+      </a:fillRef>
+      <a:effectRef idx="0">
+        <a:scrgbClr r="0" g="0" b="0"/>
+      </a:effectRef>
+      <a:fontRef idx="minor"/>
+    </dgm:style>
+  </dgm:styleLbl>
+  <dgm:styleLbl name="fgShp">
+    <dgm:scene3d>
+      <a:camera prst="orthographicFront"/>
+      <a:lightRig rig="threePt" dir="t"/>
+    </dgm:scene3d>
+    <dgm:sp3d/>
+    <dgm:txPr/>
+    <dgm:style>
+      <a:lnRef idx="2">
+        <a:scrgbClr r="0" g="0" b="0"/>
+      </a:lnRef>
+      <a:fillRef idx="1">
+        <a:scrgbClr r="0" g="0" b="0"/>
+      </a:fillRef>
+      <a:effectRef idx="0">
+        <a:scrgbClr r="0" g="0" b="0"/>
+      </a:effectRef>
+      <a:fontRef idx="minor"/>
+    </dgm:style>
+  </dgm:styleLbl>
+  <dgm:styleLbl name="revTx">
+    <dgm:scene3d>
+      <a:camera prst="orthographicFront"/>
+      <a:lightRig rig="threePt" dir="t"/>
+    </dgm:scene3d>
+    <dgm:sp3d/>
+    <dgm:txPr/>
+    <dgm:style>
+      <a:lnRef idx="0">
+        <a:scrgbClr r="0" g="0" b="0"/>
+      </a:lnRef>
+      <a:fillRef idx="0">
+        <a:scrgbClr r="0" g="0" b="0"/>
+      </a:fillRef>
+      <a:effectRef idx="0">
+        <a:scrgbClr r="0" g="0" b="0"/>
+      </a:effectRef>
+      <a:fontRef idx="minor"/>
+    </dgm:style>
+  </dgm:styleLbl>
+</dgm:styleDef>
+</file>
+
+<file path=ppt/diagrams/quickStyle5.xml><?xml version="1.0" encoding="utf-8"?>
 <dgm:styleDef xmlns:dgm="http://schemas.openxmlformats.org/drawingml/2006/diagram" xmlns:a="http://schemas.openxmlformats.org/drawingml/2006/main" uniqueId="urn:microsoft.com/office/officeart/2005/8/quickstyle/simple2">
   <dgm:title val=""/>
   <dgm:desc val=""/>
@@ -13782,7 +15788,7 @@
           <a:p>
             <a:fld id="{91CE10EA-D799-4BBA-9231-C29C1C2B6BDF}" type="datetimeFigureOut">
               <a:rPr lang="it-IT" smtClean="0"/>
-              <a:t>23/11/2021</a:t>
+              <a:t>09/12/2021</a:t>
             </a:fld>
             <a:endParaRPr lang="it-IT"/>
           </a:p>
@@ -14205,7 +16211,7 @@
           <a:p>
             <a:fld id="{BD86BDEB-5C5F-4E73-8AED-845DEF6240CC}" type="datetime1">
               <a:rPr lang="it-IT" smtClean="0"/>
-              <a:t>23/11/2021</a:t>
+              <a:t>09/12/2021</a:t>
             </a:fld>
             <a:endParaRPr lang="it-IT"/>
           </a:p>
@@ -14405,7 +16411,7 @@
           <a:p>
             <a:fld id="{0250B066-2D31-4A91-B160-4E7A7606DAC8}" type="datetime1">
               <a:rPr lang="it-IT" smtClean="0"/>
-              <a:t>23/11/2021</a:t>
+              <a:t>09/12/2021</a:t>
             </a:fld>
             <a:endParaRPr lang="it-IT"/>
           </a:p>
@@ -14615,7 +16621,7 @@
           <a:p>
             <a:fld id="{44B5FB72-32C3-4D83-B606-F8FA83F83F67}" type="datetime1">
               <a:rPr lang="it-IT" smtClean="0"/>
-              <a:t>23/11/2021</a:t>
+              <a:t>09/12/2021</a:t>
             </a:fld>
             <a:endParaRPr lang="it-IT"/>
           </a:p>
@@ -14815,7 +16821,7 @@
           <a:p>
             <a:fld id="{BB493F1E-467A-4853-9F76-6DCAD7AB8AC5}" type="datetime1">
               <a:rPr lang="it-IT" smtClean="0"/>
-              <a:t>23/11/2021</a:t>
+              <a:t>09/12/2021</a:t>
             </a:fld>
             <a:endParaRPr lang="it-IT"/>
           </a:p>
@@ -15095,7 +17101,7 @@
           <a:p>
             <a:fld id="{4D5D5B75-150E-493B-9A11-56A0A6E112AA}" type="datetime1">
               <a:rPr lang="it-IT" smtClean="0"/>
-              <a:t>23/11/2021</a:t>
+              <a:t>09/12/2021</a:t>
             </a:fld>
             <a:endParaRPr lang="it-IT"/>
           </a:p>
@@ -15363,7 +17369,7 @@
           <a:p>
             <a:fld id="{F90D01D2-E94E-4C7F-8F6B-72F7F8F70261}" type="datetime1">
               <a:rPr lang="it-IT" smtClean="0"/>
-              <a:t>23/11/2021</a:t>
+              <a:t>09/12/2021</a:t>
             </a:fld>
             <a:endParaRPr lang="it-IT"/>
           </a:p>
@@ -15782,7 +17788,7 @@
           <a:p>
             <a:fld id="{89AAD7BB-AF97-41CA-AF5F-3B39F1E63410}" type="datetime1">
               <a:rPr lang="it-IT" smtClean="0"/>
-              <a:t>23/11/2021</a:t>
+              <a:t>09/12/2021</a:t>
             </a:fld>
             <a:endParaRPr lang="it-IT"/>
           </a:p>
@@ -15924,7 +17930,7 @@
           <a:p>
             <a:fld id="{6737F2E6-11FA-4E29-966D-FB32818C28EF}" type="datetime1">
               <a:rPr lang="it-IT" smtClean="0"/>
-              <a:t>23/11/2021</a:t>
+              <a:t>09/12/2021</a:t>
             </a:fld>
             <a:endParaRPr lang="it-IT"/>
           </a:p>
@@ -16037,7 +18043,7 @@
           <a:p>
             <a:fld id="{DEBAE2BC-CFEC-4D01-A8E5-A416C3284798}" type="datetime1">
               <a:rPr lang="it-IT" smtClean="0"/>
-              <a:t>23/11/2021</a:t>
+              <a:t>09/12/2021</a:t>
             </a:fld>
             <a:endParaRPr lang="it-IT"/>
           </a:p>
@@ -16352,7 +18358,7 @@
           <a:p>
             <a:fld id="{7FDFEC0A-0EF8-412E-8856-41D63FAE24C9}" type="datetime1">
               <a:rPr lang="it-IT" smtClean="0"/>
-              <a:t>23/11/2021</a:t>
+              <a:t>09/12/2021</a:t>
             </a:fld>
             <a:endParaRPr lang="it-IT"/>
           </a:p>
@@ -16645,7 +18651,7 @@
           <a:p>
             <a:fld id="{8D1C1976-DE9F-4F58-8CC6-0555CC712AB6}" type="datetime1">
               <a:rPr lang="it-IT" smtClean="0"/>
-              <a:t>23/11/2021</a:t>
+              <a:t>09/12/2021</a:t>
             </a:fld>
             <a:endParaRPr lang="it-IT"/>
           </a:p>
@@ -16886,7 +18892,7 @@
           <a:p>
             <a:fld id="{AE9CFF95-AD70-4CBF-8009-F72101CE8362}" type="datetime1">
               <a:rPr lang="it-IT" smtClean="0"/>
-              <a:t>23/11/2021</a:t>
+              <a:t>09/12/2021</a:t>
             </a:fld>
             <a:endParaRPr lang="it-IT"/>
           </a:p>
@@ -17991,6 +19997,536 @@
 </file>
 
 <file path=ppt/slides/slide10.xml><?xml version="1.0" encoding="utf-8"?>
+<p:sld xmlns:a="http://schemas.openxmlformats.org/drawingml/2006/main" xmlns:r="http://schemas.openxmlformats.org/officeDocument/2006/relationships" xmlns:p="http://schemas.openxmlformats.org/presentationml/2006/main">
+  <p:cSld>
+    <p:spTree>
+      <p:nvGrpSpPr>
+        <p:cNvPr id="1" name=""/>
+        <p:cNvGrpSpPr/>
+        <p:nvPr/>
+      </p:nvGrpSpPr>
+      <p:grpSpPr>
+        <a:xfrm>
+          <a:off x="0" y="0"/>
+          <a:ext cx="0" cy="0"/>
+          <a:chOff x="0" y="0"/>
+          <a:chExt cx="0" cy="0"/>
+        </a:xfrm>
+      </p:grpSpPr>
+      <p:sp>
+        <p:nvSpPr>
+          <p:cNvPr id="4" name="Titolo 3">
+            <a:extLst>
+              <a:ext uri="{FF2B5EF4-FFF2-40B4-BE49-F238E27FC236}">
+                <a16:creationId xmlns:a16="http://schemas.microsoft.com/office/drawing/2014/main" id="{A32BADA9-D1E4-4A68-A522-AE21B0D0BA03}"/>
+              </a:ext>
+            </a:extLst>
+          </p:cNvPr>
+          <p:cNvSpPr>
+            <a:spLocks noGrp="1"/>
+          </p:cNvSpPr>
+          <p:nvPr>
+            <p:ph type="title"/>
+          </p:nvPr>
+        </p:nvSpPr>
+        <p:spPr>
+          <a:xfrm>
+            <a:off x="914400" y="1263582"/>
+            <a:ext cx="5181600" cy="749030"/>
+          </a:xfrm>
+        </p:spPr>
+        <p:txBody>
+          <a:bodyPr/>
+          <a:lstStyle/>
+          <a:p>
+            <a:r>
+              <a:rPr lang="it-IT" b="1" dirty="0"/>
+              <a:t>Serialization</a:t>
+            </a:r>
+          </a:p>
+        </p:txBody>
+      </p:sp>
+      <p:sp>
+        <p:nvSpPr>
+          <p:cNvPr id="5" name="Segnaposto contenuto 4">
+            <a:extLst>
+              <a:ext uri="{FF2B5EF4-FFF2-40B4-BE49-F238E27FC236}">
+                <a16:creationId xmlns:a16="http://schemas.microsoft.com/office/drawing/2014/main" id="{0822A188-4351-443E-9A73-0BDAAB88A97A}"/>
+              </a:ext>
+            </a:extLst>
+          </p:cNvPr>
+          <p:cNvSpPr>
+            <a:spLocks noGrp="1"/>
+          </p:cNvSpPr>
+          <p:nvPr>
+            <p:ph idx="1"/>
+          </p:nvPr>
+        </p:nvSpPr>
+        <p:spPr>
+          <a:xfrm>
+            <a:off x="6343652" y="2937043"/>
+            <a:ext cx="5467348" cy="3278189"/>
+          </a:xfrm>
+        </p:spPr>
+        <p:txBody>
+          <a:bodyPr>
+            <a:noAutofit/>
+          </a:bodyPr>
+          <a:lstStyle/>
+          <a:p>
+            <a:pPr fontAlgn="base">
+              <a:buFont typeface="Wingdings" panose="05000000000000000000" pitchFamily="2" charset="2"/>
+              <a:buChar char="q"/>
+            </a:pPr>
+            <a:r>
+              <a:rPr lang="en-US" sz="2400" dirty="0">
+                <a:latin typeface="Inter"/>
+              </a:rPr>
+              <a:t> Output: </a:t>
+            </a:r>
+            <a:r>
+              <a:rPr lang="en-US" sz="2400" b="1" i="0" dirty="0">
+                <a:effectLst/>
+                <a:latin typeface="Inter"/>
+              </a:rPr>
+              <a:t>turtle format</a:t>
+            </a:r>
+            <a:r>
+              <a:rPr lang="en-US" sz="2400" b="0" i="0" dirty="0">
+                <a:effectLst/>
+                <a:latin typeface="Inter"/>
+              </a:rPr>
+              <a:t>  (TTL) </a:t>
+            </a:r>
+          </a:p>
+          <a:p>
+            <a:pPr marL="0" indent="0" fontAlgn="base">
+              <a:buNone/>
+            </a:pPr>
+            <a:endParaRPr lang="en-US" sz="2400" b="0" i="0" dirty="0">
+              <a:effectLst/>
+              <a:latin typeface="Inter"/>
+            </a:endParaRPr>
+          </a:p>
+          <a:p>
+            <a:pPr fontAlgn="base">
+              <a:buFont typeface="Wingdings" panose="05000000000000000000" pitchFamily="2" charset="2"/>
+              <a:buChar char="q"/>
+            </a:pPr>
+            <a:r>
+              <a:rPr lang="en-US" sz="2400" dirty="0">
+                <a:latin typeface="Inter"/>
+              </a:rPr>
+              <a:t> R</a:t>
+            </a:r>
+            <a:r>
+              <a:rPr lang="en-US" sz="2400" b="0" i="0" dirty="0">
+                <a:effectLst/>
+                <a:latin typeface="Inter"/>
+              </a:rPr>
+              <a:t>elying on </a:t>
+            </a:r>
+            <a:r>
+              <a:rPr lang="en-US" sz="2400" b="1" i="0" dirty="0">
+                <a:effectLst/>
+                <a:latin typeface="Inter"/>
+              </a:rPr>
+              <a:t>RDFLib</a:t>
+            </a:r>
+            <a:r>
+              <a:rPr lang="en-US" sz="2400" b="0" i="0" dirty="0">
+                <a:effectLst/>
+                <a:latin typeface="Inter"/>
+              </a:rPr>
+              <a:t> library</a:t>
+            </a:r>
+          </a:p>
+          <a:p>
+            <a:pPr fontAlgn="base">
+              <a:buFont typeface="Wingdings" panose="05000000000000000000" pitchFamily="2" charset="2"/>
+              <a:buChar char="q"/>
+            </a:pPr>
+            <a:endParaRPr lang="en-US" sz="2400" dirty="0">
+              <a:latin typeface="Inter"/>
+            </a:endParaRPr>
+          </a:p>
+          <a:p>
+            <a:pPr fontAlgn="base">
+              <a:buFont typeface="Wingdings" panose="05000000000000000000" pitchFamily="2" charset="2"/>
+              <a:buChar char="q"/>
+            </a:pPr>
+            <a:r>
+              <a:rPr lang="en-US" sz="2400" dirty="0">
+                <a:effectLst/>
+                <a:latin typeface="Inter"/>
+              </a:rPr>
+              <a:t> Easy linking thanks to </a:t>
+            </a:r>
+            <a:r>
+              <a:rPr lang="en-US" sz="2400" b="1" dirty="0">
+                <a:latin typeface="Inter"/>
+              </a:rPr>
+              <a:t>Spotify</a:t>
+            </a:r>
+            <a:r>
+              <a:rPr lang="en-US" sz="2400" b="1" dirty="0">
+                <a:effectLst/>
+                <a:latin typeface="Inter"/>
+              </a:rPr>
+              <a:t> unique ID</a:t>
+            </a:r>
+          </a:p>
+        </p:txBody>
+      </p:sp>
+      <p:graphicFrame>
+        <p:nvGraphicFramePr>
+          <p:cNvPr id="6" name="Segnaposto contenuto 4">
+            <a:extLst>
+              <a:ext uri="{FF2B5EF4-FFF2-40B4-BE49-F238E27FC236}">
+                <a16:creationId xmlns:a16="http://schemas.microsoft.com/office/drawing/2014/main" id="{A31B6FEE-FB5B-4375-A4B4-3C36CBA3833F}"/>
+              </a:ext>
+            </a:extLst>
+          </p:cNvPr>
+          <p:cNvGraphicFramePr>
+            <a:graphicFrameLocks/>
+          </p:cNvGraphicFramePr>
+          <p:nvPr>
+            <p:extLst>
+              <p:ext uri="{D42A27DB-BD31-4B8C-83A1-F6EECF244321}">
+                <p14:modId xmlns:p14="http://schemas.microsoft.com/office/powerpoint/2010/main" val="1107064669"/>
+              </p:ext>
+            </p:extLst>
+          </p:nvPr>
+        </p:nvGraphicFramePr>
+        <p:xfrm>
+          <a:off x="914400" y="2170620"/>
+          <a:ext cx="4933950" cy="4397037"/>
+        </p:xfrm>
+        <a:graphic>
+          <a:graphicData uri="http://schemas.openxmlformats.org/drawingml/2006/diagram">
+            <dgm:relIds xmlns:dgm="http://schemas.openxmlformats.org/drawingml/2006/diagram" xmlns:r="http://schemas.openxmlformats.org/officeDocument/2006/relationships" r:dm="rId2" r:lo="rId3" r:qs="rId4" r:cs="rId5"/>
+          </a:graphicData>
+        </a:graphic>
+      </p:graphicFrame>
+      <p:sp>
+        <p:nvSpPr>
+          <p:cNvPr id="2" name="Segnaposto numero diapositiva 1">
+            <a:extLst>
+              <a:ext uri="{FF2B5EF4-FFF2-40B4-BE49-F238E27FC236}">
+                <a16:creationId xmlns:a16="http://schemas.microsoft.com/office/drawing/2014/main" id="{BF79A675-2CE5-471E-86A4-D4ED7CE3DE97}"/>
+              </a:ext>
+            </a:extLst>
+          </p:cNvPr>
+          <p:cNvSpPr>
+            <a:spLocks noGrp="1"/>
+          </p:cNvSpPr>
+          <p:nvPr>
+            <p:ph type="sldNum" sz="quarter" idx="12"/>
+          </p:nvPr>
+        </p:nvSpPr>
+        <p:spPr/>
+        <p:txBody>
+          <a:bodyPr/>
+          <a:lstStyle/>
+          <a:p>
+            <a:fld id="{0E41FC79-F70E-41D5-8DA8-CBC79D687031}" type="slidenum">
+              <a:rPr lang="it-IT" smtClean="0"/>
+              <a:t>10</a:t>
+            </a:fld>
+            <a:r>
+              <a:rPr lang="it-IT" dirty="0"/>
+              <a:t>/24</a:t>
+            </a:r>
+          </a:p>
+        </p:txBody>
+      </p:sp>
+    </p:spTree>
+    <p:extLst>
+      <p:ext uri="{BB962C8B-B14F-4D97-AF65-F5344CB8AC3E}">
+        <p14:creationId xmlns:p14="http://schemas.microsoft.com/office/powerpoint/2010/main" val="2287951722"/>
+      </p:ext>
+    </p:extLst>
+  </p:cSld>
+  <p:clrMapOvr>
+    <a:masterClrMapping/>
+  </p:clrMapOvr>
+</p:sld>
+</file>
+
+<file path=ppt/slides/slide11.xml><?xml version="1.0" encoding="utf-8"?>
+<p:sld xmlns:a="http://schemas.openxmlformats.org/drawingml/2006/main" xmlns:r="http://schemas.openxmlformats.org/officeDocument/2006/relationships" xmlns:p="http://schemas.openxmlformats.org/presentationml/2006/main">
+  <p:cSld>
+    <p:spTree>
+      <p:nvGrpSpPr>
+        <p:cNvPr id="1" name=""/>
+        <p:cNvGrpSpPr/>
+        <p:nvPr/>
+      </p:nvGrpSpPr>
+      <p:grpSpPr>
+        <a:xfrm>
+          <a:off x="0" y="0"/>
+          <a:ext cx="0" cy="0"/>
+          <a:chOff x="0" y="0"/>
+          <a:chExt cx="0" cy="0"/>
+        </a:xfrm>
+      </p:grpSpPr>
+      <p:sp>
+        <p:nvSpPr>
+          <p:cNvPr id="4" name="Titolo 3">
+            <a:extLst>
+              <a:ext uri="{FF2B5EF4-FFF2-40B4-BE49-F238E27FC236}">
+                <a16:creationId xmlns:a16="http://schemas.microsoft.com/office/drawing/2014/main" id="{A32BADA9-D1E4-4A68-A522-AE21B0D0BA03}"/>
+              </a:ext>
+            </a:extLst>
+          </p:cNvPr>
+          <p:cNvSpPr>
+            <a:spLocks noGrp="1"/>
+          </p:cNvSpPr>
+          <p:nvPr>
+            <p:ph type="title"/>
+          </p:nvPr>
+        </p:nvSpPr>
+        <p:spPr>
+          <a:xfrm>
+            <a:off x="4514850" y="3024187"/>
+            <a:ext cx="3162299" cy="809625"/>
+          </a:xfrm>
+        </p:spPr>
+        <p:txBody>
+          <a:bodyPr>
+            <a:normAutofit fontScale="90000"/>
+          </a:bodyPr>
+          <a:lstStyle/>
+          <a:p>
+            <a:pPr algn="ctr"/>
+            <a:r>
+              <a:rPr lang="it-IT" sz="5400" b="1" dirty="0"/>
+              <a:t>Queries</a:t>
+            </a:r>
+            <a:endParaRPr lang="it-IT" sz="4800" b="1" dirty="0"/>
+          </a:p>
+        </p:txBody>
+      </p:sp>
+      <p:sp>
+        <p:nvSpPr>
+          <p:cNvPr id="2" name="Segnaposto numero diapositiva 1">
+            <a:extLst>
+              <a:ext uri="{FF2B5EF4-FFF2-40B4-BE49-F238E27FC236}">
+                <a16:creationId xmlns:a16="http://schemas.microsoft.com/office/drawing/2014/main" id="{0371B819-0A52-489C-9FA3-EA676A38ADB9}"/>
+              </a:ext>
+            </a:extLst>
+          </p:cNvPr>
+          <p:cNvSpPr>
+            <a:spLocks noGrp="1"/>
+          </p:cNvSpPr>
+          <p:nvPr>
+            <p:ph type="sldNum" sz="quarter" idx="12"/>
+          </p:nvPr>
+        </p:nvSpPr>
+        <p:spPr/>
+        <p:txBody>
+          <a:bodyPr/>
+          <a:lstStyle/>
+          <a:p>
+            <a:r>
+              <a:rPr lang="it-IT" dirty="0"/>
+              <a:t> </a:t>
+            </a:r>
+          </a:p>
+        </p:txBody>
+      </p:sp>
+    </p:spTree>
+    <p:extLst>
+      <p:ext uri="{BB962C8B-B14F-4D97-AF65-F5344CB8AC3E}">
+        <p14:creationId xmlns:p14="http://schemas.microsoft.com/office/powerpoint/2010/main" val="3491404989"/>
+      </p:ext>
+    </p:extLst>
+  </p:cSld>
+  <p:clrMapOvr>
+    <a:masterClrMapping/>
+  </p:clrMapOvr>
+</p:sld>
+</file>
+
+<file path=ppt/slides/slide12.xml><?xml version="1.0" encoding="utf-8"?>
+<p:sld xmlns:a="http://schemas.openxmlformats.org/drawingml/2006/main" xmlns:r="http://schemas.openxmlformats.org/officeDocument/2006/relationships" xmlns:p="http://schemas.openxmlformats.org/presentationml/2006/main">
+  <p:cSld>
+    <p:spTree>
+      <p:nvGrpSpPr>
+        <p:cNvPr id="1" name=""/>
+        <p:cNvGrpSpPr/>
+        <p:nvPr/>
+      </p:nvGrpSpPr>
+      <p:grpSpPr>
+        <a:xfrm>
+          <a:off x="0" y="0"/>
+          <a:ext cx="0" cy="0"/>
+          <a:chOff x="0" y="0"/>
+          <a:chExt cx="0" cy="0"/>
+        </a:xfrm>
+      </p:grpSpPr>
+      <p:sp>
+        <p:nvSpPr>
+          <p:cNvPr id="4" name="Titolo 3">
+            <a:extLst>
+              <a:ext uri="{FF2B5EF4-FFF2-40B4-BE49-F238E27FC236}">
+                <a16:creationId xmlns:a16="http://schemas.microsoft.com/office/drawing/2014/main" id="{A32BADA9-D1E4-4A68-A522-AE21B0D0BA03}"/>
+              </a:ext>
+            </a:extLst>
+          </p:cNvPr>
+          <p:cNvSpPr>
+            <a:spLocks noGrp="1"/>
+          </p:cNvSpPr>
+          <p:nvPr>
+            <p:ph type="title"/>
+          </p:nvPr>
+        </p:nvSpPr>
+        <p:spPr>
+          <a:xfrm>
+            <a:off x="914400" y="1079770"/>
+            <a:ext cx="5181600" cy="749030"/>
+          </a:xfrm>
+        </p:spPr>
+        <p:txBody>
+          <a:bodyPr>
+            <a:normAutofit/>
+          </a:bodyPr>
+          <a:lstStyle/>
+          <a:p>
+            <a:r>
+              <a:rPr lang="it-IT" sz="3600" b="1" dirty="0"/>
+              <a:t>Query 1</a:t>
+            </a:r>
+          </a:p>
+        </p:txBody>
+      </p:sp>
+      <p:sp>
+        <p:nvSpPr>
+          <p:cNvPr id="5" name="Segnaposto contenuto 4">
+            <a:extLst>
+              <a:ext uri="{FF2B5EF4-FFF2-40B4-BE49-F238E27FC236}">
+                <a16:creationId xmlns:a16="http://schemas.microsoft.com/office/drawing/2014/main" id="{0822A188-4351-443E-9A73-0BDAAB88A97A}"/>
+              </a:ext>
+            </a:extLst>
+          </p:cNvPr>
+          <p:cNvSpPr>
+            <a:spLocks noGrp="1"/>
+          </p:cNvSpPr>
+          <p:nvPr>
+            <p:ph idx="1"/>
+          </p:nvPr>
+        </p:nvSpPr>
+        <p:spPr>
+          <a:xfrm>
+            <a:off x="914400" y="1654309"/>
+            <a:ext cx="11277600" cy="428625"/>
+          </a:xfrm>
+        </p:spPr>
+        <p:txBody>
+          <a:bodyPr>
+            <a:normAutofit lnSpcReduction="10000"/>
+          </a:bodyPr>
+          <a:lstStyle/>
+          <a:p>
+            <a:pPr marL="0" indent="0" algn="l" fontAlgn="base">
+              <a:buNone/>
+            </a:pPr>
+            <a:r>
+              <a:rPr lang="en-US" i="0" dirty="0">
+                <a:effectLst/>
+                <a:latin typeface="Inter"/>
+              </a:rPr>
+              <a:t>On average how many artist of a specific nationality are in the top 100 of the same country?</a:t>
+            </a:r>
+            <a:endParaRPr lang="en-US" sz="2800" i="1" dirty="0">
+              <a:effectLst/>
+              <a:latin typeface="Inter"/>
+            </a:endParaRPr>
+          </a:p>
+        </p:txBody>
+      </p:sp>
+      <p:sp>
+        <p:nvSpPr>
+          <p:cNvPr id="2" name="Segnaposto numero diapositiva 1">
+            <a:extLst>
+              <a:ext uri="{FF2B5EF4-FFF2-40B4-BE49-F238E27FC236}">
+                <a16:creationId xmlns:a16="http://schemas.microsoft.com/office/drawing/2014/main" id="{AF743220-D2ED-43D4-A1FF-37CA562FFA98}"/>
+              </a:ext>
+            </a:extLst>
+          </p:cNvPr>
+          <p:cNvSpPr>
+            <a:spLocks noGrp="1"/>
+          </p:cNvSpPr>
+          <p:nvPr>
+            <p:ph type="sldNum" sz="quarter" idx="12"/>
+          </p:nvPr>
+        </p:nvSpPr>
+        <p:spPr/>
+        <p:txBody>
+          <a:bodyPr/>
+          <a:lstStyle/>
+          <a:p>
+            <a:fld id="{0E41FC79-F70E-41D5-8DA8-CBC79D687031}" type="slidenum">
+              <a:rPr lang="it-IT" smtClean="0"/>
+              <a:t>12</a:t>
+            </a:fld>
+            <a:r>
+              <a:rPr lang="it-IT" dirty="0"/>
+              <a:t>/24</a:t>
+            </a:r>
+          </a:p>
+        </p:txBody>
+      </p:sp>
+      <p:pic>
+        <p:nvPicPr>
+          <p:cNvPr id="9" name="Immagine 8">
+            <a:extLst>
+              <a:ext uri="{FF2B5EF4-FFF2-40B4-BE49-F238E27FC236}">
+                <a16:creationId xmlns:a16="http://schemas.microsoft.com/office/drawing/2014/main" id="{EDB6838F-CF51-44C8-A233-DE57BF1414C2}"/>
+              </a:ext>
+            </a:extLst>
+          </p:cNvPr>
+          <p:cNvPicPr>
+            <a:picLocks noChangeAspect="1"/>
+          </p:cNvPicPr>
+          <p:nvPr/>
+        </p:nvPicPr>
+        <p:blipFill>
+          <a:blip r:embed="rId2">
+            <a:extLst>
+              <a:ext uri="{28A0092B-C50C-407E-A947-70E740481C1C}">
+                <a14:useLocalDpi xmlns:a14="http://schemas.microsoft.com/office/drawing/2010/main" val="0"/>
+              </a:ext>
+            </a:extLst>
+          </a:blip>
+          <a:stretch>
+            <a:fillRect/>
+          </a:stretch>
+        </p:blipFill>
+        <p:spPr>
+          <a:xfrm>
+            <a:off x="914400" y="2106385"/>
+            <a:ext cx="9477375" cy="4615090"/>
+          </a:xfrm>
+          <a:prstGeom prst="rect">
+            <a:avLst/>
+          </a:prstGeom>
+        </p:spPr>
+      </p:pic>
+    </p:spTree>
+    <p:extLst>
+      <p:ext uri="{BB962C8B-B14F-4D97-AF65-F5344CB8AC3E}">
+        <p14:creationId xmlns:p14="http://schemas.microsoft.com/office/powerpoint/2010/main" val="2148419990"/>
+      </p:ext>
+    </p:extLst>
+  </p:cSld>
+  <p:clrMapOvr>
+    <a:masterClrMapping/>
+  </p:clrMapOvr>
+</p:sld>
+</file>
+
+<file path=ppt/slides/slide13.xml><?xml version="1.0" encoding="utf-8"?>
 <p:sld xmlns:a="http://schemas.openxmlformats.org/drawingml/2006/main" xmlns:r="http://schemas.openxmlformats.org/officeDocument/2006/relationships" xmlns:p="http://schemas.openxmlformats.org/presentationml/2006/main">
   <p:cSld>
     <p:spTree>
@@ -19152,7 +21688,7 @@
           <a:p>
             <a:fld id="{0E41FC79-F70E-41D5-8DA8-CBC79D687031}" type="slidenum">
               <a:rPr lang="it-IT" smtClean="0"/>
-              <a:t>10</a:t>
+              <a:t>13</a:t>
             </a:fld>
             <a:r>
               <a:rPr lang="it-IT" dirty="0"/>
@@ -19174,7 +21710,7 @@
 </p:sld>
 </file>
 
-<file path=ppt/slides/slide11.xml><?xml version="1.0" encoding="utf-8"?>
+<file path=ppt/slides/slide14.xml><?xml version="1.0" encoding="utf-8"?>
 <p:sld xmlns:a="http://schemas.openxmlformats.org/drawingml/2006/main" xmlns:r="http://schemas.openxmlformats.org/officeDocument/2006/relationships" xmlns:p="http://schemas.openxmlformats.org/presentationml/2006/main">
   <p:cSld>
     <p:spTree>
@@ -19294,7 +21830,7 @@
           <a:p>
             <a:fld id="{0E41FC79-F70E-41D5-8DA8-CBC79D687031}" type="slidenum">
               <a:rPr lang="it-IT" smtClean="0"/>
-              <a:t>11</a:t>
+              <a:t>14</a:t>
             </a:fld>
             <a:r>
               <a:rPr lang="it-IT" dirty="0"/>
@@ -19352,7 +21888,7 @@
 </p:sld>
 </file>
 
-<file path=ppt/slides/slide12.xml><?xml version="1.0" encoding="utf-8"?>
+<file path=ppt/slides/slide15.xml><?xml version="1.0" encoding="utf-8"?>
 <p:sld xmlns:a="http://schemas.openxmlformats.org/drawingml/2006/main" xmlns:r="http://schemas.openxmlformats.org/officeDocument/2006/relationships" xmlns:p="http://schemas.openxmlformats.org/presentationml/2006/main">
   <p:cSld>
     <p:spTree>
@@ -19440,7 +21976,7 @@
                 <a:effectLst/>
                 <a:latin typeface="Inter"/>
               </a:rPr>
-              <a:t>In 2019 there was more distinct singles in top 100 Argentina or top 100 Italy?</a:t>
+              <a:t>In 2019 there was more distinct singles in top 100 Argentina rather than in top 100 Italy?</a:t>
             </a:r>
             <a:endParaRPr lang="en-US" sz="2800" i="1" dirty="0">
               <a:effectLst/>
@@ -19472,7 +22008,7 @@
           <a:p>
             <a:fld id="{0E41FC79-F70E-41D5-8DA8-CBC79D687031}" type="slidenum">
               <a:rPr lang="it-IT" smtClean="0"/>
-              <a:t>12</a:t>
+              <a:t>15</a:t>
             </a:fld>
             <a:r>
               <a:rPr lang="it-IT" dirty="0"/>
@@ -19494,7 +22030,7 @@
 </p:sld>
 </file>
 
-<file path=ppt/slides/slide13.xml><?xml version="1.0" encoding="utf-8"?>
+<file path=ppt/slides/slide16.xml><?xml version="1.0" encoding="utf-8"?>
 <p:sld xmlns:a="http://schemas.openxmlformats.org/drawingml/2006/main" xmlns:r="http://schemas.openxmlformats.org/officeDocument/2006/relationships" xmlns:p="http://schemas.openxmlformats.org/presentationml/2006/main">
   <p:cSld>
     <p:spTree>
@@ -19582,7 +22118,7 @@
                 <a:effectLst/>
                 <a:latin typeface="Inter"/>
               </a:rPr>
-              <a:t>In 2019 there was more distinct singles in top 100 Argentina or top 100 Italy?</a:t>
+              <a:t>In 2019 there was more distinct singles in top 100 Argentina rather than in top 100 Italy?</a:t>
             </a:r>
             <a:endParaRPr lang="en-US" sz="2800" i="1" dirty="0">
               <a:effectLst/>
@@ -19683,7 +22219,7 @@
           <a:p>
             <a:fld id="{0E41FC79-F70E-41D5-8DA8-CBC79D687031}" type="slidenum">
               <a:rPr lang="it-IT" smtClean="0"/>
-              <a:t>13</a:t>
+              <a:t>16</a:t>
             </a:fld>
             <a:r>
               <a:rPr lang="it-IT" dirty="0"/>
@@ -19705,7 +22241,7 @@
 </p:sld>
 </file>
 
-<file path=ppt/slides/slide14.xml><?xml version="1.0" encoding="utf-8"?>
+<file path=ppt/slides/slide17.xml><?xml version="1.0" encoding="utf-8"?>
 <p:sld xmlns:a="http://schemas.openxmlformats.org/drawingml/2006/main" xmlns:r="http://schemas.openxmlformats.org/officeDocument/2006/relationships" xmlns:p="http://schemas.openxmlformats.org/presentationml/2006/main">
   <p:cSld>
     <p:spTree>
@@ -19793,7 +22329,7 @@
                 <a:effectLst/>
                 <a:latin typeface="Inter"/>
               </a:rPr>
-              <a:t>In 2019 there was more distinct singles in top 100 Argentina or top 100 Italy?</a:t>
+              <a:t>In 2019 there was more distinct singles in top 100 Argentina rather than in top 100 Italy?</a:t>
             </a:r>
             <a:endParaRPr lang="en-US" sz="2800" i="1" dirty="0">
               <a:effectLst/>
@@ -20116,7 +22652,7 @@
           <a:p>
             <a:fld id="{0E41FC79-F70E-41D5-8DA8-CBC79D687031}" type="slidenum">
               <a:rPr lang="it-IT" smtClean="0"/>
-              <a:t>14</a:t>
+              <a:t>17</a:t>
             </a:fld>
             <a:r>
               <a:rPr lang="it-IT" dirty="0"/>
@@ -20138,7 +22674,7 @@
 </p:sld>
 </file>
 
-<file path=ppt/slides/slide15.xml><?xml version="1.0" encoding="utf-8"?>
+<file path=ppt/slides/slide18.xml><?xml version="1.0" encoding="utf-8"?>
 <p:sld xmlns:a="http://schemas.openxmlformats.org/drawingml/2006/main" xmlns:r="http://schemas.openxmlformats.org/officeDocument/2006/relationships" xmlns:p="http://schemas.openxmlformats.org/presentationml/2006/main">
   <p:cSld>
     <p:spTree>
@@ -20258,7 +22794,7 @@
           <a:p>
             <a:fld id="{0E41FC79-F70E-41D5-8DA8-CBC79D687031}" type="slidenum">
               <a:rPr lang="it-IT" smtClean="0"/>
-              <a:t>15</a:t>
+              <a:t>18</a:t>
             </a:fld>
             <a:r>
               <a:rPr lang="it-IT" dirty="0"/>
@@ -20316,7 +22852,7 @@
 </p:sld>
 </file>
 
-<file path=ppt/slides/slide16.xml><?xml version="1.0" encoding="utf-8"?>
+<file path=ppt/slides/slide19.xml><?xml version="1.0" encoding="utf-8"?>
 <p:sld xmlns:a="http://schemas.openxmlformats.org/drawingml/2006/main" xmlns:r="http://schemas.openxmlformats.org/officeDocument/2006/relationships" xmlns:p="http://schemas.openxmlformats.org/presentationml/2006/main">
   <p:cSld>
     <p:spTree>
@@ -20436,7 +22972,7 @@
           <a:p>
             <a:fld id="{0E41FC79-F70E-41D5-8DA8-CBC79D687031}" type="slidenum">
               <a:rPr lang="it-IT" smtClean="0"/>
-              <a:t>16</a:t>
+              <a:t>19</a:t>
             </a:fld>
             <a:r>
               <a:rPr lang="it-IT" dirty="0"/>
@@ -20494,7 +23030,442 @@
 </p:sld>
 </file>
 
-<file path=ppt/slides/slide17.xml><?xml version="1.0" encoding="utf-8"?>
+<file path=ppt/slides/slide2.xml><?xml version="1.0" encoding="utf-8"?>
+<p:sld xmlns:a="http://schemas.openxmlformats.org/drawingml/2006/main" xmlns:r="http://schemas.openxmlformats.org/officeDocument/2006/relationships" xmlns:p="http://schemas.openxmlformats.org/presentationml/2006/main">
+  <p:cSld>
+    <p:spTree>
+      <p:nvGrpSpPr>
+        <p:cNvPr id="1" name=""/>
+        <p:cNvGrpSpPr/>
+        <p:nvPr/>
+      </p:nvGrpSpPr>
+      <p:grpSpPr>
+        <a:xfrm>
+          <a:off x="0" y="0"/>
+          <a:ext cx="0" cy="0"/>
+          <a:chOff x="0" y="0"/>
+          <a:chExt cx="0" cy="0"/>
+        </a:xfrm>
+      </p:grpSpPr>
+      <p:sp>
+        <p:nvSpPr>
+          <p:cNvPr id="4" name="Titolo 3">
+            <a:extLst>
+              <a:ext uri="{FF2B5EF4-FFF2-40B4-BE49-F238E27FC236}">
+                <a16:creationId xmlns:a16="http://schemas.microsoft.com/office/drawing/2014/main" id="{A32BADA9-D1E4-4A68-A522-AE21B0D0BA03}"/>
+              </a:ext>
+            </a:extLst>
+          </p:cNvPr>
+          <p:cNvSpPr>
+            <a:spLocks noGrp="1"/>
+          </p:cNvSpPr>
+          <p:nvPr>
+            <p:ph type="title"/>
+          </p:nvPr>
+        </p:nvSpPr>
+        <p:spPr>
+          <a:xfrm>
+            <a:off x="914400" y="1371601"/>
+            <a:ext cx="1254868" cy="749030"/>
+          </a:xfrm>
+        </p:spPr>
+        <p:txBody>
+          <a:bodyPr/>
+          <a:lstStyle/>
+          <a:p>
+            <a:r>
+              <a:rPr lang="it-IT" b="1" dirty="0"/>
+              <a:t>Data</a:t>
+            </a:r>
+          </a:p>
+        </p:txBody>
+      </p:sp>
+      <p:sp>
+        <p:nvSpPr>
+          <p:cNvPr id="5" name="Segnaposto contenuto 4">
+            <a:extLst>
+              <a:ext uri="{FF2B5EF4-FFF2-40B4-BE49-F238E27FC236}">
+                <a16:creationId xmlns:a16="http://schemas.microsoft.com/office/drawing/2014/main" id="{0822A188-4351-443E-9A73-0BDAAB88A97A}"/>
+              </a:ext>
+            </a:extLst>
+          </p:cNvPr>
+          <p:cNvSpPr>
+            <a:spLocks noGrp="1"/>
+          </p:cNvSpPr>
+          <p:nvPr>
+            <p:ph idx="1"/>
+          </p:nvPr>
+        </p:nvSpPr>
+        <p:spPr>
+          <a:xfrm>
+            <a:off x="914399" y="2853369"/>
+            <a:ext cx="5181601" cy="3088460"/>
+          </a:xfrm>
+        </p:spPr>
+        <p:txBody>
+          <a:bodyPr>
+            <a:normAutofit lnSpcReduction="10000"/>
+          </a:bodyPr>
+          <a:lstStyle/>
+          <a:p>
+            <a:pPr algn="l" fontAlgn="base">
+              <a:buFont typeface="Wingdings" panose="05000000000000000000" pitchFamily="2" charset="2"/>
+              <a:buChar char="q"/>
+            </a:pPr>
+            <a:r>
+              <a:rPr lang="en-US" sz="2800" b="0" i="0" dirty="0">
+                <a:effectLst/>
+                <a:latin typeface="Inter"/>
+              </a:rPr>
+              <a:t> Available on Kaggle</a:t>
+            </a:r>
+          </a:p>
+          <a:p>
+            <a:pPr algn="l" fontAlgn="base">
+              <a:buFont typeface="Wingdings" panose="05000000000000000000" pitchFamily="2" charset="2"/>
+              <a:buChar char="q"/>
+            </a:pPr>
+            <a:r>
+              <a:rPr lang="en-US" sz="2800" b="0" i="0" dirty="0">
+                <a:effectLst/>
+                <a:latin typeface="Inter"/>
+              </a:rPr>
+              <a:t> Spotify's Daily Top 200 charts </a:t>
+            </a:r>
+          </a:p>
+          <a:p>
+            <a:pPr algn="l" fontAlgn="base">
+              <a:buFont typeface="Wingdings" panose="05000000000000000000" pitchFamily="2" charset="2"/>
+              <a:buChar char="q"/>
+            </a:pPr>
+            <a:r>
+              <a:rPr lang="en-US" sz="2800" b="0" i="0" dirty="0">
+                <a:effectLst/>
+                <a:latin typeface="Inter"/>
+              </a:rPr>
+              <a:t> 35 countries + global chart</a:t>
+            </a:r>
+          </a:p>
+          <a:p>
+            <a:pPr algn="l" fontAlgn="base">
+              <a:buFont typeface="Wingdings" panose="05000000000000000000" pitchFamily="2" charset="2"/>
+              <a:buChar char="q"/>
+            </a:pPr>
+            <a:r>
+              <a:rPr lang="en-US" sz="2800" dirty="0">
+                <a:latin typeface="Inter"/>
+              </a:rPr>
+              <a:t> O</a:t>
+            </a:r>
+            <a:r>
+              <a:rPr lang="en-US" sz="2800" b="0" i="0" dirty="0">
+                <a:effectLst/>
+                <a:latin typeface="Inter"/>
+              </a:rPr>
+              <a:t>ver 3 years (2017-2020)</a:t>
+            </a:r>
+          </a:p>
+          <a:p>
+            <a:pPr algn="l" fontAlgn="base">
+              <a:buFont typeface="Wingdings" panose="05000000000000000000" pitchFamily="2" charset="2"/>
+              <a:buChar char="q"/>
+            </a:pPr>
+            <a:r>
+              <a:rPr lang="en-US" sz="2800" b="0" i="0" dirty="0">
+                <a:effectLst/>
+                <a:latin typeface="Inter"/>
+              </a:rPr>
+              <a:t> 1.53 GB of data</a:t>
+            </a:r>
+          </a:p>
+        </p:txBody>
+      </p:sp>
+      <p:graphicFrame>
+        <p:nvGraphicFramePr>
+          <p:cNvPr id="6" name="Segnaposto contenuto 2">
+            <a:extLst>
+              <a:ext uri="{FF2B5EF4-FFF2-40B4-BE49-F238E27FC236}">
+                <a16:creationId xmlns:a16="http://schemas.microsoft.com/office/drawing/2014/main" id="{5B185852-E159-4F22-A892-25F31FD700DF}"/>
+              </a:ext>
+            </a:extLst>
+          </p:cNvPr>
+          <p:cNvGraphicFramePr>
+            <a:graphicFrameLocks/>
+          </p:cNvGraphicFramePr>
+          <p:nvPr>
+            <p:extLst>
+              <p:ext uri="{D42A27DB-BD31-4B8C-83A1-F6EECF244321}">
+                <p14:modId xmlns:p14="http://schemas.microsoft.com/office/powerpoint/2010/main" val="101988781"/>
+              </p:ext>
+            </p:extLst>
+          </p:nvPr>
+        </p:nvGraphicFramePr>
+        <p:xfrm>
+          <a:off x="6650040" y="1962150"/>
+          <a:ext cx="5284786" cy="3979679"/>
+        </p:xfrm>
+        <a:graphic>
+          <a:graphicData uri="http://schemas.openxmlformats.org/drawingml/2006/diagram">
+            <dgm:relIds xmlns:dgm="http://schemas.openxmlformats.org/drawingml/2006/diagram" xmlns:r="http://schemas.openxmlformats.org/officeDocument/2006/relationships" r:dm="rId2" r:lo="rId3" r:qs="rId4" r:cs="rId5"/>
+          </a:graphicData>
+        </a:graphic>
+      </p:graphicFrame>
+      <p:sp>
+        <p:nvSpPr>
+          <p:cNvPr id="7" name="Segnaposto contenuto 4">
+            <a:extLst>
+              <a:ext uri="{FF2B5EF4-FFF2-40B4-BE49-F238E27FC236}">
+                <a16:creationId xmlns:a16="http://schemas.microsoft.com/office/drawing/2014/main" id="{053EC6A8-1FBF-4CAA-8BDB-C5EB7AA6BF9F}"/>
+              </a:ext>
+            </a:extLst>
+          </p:cNvPr>
+          <p:cNvSpPr txBox="1">
+            <a:spLocks/>
+          </p:cNvSpPr>
+          <p:nvPr/>
+        </p:nvSpPr>
+        <p:spPr>
+          <a:xfrm>
+            <a:off x="7417847" y="5941829"/>
+            <a:ext cx="3749172" cy="483694"/>
+          </a:xfrm>
+          <a:prstGeom prst="rect">
+            <a:avLst/>
+          </a:prstGeom>
+        </p:spPr>
+        <p:txBody>
+          <a:bodyPr vert="horz" lIns="91440" tIns="45720" rIns="91440" bIns="45720" rtlCol="0">
+            <a:noAutofit/>
+          </a:bodyPr>
+          <a:lstStyle>
+            <a:lvl1pPr marL="228600" indent="-228600" algn="l" defTabSz="914400" rtl="0" eaLnBrk="1" latinLnBrk="0" hangingPunct="1">
+              <a:lnSpc>
+                <a:spcPct val="120000"/>
+              </a:lnSpc>
+              <a:spcBef>
+                <a:spcPts val="1000"/>
+              </a:spcBef>
+              <a:buSzPct val="87000"/>
+              <a:buFont typeface="Arial" panose="020B0604020202020204" pitchFamily="34" charset="0"/>
+              <a:buChar char="•"/>
+              <a:defRPr sz="2000" kern="1200">
+                <a:solidFill>
+                  <a:schemeClr val="tx1"/>
+                </a:solidFill>
+                <a:latin typeface="+mn-lt"/>
+                <a:ea typeface="+mn-ea"/>
+                <a:cs typeface="+mn-cs"/>
+              </a:defRPr>
+            </a:lvl1pPr>
+            <a:lvl2pPr marL="274320" indent="0" algn="l" defTabSz="914400" rtl="0" eaLnBrk="1" latinLnBrk="0" hangingPunct="1">
+              <a:lnSpc>
+                <a:spcPct val="120000"/>
+              </a:lnSpc>
+              <a:spcBef>
+                <a:spcPts val="500"/>
+              </a:spcBef>
+              <a:buSzPct val="87000"/>
+              <a:buFontTx/>
+              <a:buNone/>
+              <a:defRPr sz="1800" kern="1200">
+                <a:solidFill>
+                  <a:schemeClr val="tx1"/>
+                </a:solidFill>
+                <a:latin typeface="+mn-lt"/>
+                <a:ea typeface="+mn-ea"/>
+                <a:cs typeface="+mn-cs"/>
+              </a:defRPr>
+            </a:lvl2pPr>
+            <a:lvl3pPr marL="548640" indent="-228600" algn="l" defTabSz="914400" rtl="0" eaLnBrk="1" latinLnBrk="0" hangingPunct="1">
+              <a:lnSpc>
+                <a:spcPct val="120000"/>
+              </a:lnSpc>
+              <a:spcBef>
+                <a:spcPts val="500"/>
+              </a:spcBef>
+              <a:buSzPct val="87000"/>
+              <a:buFont typeface="Arial" panose="020B0604020202020204" pitchFamily="34" charset="0"/>
+              <a:buChar char="•"/>
+              <a:defRPr sz="1600" kern="1200">
+                <a:solidFill>
+                  <a:schemeClr val="tx1"/>
+                </a:solidFill>
+                <a:latin typeface="+mn-lt"/>
+                <a:ea typeface="+mn-ea"/>
+                <a:cs typeface="+mn-cs"/>
+              </a:defRPr>
+            </a:lvl3pPr>
+            <a:lvl4pPr marL="594360" indent="0" algn="l" defTabSz="914400" rtl="0" eaLnBrk="1" latinLnBrk="0" hangingPunct="1">
+              <a:lnSpc>
+                <a:spcPct val="120000"/>
+              </a:lnSpc>
+              <a:spcBef>
+                <a:spcPts val="500"/>
+              </a:spcBef>
+              <a:buSzPct val="87000"/>
+              <a:buFontTx/>
+              <a:buNone/>
+              <a:defRPr sz="1400" kern="1200">
+                <a:solidFill>
+                  <a:schemeClr val="tx1"/>
+                </a:solidFill>
+                <a:latin typeface="+mn-lt"/>
+                <a:ea typeface="+mn-ea"/>
+                <a:cs typeface="+mn-cs"/>
+              </a:defRPr>
+            </a:lvl4pPr>
+            <a:lvl5pPr marL="822960" indent="-228600" algn="l" defTabSz="914400" rtl="0" eaLnBrk="1" latinLnBrk="0" hangingPunct="1">
+              <a:lnSpc>
+                <a:spcPct val="120000"/>
+              </a:lnSpc>
+              <a:spcBef>
+                <a:spcPts val="500"/>
+              </a:spcBef>
+              <a:buSzPct val="87000"/>
+              <a:buFont typeface="Arial" panose="020B0604020202020204" pitchFamily="34" charset="0"/>
+              <a:buChar char="•"/>
+              <a:defRPr sz="1400" kern="1200">
+                <a:solidFill>
+                  <a:schemeClr val="tx1"/>
+                </a:solidFill>
+                <a:latin typeface="+mn-lt"/>
+                <a:ea typeface="+mn-ea"/>
+                <a:cs typeface="+mn-cs"/>
+              </a:defRPr>
+            </a:lvl5pPr>
+            <a:lvl6pPr marL="2514600" indent="-228600" algn="l" defTabSz="914400" rtl="0" eaLnBrk="1" latinLnBrk="0" hangingPunct="1">
+              <a:lnSpc>
+                <a:spcPct val="90000"/>
+              </a:lnSpc>
+              <a:spcBef>
+                <a:spcPts val="500"/>
+              </a:spcBef>
+              <a:buFont typeface="Arial" panose="020B0604020202020204" pitchFamily="34" charset="0"/>
+              <a:buChar char="•"/>
+              <a:defRPr sz="1800" kern="1200">
+                <a:solidFill>
+                  <a:schemeClr val="tx1"/>
+                </a:solidFill>
+                <a:latin typeface="+mn-lt"/>
+                <a:ea typeface="+mn-ea"/>
+                <a:cs typeface="+mn-cs"/>
+              </a:defRPr>
+            </a:lvl6pPr>
+            <a:lvl7pPr marL="2971800" indent="-228600" algn="l" defTabSz="914400" rtl="0" eaLnBrk="1" latinLnBrk="0" hangingPunct="1">
+              <a:lnSpc>
+                <a:spcPct val="90000"/>
+              </a:lnSpc>
+              <a:spcBef>
+                <a:spcPts val="500"/>
+              </a:spcBef>
+              <a:buFont typeface="Arial" panose="020B0604020202020204" pitchFamily="34" charset="0"/>
+              <a:buChar char="•"/>
+              <a:defRPr sz="1800" kern="1200">
+                <a:solidFill>
+                  <a:schemeClr val="tx1"/>
+                </a:solidFill>
+                <a:latin typeface="+mn-lt"/>
+                <a:ea typeface="+mn-ea"/>
+                <a:cs typeface="+mn-cs"/>
+              </a:defRPr>
+            </a:lvl7pPr>
+            <a:lvl8pPr marL="3429000" indent="-228600" algn="l" defTabSz="914400" rtl="0" eaLnBrk="1" latinLnBrk="0" hangingPunct="1">
+              <a:lnSpc>
+                <a:spcPct val="90000"/>
+              </a:lnSpc>
+              <a:spcBef>
+                <a:spcPts val="500"/>
+              </a:spcBef>
+              <a:buFont typeface="Arial" panose="020B0604020202020204" pitchFamily="34" charset="0"/>
+              <a:buChar char="•"/>
+              <a:defRPr sz="1800" kern="1200">
+                <a:solidFill>
+                  <a:schemeClr val="tx1"/>
+                </a:solidFill>
+                <a:latin typeface="+mn-lt"/>
+                <a:ea typeface="+mn-ea"/>
+                <a:cs typeface="+mn-cs"/>
+              </a:defRPr>
+            </a:lvl8pPr>
+            <a:lvl9pPr marL="3886200" indent="-228600" algn="l" defTabSz="914400" rtl="0" eaLnBrk="1" latinLnBrk="0" hangingPunct="1">
+              <a:lnSpc>
+                <a:spcPct val="90000"/>
+              </a:lnSpc>
+              <a:spcBef>
+                <a:spcPts val="500"/>
+              </a:spcBef>
+              <a:buFont typeface="Arial" panose="020B0604020202020204" pitchFamily="34" charset="0"/>
+              <a:buChar char="•"/>
+              <a:defRPr sz="1800" kern="1200">
+                <a:solidFill>
+                  <a:schemeClr val="tx1"/>
+                </a:solidFill>
+                <a:latin typeface="+mn-lt"/>
+                <a:ea typeface="+mn-ea"/>
+                <a:cs typeface="+mn-cs"/>
+              </a:defRPr>
+            </a:lvl9pPr>
+          </a:lstStyle>
+          <a:p>
+            <a:pPr marL="0" indent="0" algn="ctr" fontAlgn="base">
+              <a:buFont typeface="Arial" panose="020B0604020202020204" pitchFamily="34" charset="0"/>
+              <a:buNone/>
+            </a:pPr>
+            <a:r>
+              <a:rPr lang="en-US" sz="2400" i="1" dirty="0">
+                <a:latin typeface="Inter"/>
+              </a:rPr>
+              <a:t>features in the dataset</a:t>
+            </a:r>
+          </a:p>
+        </p:txBody>
+      </p:sp>
+      <p:sp>
+        <p:nvSpPr>
+          <p:cNvPr id="2" name="Segnaposto numero diapositiva 1">
+            <a:extLst>
+              <a:ext uri="{FF2B5EF4-FFF2-40B4-BE49-F238E27FC236}">
+                <a16:creationId xmlns:a16="http://schemas.microsoft.com/office/drawing/2014/main" id="{966A65FB-D949-4ACD-83A1-1D6ED79689E9}"/>
+              </a:ext>
+            </a:extLst>
+          </p:cNvPr>
+          <p:cNvSpPr>
+            <a:spLocks noGrp="1"/>
+          </p:cNvSpPr>
+          <p:nvPr>
+            <p:ph type="sldNum" sz="quarter" idx="12"/>
+          </p:nvPr>
+        </p:nvSpPr>
+        <p:spPr/>
+        <p:txBody>
+          <a:bodyPr/>
+          <a:lstStyle/>
+          <a:p>
+            <a:fld id="{0E41FC79-F70E-41D5-8DA8-CBC79D687031}" type="slidenum">
+              <a:rPr lang="it-IT" smtClean="0"/>
+              <a:t>2</a:t>
+            </a:fld>
+            <a:r>
+              <a:rPr lang="it-IT" dirty="0"/>
+              <a:t>/24</a:t>
+            </a:r>
+          </a:p>
+        </p:txBody>
+      </p:sp>
+    </p:spTree>
+    <p:extLst>
+      <p:ext uri="{BB962C8B-B14F-4D97-AF65-F5344CB8AC3E}">
+        <p14:creationId xmlns:p14="http://schemas.microsoft.com/office/powerpoint/2010/main" val="4216747870"/>
+      </p:ext>
+    </p:extLst>
+  </p:cSld>
+  <p:clrMapOvr>
+    <a:masterClrMapping/>
+  </p:clrMapOvr>
+</p:sld>
+</file>
+
+<file path=ppt/slides/slide20.xml><?xml version="1.0" encoding="utf-8"?>
 <p:sld xmlns:a="http://schemas.openxmlformats.org/drawingml/2006/main" xmlns:r="http://schemas.openxmlformats.org/officeDocument/2006/relationships" xmlns:p="http://schemas.openxmlformats.org/presentationml/2006/main">
   <p:cSld>
     <p:spTree>
@@ -21285,7 +24256,7 @@
           <a:p>
             <a:fld id="{0E41FC79-F70E-41D5-8DA8-CBC79D687031}" type="slidenum">
               <a:rPr lang="it-IT" smtClean="0"/>
-              <a:t>17</a:t>
+              <a:t>20</a:t>
             </a:fld>
             <a:r>
               <a:rPr lang="it-IT" dirty="0"/>
@@ -21307,7 +24278,7 @@
 </p:sld>
 </file>
 
-<file path=ppt/slides/slide18.xml><?xml version="1.0" encoding="utf-8"?>
+<file path=ppt/slides/slide21.xml><?xml version="1.0" encoding="utf-8"?>
 <p:sld xmlns:a="http://schemas.openxmlformats.org/drawingml/2006/main" xmlns:r="http://schemas.openxmlformats.org/officeDocument/2006/relationships" xmlns:p="http://schemas.openxmlformats.org/presentationml/2006/main">
   <p:cSld>
     <p:spTree>
@@ -21588,7 +24559,7 @@
           <a:p>
             <a:fld id="{0E41FC79-F70E-41D5-8DA8-CBC79D687031}" type="slidenum">
               <a:rPr lang="it-IT" smtClean="0"/>
-              <a:t>18</a:t>
+              <a:t>21</a:t>
             </a:fld>
             <a:r>
               <a:rPr lang="it-IT" dirty="0"/>
@@ -21610,7 +24581,7 @@
 </p:sld>
 </file>
 
-<file path=ppt/slides/slide19.xml><?xml version="1.0" encoding="utf-8"?>
+<file path=ppt/slides/slide22.xml><?xml version="1.0" encoding="utf-8"?>
 <p:sld xmlns:a="http://schemas.openxmlformats.org/drawingml/2006/main" xmlns:r="http://schemas.openxmlformats.org/officeDocument/2006/relationships" xmlns:p="http://schemas.openxmlformats.org/presentationml/2006/main">
   <p:cSld>
     <p:spTree>
@@ -22099,7 +25070,7 @@
           <a:p>
             <a:fld id="{0E41FC79-F70E-41D5-8DA8-CBC79D687031}" type="slidenum">
               <a:rPr lang="it-IT" smtClean="0"/>
-              <a:t>19</a:t>
+              <a:t>22</a:t>
             </a:fld>
             <a:r>
               <a:rPr lang="it-IT" dirty="0"/>
@@ -22121,442 +25092,7 @@
 </p:sld>
 </file>
 
-<file path=ppt/slides/slide2.xml><?xml version="1.0" encoding="utf-8"?>
-<p:sld xmlns:a="http://schemas.openxmlformats.org/drawingml/2006/main" xmlns:r="http://schemas.openxmlformats.org/officeDocument/2006/relationships" xmlns:p="http://schemas.openxmlformats.org/presentationml/2006/main">
-  <p:cSld>
-    <p:spTree>
-      <p:nvGrpSpPr>
-        <p:cNvPr id="1" name=""/>
-        <p:cNvGrpSpPr/>
-        <p:nvPr/>
-      </p:nvGrpSpPr>
-      <p:grpSpPr>
-        <a:xfrm>
-          <a:off x="0" y="0"/>
-          <a:ext cx="0" cy="0"/>
-          <a:chOff x="0" y="0"/>
-          <a:chExt cx="0" cy="0"/>
-        </a:xfrm>
-      </p:grpSpPr>
-      <p:sp>
-        <p:nvSpPr>
-          <p:cNvPr id="4" name="Titolo 3">
-            <a:extLst>
-              <a:ext uri="{FF2B5EF4-FFF2-40B4-BE49-F238E27FC236}">
-                <a16:creationId xmlns:a16="http://schemas.microsoft.com/office/drawing/2014/main" id="{A32BADA9-D1E4-4A68-A522-AE21B0D0BA03}"/>
-              </a:ext>
-            </a:extLst>
-          </p:cNvPr>
-          <p:cNvSpPr>
-            <a:spLocks noGrp="1"/>
-          </p:cNvSpPr>
-          <p:nvPr>
-            <p:ph type="title"/>
-          </p:nvPr>
-        </p:nvSpPr>
-        <p:spPr>
-          <a:xfrm>
-            <a:off x="914400" y="1371601"/>
-            <a:ext cx="1254868" cy="749030"/>
-          </a:xfrm>
-        </p:spPr>
-        <p:txBody>
-          <a:bodyPr/>
-          <a:lstStyle/>
-          <a:p>
-            <a:r>
-              <a:rPr lang="it-IT" b="1" dirty="0"/>
-              <a:t>Data</a:t>
-            </a:r>
-          </a:p>
-        </p:txBody>
-      </p:sp>
-      <p:sp>
-        <p:nvSpPr>
-          <p:cNvPr id="5" name="Segnaposto contenuto 4">
-            <a:extLst>
-              <a:ext uri="{FF2B5EF4-FFF2-40B4-BE49-F238E27FC236}">
-                <a16:creationId xmlns:a16="http://schemas.microsoft.com/office/drawing/2014/main" id="{0822A188-4351-443E-9A73-0BDAAB88A97A}"/>
-              </a:ext>
-            </a:extLst>
-          </p:cNvPr>
-          <p:cNvSpPr>
-            <a:spLocks noGrp="1"/>
-          </p:cNvSpPr>
-          <p:nvPr>
-            <p:ph idx="1"/>
-          </p:nvPr>
-        </p:nvSpPr>
-        <p:spPr>
-          <a:xfrm>
-            <a:off x="914399" y="2853369"/>
-            <a:ext cx="5181601" cy="3088460"/>
-          </a:xfrm>
-        </p:spPr>
-        <p:txBody>
-          <a:bodyPr>
-            <a:normAutofit lnSpcReduction="10000"/>
-          </a:bodyPr>
-          <a:lstStyle/>
-          <a:p>
-            <a:pPr algn="l" fontAlgn="base">
-              <a:buFont typeface="Wingdings" panose="05000000000000000000" pitchFamily="2" charset="2"/>
-              <a:buChar char="q"/>
-            </a:pPr>
-            <a:r>
-              <a:rPr lang="en-US" sz="2800" b="0" i="0" dirty="0">
-                <a:effectLst/>
-                <a:latin typeface="Inter"/>
-              </a:rPr>
-              <a:t> Available on Kaggle</a:t>
-            </a:r>
-          </a:p>
-          <a:p>
-            <a:pPr algn="l" fontAlgn="base">
-              <a:buFont typeface="Wingdings" panose="05000000000000000000" pitchFamily="2" charset="2"/>
-              <a:buChar char="q"/>
-            </a:pPr>
-            <a:r>
-              <a:rPr lang="en-US" sz="2800" b="0" i="0" dirty="0">
-                <a:effectLst/>
-                <a:latin typeface="Inter"/>
-              </a:rPr>
-              <a:t> Spotify's Daily Top 200 charts </a:t>
-            </a:r>
-          </a:p>
-          <a:p>
-            <a:pPr algn="l" fontAlgn="base">
-              <a:buFont typeface="Wingdings" panose="05000000000000000000" pitchFamily="2" charset="2"/>
-              <a:buChar char="q"/>
-            </a:pPr>
-            <a:r>
-              <a:rPr lang="en-US" sz="2800" b="0" i="0" dirty="0">
-                <a:effectLst/>
-                <a:latin typeface="Inter"/>
-              </a:rPr>
-              <a:t> 35 countries + global chart</a:t>
-            </a:r>
-          </a:p>
-          <a:p>
-            <a:pPr algn="l" fontAlgn="base">
-              <a:buFont typeface="Wingdings" panose="05000000000000000000" pitchFamily="2" charset="2"/>
-              <a:buChar char="q"/>
-            </a:pPr>
-            <a:r>
-              <a:rPr lang="en-US" sz="2800" dirty="0">
-                <a:latin typeface="Inter"/>
-              </a:rPr>
-              <a:t> O</a:t>
-            </a:r>
-            <a:r>
-              <a:rPr lang="en-US" sz="2800" b="0" i="0" dirty="0">
-                <a:effectLst/>
-                <a:latin typeface="Inter"/>
-              </a:rPr>
-              <a:t>ver 3 years (2017-2020)</a:t>
-            </a:r>
-          </a:p>
-          <a:p>
-            <a:pPr algn="l" fontAlgn="base">
-              <a:buFont typeface="Wingdings" panose="05000000000000000000" pitchFamily="2" charset="2"/>
-              <a:buChar char="q"/>
-            </a:pPr>
-            <a:r>
-              <a:rPr lang="en-US" sz="2800" b="0" i="0" dirty="0">
-                <a:effectLst/>
-                <a:latin typeface="Inter"/>
-              </a:rPr>
-              <a:t> 1.53 GB of data</a:t>
-            </a:r>
-          </a:p>
-        </p:txBody>
-      </p:sp>
-      <p:graphicFrame>
-        <p:nvGraphicFramePr>
-          <p:cNvPr id="6" name="Segnaposto contenuto 2">
-            <a:extLst>
-              <a:ext uri="{FF2B5EF4-FFF2-40B4-BE49-F238E27FC236}">
-                <a16:creationId xmlns:a16="http://schemas.microsoft.com/office/drawing/2014/main" id="{5B185852-E159-4F22-A892-25F31FD700DF}"/>
-              </a:ext>
-            </a:extLst>
-          </p:cNvPr>
-          <p:cNvGraphicFramePr>
-            <a:graphicFrameLocks/>
-          </p:cNvGraphicFramePr>
-          <p:nvPr>
-            <p:extLst>
-              <p:ext uri="{D42A27DB-BD31-4B8C-83A1-F6EECF244321}">
-                <p14:modId xmlns:p14="http://schemas.microsoft.com/office/powerpoint/2010/main" val="101988781"/>
-              </p:ext>
-            </p:extLst>
-          </p:nvPr>
-        </p:nvGraphicFramePr>
-        <p:xfrm>
-          <a:off x="6650040" y="1962150"/>
-          <a:ext cx="5284786" cy="3979679"/>
-        </p:xfrm>
-        <a:graphic>
-          <a:graphicData uri="http://schemas.openxmlformats.org/drawingml/2006/diagram">
-            <dgm:relIds xmlns:dgm="http://schemas.openxmlformats.org/drawingml/2006/diagram" xmlns:r="http://schemas.openxmlformats.org/officeDocument/2006/relationships" r:dm="rId2" r:lo="rId3" r:qs="rId4" r:cs="rId5"/>
-          </a:graphicData>
-        </a:graphic>
-      </p:graphicFrame>
-      <p:sp>
-        <p:nvSpPr>
-          <p:cNvPr id="7" name="Segnaposto contenuto 4">
-            <a:extLst>
-              <a:ext uri="{FF2B5EF4-FFF2-40B4-BE49-F238E27FC236}">
-                <a16:creationId xmlns:a16="http://schemas.microsoft.com/office/drawing/2014/main" id="{053EC6A8-1FBF-4CAA-8BDB-C5EB7AA6BF9F}"/>
-              </a:ext>
-            </a:extLst>
-          </p:cNvPr>
-          <p:cNvSpPr txBox="1">
-            <a:spLocks/>
-          </p:cNvSpPr>
-          <p:nvPr/>
-        </p:nvSpPr>
-        <p:spPr>
-          <a:xfrm>
-            <a:off x="7417847" y="5941829"/>
-            <a:ext cx="3749172" cy="483694"/>
-          </a:xfrm>
-          <a:prstGeom prst="rect">
-            <a:avLst/>
-          </a:prstGeom>
-        </p:spPr>
-        <p:txBody>
-          <a:bodyPr vert="horz" lIns="91440" tIns="45720" rIns="91440" bIns="45720" rtlCol="0">
-            <a:noAutofit/>
-          </a:bodyPr>
-          <a:lstStyle>
-            <a:lvl1pPr marL="228600" indent="-228600" algn="l" defTabSz="914400" rtl="0" eaLnBrk="1" latinLnBrk="0" hangingPunct="1">
-              <a:lnSpc>
-                <a:spcPct val="120000"/>
-              </a:lnSpc>
-              <a:spcBef>
-                <a:spcPts val="1000"/>
-              </a:spcBef>
-              <a:buSzPct val="87000"/>
-              <a:buFont typeface="Arial" panose="020B0604020202020204" pitchFamily="34" charset="0"/>
-              <a:buChar char="•"/>
-              <a:defRPr sz="2000" kern="1200">
-                <a:solidFill>
-                  <a:schemeClr val="tx1"/>
-                </a:solidFill>
-                <a:latin typeface="+mn-lt"/>
-                <a:ea typeface="+mn-ea"/>
-                <a:cs typeface="+mn-cs"/>
-              </a:defRPr>
-            </a:lvl1pPr>
-            <a:lvl2pPr marL="274320" indent="0" algn="l" defTabSz="914400" rtl="0" eaLnBrk="1" latinLnBrk="0" hangingPunct="1">
-              <a:lnSpc>
-                <a:spcPct val="120000"/>
-              </a:lnSpc>
-              <a:spcBef>
-                <a:spcPts val="500"/>
-              </a:spcBef>
-              <a:buSzPct val="87000"/>
-              <a:buFontTx/>
-              <a:buNone/>
-              <a:defRPr sz="1800" kern="1200">
-                <a:solidFill>
-                  <a:schemeClr val="tx1"/>
-                </a:solidFill>
-                <a:latin typeface="+mn-lt"/>
-                <a:ea typeface="+mn-ea"/>
-                <a:cs typeface="+mn-cs"/>
-              </a:defRPr>
-            </a:lvl2pPr>
-            <a:lvl3pPr marL="548640" indent="-228600" algn="l" defTabSz="914400" rtl="0" eaLnBrk="1" latinLnBrk="0" hangingPunct="1">
-              <a:lnSpc>
-                <a:spcPct val="120000"/>
-              </a:lnSpc>
-              <a:spcBef>
-                <a:spcPts val="500"/>
-              </a:spcBef>
-              <a:buSzPct val="87000"/>
-              <a:buFont typeface="Arial" panose="020B0604020202020204" pitchFamily="34" charset="0"/>
-              <a:buChar char="•"/>
-              <a:defRPr sz="1600" kern="1200">
-                <a:solidFill>
-                  <a:schemeClr val="tx1"/>
-                </a:solidFill>
-                <a:latin typeface="+mn-lt"/>
-                <a:ea typeface="+mn-ea"/>
-                <a:cs typeface="+mn-cs"/>
-              </a:defRPr>
-            </a:lvl3pPr>
-            <a:lvl4pPr marL="594360" indent="0" algn="l" defTabSz="914400" rtl="0" eaLnBrk="1" latinLnBrk="0" hangingPunct="1">
-              <a:lnSpc>
-                <a:spcPct val="120000"/>
-              </a:lnSpc>
-              <a:spcBef>
-                <a:spcPts val="500"/>
-              </a:spcBef>
-              <a:buSzPct val="87000"/>
-              <a:buFontTx/>
-              <a:buNone/>
-              <a:defRPr sz="1400" kern="1200">
-                <a:solidFill>
-                  <a:schemeClr val="tx1"/>
-                </a:solidFill>
-                <a:latin typeface="+mn-lt"/>
-                <a:ea typeface="+mn-ea"/>
-                <a:cs typeface="+mn-cs"/>
-              </a:defRPr>
-            </a:lvl4pPr>
-            <a:lvl5pPr marL="822960" indent="-228600" algn="l" defTabSz="914400" rtl="0" eaLnBrk="1" latinLnBrk="0" hangingPunct="1">
-              <a:lnSpc>
-                <a:spcPct val="120000"/>
-              </a:lnSpc>
-              <a:spcBef>
-                <a:spcPts val="500"/>
-              </a:spcBef>
-              <a:buSzPct val="87000"/>
-              <a:buFont typeface="Arial" panose="020B0604020202020204" pitchFamily="34" charset="0"/>
-              <a:buChar char="•"/>
-              <a:defRPr sz="1400" kern="1200">
-                <a:solidFill>
-                  <a:schemeClr val="tx1"/>
-                </a:solidFill>
-                <a:latin typeface="+mn-lt"/>
-                <a:ea typeface="+mn-ea"/>
-                <a:cs typeface="+mn-cs"/>
-              </a:defRPr>
-            </a:lvl5pPr>
-            <a:lvl6pPr marL="2514600" indent="-228600" algn="l" defTabSz="914400" rtl="0" eaLnBrk="1" latinLnBrk="0" hangingPunct="1">
-              <a:lnSpc>
-                <a:spcPct val="90000"/>
-              </a:lnSpc>
-              <a:spcBef>
-                <a:spcPts val="500"/>
-              </a:spcBef>
-              <a:buFont typeface="Arial" panose="020B0604020202020204" pitchFamily="34" charset="0"/>
-              <a:buChar char="•"/>
-              <a:defRPr sz="1800" kern="1200">
-                <a:solidFill>
-                  <a:schemeClr val="tx1"/>
-                </a:solidFill>
-                <a:latin typeface="+mn-lt"/>
-                <a:ea typeface="+mn-ea"/>
-                <a:cs typeface="+mn-cs"/>
-              </a:defRPr>
-            </a:lvl6pPr>
-            <a:lvl7pPr marL="2971800" indent="-228600" algn="l" defTabSz="914400" rtl="0" eaLnBrk="1" latinLnBrk="0" hangingPunct="1">
-              <a:lnSpc>
-                <a:spcPct val="90000"/>
-              </a:lnSpc>
-              <a:spcBef>
-                <a:spcPts val="500"/>
-              </a:spcBef>
-              <a:buFont typeface="Arial" panose="020B0604020202020204" pitchFamily="34" charset="0"/>
-              <a:buChar char="•"/>
-              <a:defRPr sz="1800" kern="1200">
-                <a:solidFill>
-                  <a:schemeClr val="tx1"/>
-                </a:solidFill>
-                <a:latin typeface="+mn-lt"/>
-                <a:ea typeface="+mn-ea"/>
-                <a:cs typeface="+mn-cs"/>
-              </a:defRPr>
-            </a:lvl7pPr>
-            <a:lvl8pPr marL="3429000" indent="-228600" algn="l" defTabSz="914400" rtl="0" eaLnBrk="1" latinLnBrk="0" hangingPunct="1">
-              <a:lnSpc>
-                <a:spcPct val="90000"/>
-              </a:lnSpc>
-              <a:spcBef>
-                <a:spcPts val="500"/>
-              </a:spcBef>
-              <a:buFont typeface="Arial" panose="020B0604020202020204" pitchFamily="34" charset="0"/>
-              <a:buChar char="•"/>
-              <a:defRPr sz="1800" kern="1200">
-                <a:solidFill>
-                  <a:schemeClr val="tx1"/>
-                </a:solidFill>
-                <a:latin typeface="+mn-lt"/>
-                <a:ea typeface="+mn-ea"/>
-                <a:cs typeface="+mn-cs"/>
-              </a:defRPr>
-            </a:lvl8pPr>
-            <a:lvl9pPr marL="3886200" indent="-228600" algn="l" defTabSz="914400" rtl="0" eaLnBrk="1" latinLnBrk="0" hangingPunct="1">
-              <a:lnSpc>
-                <a:spcPct val="90000"/>
-              </a:lnSpc>
-              <a:spcBef>
-                <a:spcPts val="500"/>
-              </a:spcBef>
-              <a:buFont typeface="Arial" panose="020B0604020202020204" pitchFamily="34" charset="0"/>
-              <a:buChar char="•"/>
-              <a:defRPr sz="1800" kern="1200">
-                <a:solidFill>
-                  <a:schemeClr val="tx1"/>
-                </a:solidFill>
-                <a:latin typeface="+mn-lt"/>
-                <a:ea typeface="+mn-ea"/>
-                <a:cs typeface="+mn-cs"/>
-              </a:defRPr>
-            </a:lvl9pPr>
-          </a:lstStyle>
-          <a:p>
-            <a:pPr marL="0" indent="0" algn="ctr" fontAlgn="base">
-              <a:buFont typeface="Arial" panose="020B0604020202020204" pitchFamily="34" charset="0"/>
-              <a:buNone/>
-            </a:pPr>
-            <a:r>
-              <a:rPr lang="en-US" sz="2400" i="1" dirty="0">
-                <a:latin typeface="Inter"/>
-              </a:rPr>
-              <a:t>features in the dataset</a:t>
-            </a:r>
-          </a:p>
-        </p:txBody>
-      </p:sp>
-      <p:sp>
-        <p:nvSpPr>
-          <p:cNvPr id="2" name="Segnaposto numero diapositiva 1">
-            <a:extLst>
-              <a:ext uri="{FF2B5EF4-FFF2-40B4-BE49-F238E27FC236}">
-                <a16:creationId xmlns:a16="http://schemas.microsoft.com/office/drawing/2014/main" id="{966A65FB-D949-4ACD-83A1-1D6ED79689E9}"/>
-              </a:ext>
-            </a:extLst>
-          </p:cNvPr>
-          <p:cNvSpPr>
-            <a:spLocks noGrp="1"/>
-          </p:cNvSpPr>
-          <p:nvPr>
-            <p:ph type="sldNum" sz="quarter" idx="12"/>
-          </p:nvPr>
-        </p:nvSpPr>
-        <p:spPr/>
-        <p:txBody>
-          <a:bodyPr/>
-          <a:lstStyle/>
-          <a:p>
-            <a:fld id="{0E41FC79-F70E-41D5-8DA8-CBC79D687031}" type="slidenum">
-              <a:rPr lang="it-IT" smtClean="0"/>
-              <a:t>2</a:t>
-            </a:fld>
-            <a:r>
-              <a:rPr lang="it-IT" dirty="0"/>
-              <a:t>/24</a:t>
-            </a:r>
-          </a:p>
-        </p:txBody>
-      </p:sp>
-    </p:spTree>
-    <p:extLst>
-      <p:ext uri="{BB962C8B-B14F-4D97-AF65-F5344CB8AC3E}">
-        <p14:creationId xmlns:p14="http://schemas.microsoft.com/office/powerpoint/2010/main" val="4216747870"/>
-      </p:ext>
-    </p:extLst>
-  </p:cSld>
-  <p:clrMapOvr>
-    <a:masterClrMapping/>
-  </p:clrMapOvr>
-</p:sld>
-</file>
-
-<file path=ppt/slides/slide20.xml><?xml version="1.0" encoding="utf-8"?>
+<file path=ppt/slides/slide23.xml><?xml version="1.0" encoding="utf-8"?>
 <p:sld xmlns:a="http://schemas.openxmlformats.org/drawingml/2006/main" xmlns:r="http://schemas.openxmlformats.org/officeDocument/2006/relationships" xmlns:p="http://schemas.openxmlformats.org/presentationml/2006/main">
   <p:cSld>
     <p:spTree>
@@ -22910,7 +25446,7 @@
           <a:p>
             <a:fld id="{0E41FC79-F70E-41D5-8DA8-CBC79D687031}" type="slidenum">
               <a:rPr lang="it-IT" smtClean="0"/>
-              <a:t>20</a:t>
+              <a:t>23</a:t>
             </a:fld>
             <a:r>
               <a:rPr lang="it-IT" dirty="0"/>
@@ -22932,7 +25468,7 @@
 </p:sld>
 </file>
 
-<file path=ppt/slides/slide21.xml><?xml version="1.0" encoding="utf-8"?>
+<file path=ppt/slides/slide24.xml><?xml version="1.0" encoding="utf-8"?>
 <p:sld xmlns:a="http://schemas.openxmlformats.org/drawingml/2006/main" xmlns:r="http://schemas.openxmlformats.org/officeDocument/2006/relationships" xmlns:p="http://schemas.openxmlformats.org/presentationml/2006/main">
   <p:cSld>
     <p:spTree>
@@ -23726,7 +26262,7 @@
           <a:p>
             <a:fld id="{0E41FC79-F70E-41D5-8DA8-CBC79D687031}" type="slidenum">
               <a:rPr lang="it-IT" smtClean="0"/>
-              <a:t>21</a:t>
+              <a:t>24</a:t>
             </a:fld>
             <a:r>
               <a:rPr lang="it-IT" dirty="0"/>
@@ -23748,7 +26284,7 @@
 </p:sld>
 </file>
 
-<file path=ppt/slides/slide22.xml><?xml version="1.0" encoding="utf-8"?>
+<file path=ppt/slides/slide25.xml><?xml version="1.0" encoding="utf-8"?>
 <p:sld xmlns:a="http://schemas.openxmlformats.org/drawingml/2006/main" xmlns:r="http://schemas.openxmlformats.org/officeDocument/2006/relationships" xmlns:p="http://schemas.openxmlformats.org/presentationml/2006/main">
   <p:cSld>
     <p:spTree>
@@ -23868,7 +26404,7 @@
           <a:p>
             <a:fld id="{0E41FC79-F70E-41D5-8DA8-CBC79D687031}" type="slidenum">
               <a:rPr lang="it-IT" smtClean="0"/>
-              <a:t>22</a:t>
+              <a:t>25</a:t>
             </a:fld>
             <a:r>
               <a:rPr lang="it-IT" dirty="0"/>
@@ -23926,7 +26462,7 @@
 </p:sld>
 </file>
 
-<file path=ppt/slides/slide23.xml><?xml version="1.0" encoding="utf-8"?>
+<file path=ppt/slides/slide26.xml><?xml version="1.0" encoding="utf-8"?>
 <p:sld xmlns:a="http://schemas.openxmlformats.org/drawingml/2006/main" xmlns:r="http://schemas.openxmlformats.org/officeDocument/2006/relationships" xmlns:p="http://schemas.openxmlformats.org/presentationml/2006/main">
   <p:cSld>
     <p:spTree>
@@ -24754,7 +27290,7 @@
           <a:p>
             <a:fld id="{0E41FC79-F70E-41D5-8DA8-CBC79D687031}" type="slidenum">
               <a:rPr lang="it-IT" smtClean="0"/>
-              <a:t>23</a:t>
+              <a:t>26</a:t>
             </a:fld>
             <a:r>
               <a:rPr lang="it-IT" dirty="0"/>
@@ -24776,7 +27312,7 @@
 </p:sld>
 </file>
 
-<file path=ppt/slides/slide24.xml><?xml version="1.0" encoding="utf-8"?>
+<file path=ppt/slides/slide27.xml><?xml version="1.0" encoding="utf-8"?>
 <p:sld xmlns:a="http://schemas.openxmlformats.org/drawingml/2006/main" xmlns:r="http://schemas.openxmlformats.org/officeDocument/2006/relationships" xmlns:p="http://schemas.openxmlformats.org/presentationml/2006/main">
   <p:cSld>
     <p:spTree>
@@ -24948,7 +27484,7 @@
           <a:p>
             <a:fld id="{0E41FC79-F70E-41D5-8DA8-CBC79D687031}" type="slidenum">
               <a:rPr lang="it-IT" smtClean="0"/>
-              <a:t>24</a:t>
+              <a:t>27</a:t>
             </a:fld>
             <a:r>
               <a:rPr lang="it-IT" dirty="0"/>
@@ -24970,7 +27506,7 @@
 </p:sld>
 </file>
 
-<file path=ppt/slides/slide25.xml><?xml version="1.0" encoding="utf-8"?>
+<file path=ppt/slides/slide28.xml><?xml version="1.0" encoding="utf-8"?>
 <p:sld xmlns:a="http://schemas.openxmlformats.org/drawingml/2006/main" xmlns:r="http://schemas.openxmlformats.org/officeDocument/2006/relationships" xmlns:p="http://schemas.openxmlformats.org/presentationml/2006/main" showMasterSp="0">
   <p:cSld>
     <p:spTree>
@@ -26316,7 +28852,7 @@
         </p:nvSpPr>
         <p:spPr>
           <a:xfrm>
-            <a:off x="914400" y="1263582"/>
+            <a:off x="914400" y="1187382"/>
             <a:ext cx="5181600" cy="749030"/>
           </a:xfrm>
         </p:spPr>
@@ -26326,173 +28862,11 @@
           <a:p>
             <a:r>
               <a:rPr lang="it-IT" b="1" dirty="0"/>
-              <a:t>Serialization</a:t>
+              <a:t>Model : Focus 1</a:t>
             </a:r>
           </a:p>
         </p:txBody>
       </p:sp>
-      <p:sp>
-        <p:nvSpPr>
-          <p:cNvPr id="5" name="Segnaposto contenuto 4">
-            <a:extLst>
-              <a:ext uri="{FF2B5EF4-FFF2-40B4-BE49-F238E27FC236}">
-                <a16:creationId xmlns:a16="http://schemas.microsoft.com/office/drawing/2014/main" id="{0822A188-4351-443E-9A73-0BDAAB88A97A}"/>
-              </a:ext>
-            </a:extLst>
-          </p:cNvPr>
-          <p:cNvSpPr>
-            <a:spLocks noGrp="1"/>
-          </p:cNvSpPr>
-          <p:nvPr>
-            <p:ph idx="1"/>
-          </p:nvPr>
-        </p:nvSpPr>
-        <p:spPr>
-          <a:xfrm>
-            <a:off x="6343652" y="2937043"/>
-            <a:ext cx="5467348" cy="3278189"/>
-          </a:xfrm>
-        </p:spPr>
-        <p:txBody>
-          <a:bodyPr>
-            <a:noAutofit/>
-          </a:bodyPr>
-          <a:lstStyle/>
-          <a:p>
-            <a:pPr fontAlgn="base">
-              <a:buFont typeface="Wingdings" panose="05000000000000000000" pitchFamily="2" charset="2"/>
-              <a:buChar char="q"/>
-            </a:pPr>
-            <a:r>
-              <a:rPr lang="en-US" sz="2400" dirty="0">
-                <a:latin typeface="Inter"/>
-              </a:rPr>
-              <a:t> Output: </a:t>
-            </a:r>
-            <a:r>
-              <a:rPr lang="en-US" sz="2400" b="1" i="0" dirty="0">
-                <a:effectLst/>
-                <a:latin typeface="Inter"/>
-              </a:rPr>
-              <a:t>turtle format</a:t>
-            </a:r>
-            <a:r>
-              <a:rPr lang="en-US" sz="2400" b="0" i="0" dirty="0">
-                <a:effectLst/>
-                <a:latin typeface="Inter"/>
-              </a:rPr>
-              <a:t>  (TTL) </a:t>
-            </a:r>
-          </a:p>
-          <a:p>
-            <a:pPr marL="0" indent="0" fontAlgn="base">
-              <a:buNone/>
-            </a:pPr>
-            <a:endParaRPr lang="en-US" sz="2400" b="0" i="0" dirty="0">
-              <a:effectLst/>
-              <a:latin typeface="Inter"/>
-            </a:endParaRPr>
-          </a:p>
-          <a:p>
-            <a:pPr fontAlgn="base">
-              <a:buFont typeface="Wingdings" panose="05000000000000000000" pitchFamily="2" charset="2"/>
-              <a:buChar char="q"/>
-            </a:pPr>
-            <a:r>
-              <a:rPr lang="en-US" sz="2400" dirty="0">
-                <a:latin typeface="Inter"/>
-              </a:rPr>
-              <a:t> R</a:t>
-            </a:r>
-            <a:r>
-              <a:rPr lang="en-US" sz="2400" b="0" i="0" dirty="0">
-                <a:effectLst/>
-                <a:latin typeface="Inter"/>
-              </a:rPr>
-              <a:t>elying on </a:t>
-            </a:r>
-            <a:r>
-              <a:rPr lang="en-US" sz="2400" b="1" i="0" dirty="0">
-                <a:effectLst/>
-                <a:latin typeface="Inter"/>
-              </a:rPr>
-              <a:t>RDFLib</a:t>
-            </a:r>
-            <a:r>
-              <a:rPr lang="en-US" sz="2400" b="0" i="0" dirty="0">
-                <a:effectLst/>
-                <a:latin typeface="Inter"/>
-              </a:rPr>
-              <a:t> library</a:t>
-            </a:r>
-          </a:p>
-          <a:p>
-            <a:pPr fontAlgn="base">
-              <a:buFont typeface="Wingdings" panose="05000000000000000000" pitchFamily="2" charset="2"/>
-              <a:buChar char="q"/>
-            </a:pPr>
-            <a:endParaRPr lang="en-US" sz="2400" dirty="0">
-              <a:latin typeface="Inter"/>
-            </a:endParaRPr>
-          </a:p>
-          <a:p>
-            <a:pPr fontAlgn="base">
-              <a:buFont typeface="Wingdings" panose="05000000000000000000" pitchFamily="2" charset="2"/>
-              <a:buChar char="q"/>
-            </a:pPr>
-            <a:r>
-              <a:rPr lang="en-US" sz="2400" dirty="0">
-                <a:effectLst/>
-                <a:latin typeface="Inter"/>
-              </a:rPr>
-              <a:t> Easy linking thanks to </a:t>
-            </a:r>
-            <a:r>
-              <a:rPr lang="en-US" sz="2400" b="1" dirty="0">
-                <a:latin typeface="Inter"/>
-              </a:rPr>
-              <a:t>Spotify</a:t>
-            </a:r>
-            <a:r>
-              <a:rPr lang="en-US" sz="2400" b="1" dirty="0">
-                <a:effectLst/>
-                <a:latin typeface="Inter"/>
-              </a:rPr>
-              <a:t> unique ID</a:t>
-            </a:r>
-          </a:p>
-        </p:txBody>
-      </p:sp>
-      <p:graphicFrame>
-        <p:nvGraphicFramePr>
-          <p:cNvPr id="6" name="Segnaposto contenuto 4">
-            <a:extLst>
-              <a:ext uri="{FF2B5EF4-FFF2-40B4-BE49-F238E27FC236}">
-                <a16:creationId xmlns:a16="http://schemas.microsoft.com/office/drawing/2014/main" id="{A31B6FEE-FB5B-4375-A4B4-3C36CBA3833F}"/>
-              </a:ext>
-            </a:extLst>
-          </p:cNvPr>
-          <p:cNvGraphicFramePr>
-            <a:graphicFrameLocks/>
-          </p:cNvGraphicFramePr>
-          <p:nvPr>
-            <p:extLst>
-              <p:ext uri="{D42A27DB-BD31-4B8C-83A1-F6EECF244321}">
-                <p14:modId xmlns:p14="http://schemas.microsoft.com/office/powerpoint/2010/main" val="2270720916"/>
-              </p:ext>
-            </p:extLst>
-          </p:nvPr>
-        </p:nvGraphicFramePr>
-        <p:xfrm>
-          <a:off x="914400" y="2170620"/>
-          <a:ext cx="4933950" cy="4397037"/>
-        </p:xfrm>
-        <a:graphic>
-          <a:graphicData uri="http://schemas.openxmlformats.org/drawingml/2006/diagram">
-            <dgm:relIds xmlns:dgm="http://schemas.openxmlformats.org/drawingml/2006/diagram" xmlns:r="http://schemas.openxmlformats.org/officeDocument/2006/relationships" r:dm="rId2" r:lo="rId3" r:qs="rId4" r:cs="rId5"/>
-          </a:graphicData>
-        </a:graphic>
-      </p:graphicFrame>
       <p:sp>
         <p:nvSpPr>
           <p:cNvPr id="2" name="Segnaposto numero diapositiva 1">
@@ -26525,10 +28899,598 @@
           </a:p>
         </p:txBody>
       </p:sp>
+      <p:pic>
+        <p:nvPicPr>
+          <p:cNvPr id="16" name="Elemento grafico 15">
+            <a:extLst>
+              <a:ext uri="{FF2B5EF4-FFF2-40B4-BE49-F238E27FC236}">
+                <a16:creationId xmlns:a16="http://schemas.microsoft.com/office/drawing/2014/main" id="{33439B71-B94A-4594-9848-A8BBFFF292FE}"/>
+              </a:ext>
+            </a:extLst>
+          </p:cNvPr>
+          <p:cNvPicPr>
+            <a:picLocks noChangeAspect="1"/>
+          </p:cNvPicPr>
+          <p:nvPr/>
+        </p:nvPicPr>
+        <p:blipFill>
+          <a:blip r:embed="rId2">
+            <a:extLst>
+              <a:ext uri="{28A0092B-C50C-407E-A947-70E740481C1C}">
+                <a14:useLocalDpi xmlns:a14="http://schemas.microsoft.com/office/drawing/2010/main" val="0"/>
+              </a:ext>
+              <a:ext uri="{96DAC541-7B7A-43D3-8B79-37D633B846F1}">
+                <asvg:svgBlip xmlns:asvg="http://schemas.microsoft.com/office/drawing/2016/SVG/main" r:embed="rId3"/>
+              </a:ext>
+            </a:extLst>
+          </a:blip>
+          <a:stretch>
+            <a:fillRect/>
+          </a:stretch>
+        </p:blipFill>
+        <p:spPr>
+          <a:xfrm>
+            <a:off x="1146446" y="2607721"/>
+            <a:ext cx="2000250" cy="1895475"/>
+          </a:xfrm>
+          <a:prstGeom prst="rect">
+            <a:avLst/>
+          </a:prstGeom>
+        </p:spPr>
+      </p:pic>
+      <p:pic>
+        <p:nvPicPr>
+          <p:cNvPr id="18" name="Elemento grafico 17">
+            <a:extLst>
+              <a:ext uri="{FF2B5EF4-FFF2-40B4-BE49-F238E27FC236}">
+                <a16:creationId xmlns:a16="http://schemas.microsoft.com/office/drawing/2014/main" id="{A31CECA8-9B8D-4634-B348-EFD206DAB39F}"/>
+              </a:ext>
+            </a:extLst>
+          </p:cNvPr>
+          <p:cNvPicPr>
+            <a:picLocks noChangeAspect="1"/>
+          </p:cNvPicPr>
+          <p:nvPr/>
+        </p:nvPicPr>
+        <p:blipFill>
+          <a:blip r:embed="rId4">
+            <a:extLst>
+              <a:ext uri="{28A0092B-C50C-407E-A947-70E740481C1C}">
+                <a14:useLocalDpi xmlns:a14="http://schemas.microsoft.com/office/drawing/2010/main" val="0"/>
+              </a:ext>
+              <a:ext uri="{96DAC541-7B7A-43D3-8B79-37D633B846F1}">
+                <asvg:svgBlip xmlns:asvg="http://schemas.microsoft.com/office/drawing/2016/SVG/main" r:embed="rId5"/>
+              </a:ext>
+            </a:extLst>
+          </a:blip>
+          <a:stretch>
+            <a:fillRect/>
+          </a:stretch>
+        </p:blipFill>
+        <p:spPr>
+          <a:xfrm>
+            <a:off x="4541127" y="2607721"/>
+            <a:ext cx="3476625" cy="1895475"/>
+          </a:xfrm>
+          <a:prstGeom prst="rect">
+            <a:avLst/>
+          </a:prstGeom>
+        </p:spPr>
+      </p:pic>
+      <p:pic>
+        <p:nvPicPr>
+          <p:cNvPr id="20" name="Elemento grafico 19">
+            <a:extLst>
+              <a:ext uri="{FF2B5EF4-FFF2-40B4-BE49-F238E27FC236}">
+                <a16:creationId xmlns:a16="http://schemas.microsoft.com/office/drawing/2014/main" id="{E04D0D6E-6DB2-443E-B551-C9CD6913F8CC}"/>
+              </a:ext>
+            </a:extLst>
+          </p:cNvPr>
+          <p:cNvPicPr>
+            <a:picLocks noChangeAspect="1"/>
+          </p:cNvPicPr>
+          <p:nvPr/>
+        </p:nvPicPr>
+        <p:blipFill>
+          <a:blip r:embed="rId6">
+            <a:extLst>
+              <a:ext uri="{28A0092B-C50C-407E-A947-70E740481C1C}">
+                <a14:useLocalDpi xmlns:a14="http://schemas.microsoft.com/office/drawing/2010/main" val="0"/>
+              </a:ext>
+              <a:ext uri="{96DAC541-7B7A-43D3-8B79-37D633B846F1}">
+                <asvg:svgBlip xmlns:asvg="http://schemas.microsoft.com/office/drawing/2016/SVG/main" r:embed="rId7"/>
+              </a:ext>
+            </a:extLst>
+          </a:blip>
+          <a:stretch>
+            <a:fillRect/>
+          </a:stretch>
+        </p:blipFill>
+        <p:spPr>
+          <a:xfrm>
+            <a:off x="9412183" y="2607721"/>
+            <a:ext cx="1638300" cy="1895475"/>
+          </a:xfrm>
+          <a:prstGeom prst="rect">
+            <a:avLst/>
+          </a:prstGeom>
+        </p:spPr>
+      </p:pic>
+      <p:sp>
+        <p:nvSpPr>
+          <p:cNvPr id="21" name="Segnaposto contenuto 4">
+            <a:extLst>
+              <a:ext uri="{FF2B5EF4-FFF2-40B4-BE49-F238E27FC236}">
+                <a16:creationId xmlns:a16="http://schemas.microsoft.com/office/drawing/2014/main" id="{CFE28A07-F7F4-4ED2-A72D-174E8EE34CFE}"/>
+              </a:ext>
+            </a:extLst>
+          </p:cNvPr>
+          <p:cNvSpPr>
+            <a:spLocks noGrp="1"/>
+          </p:cNvSpPr>
+          <p:nvPr>
+            <p:ph idx="1"/>
+          </p:nvPr>
+        </p:nvSpPr>
+        <p:spPr>
+          <a:xfrm>
+            <a:off x="1052919" y="5070703"/>
+            <a:ext cx="2187304" cy="504000"/>
+          </a:xfrm>
+        </p:spPr>
+        <p:txBody>
+          <a:bodyPr>
+            <a:normAutofit/>
+          </a:bodyPr>
+          <a:lstStyle/>
+          <a:p>
+            <a:pPr marL="0" indent="0" algn="ctr" fontAlgn="base">
+              <a:buNone/>
+            </a:pPr>
+            <a:r>
+              <a:rPr lang="en-US" sz="2400" b="0" i="0" dirty="0">
+                <a:effectLst/>
+                <a:latin typeface="Inter"/>
+              </a:rPr>
+              <a:t>ENUMERATION</a:t>
+            </a:r>
+            <a:endParaRPr lang="en-US" sz="2800" b="0" i="0" dirty="0">
+              <a:effectLst/>
+              <a:latin typeface="Inter"/>
+            </a:endParaRPr>
+          </a:p>
+        </p:txBody>
+      </p:sp>
+      <p:sp>
+        <p:nvSpPr>
+          <p:cNvPr id="22" name="Segnaposto contenuto 4">
+            <a:extLst>
+              <a:ext uri="{FF2B5EF4-FFF2-40B4-BE49-F238E27FC236}">
+                <a16:creationId xmlns:a16="http://schemas.microsoft.com/office/drawing/2014/main" id="{7E9B5BB3-2DD3-42FB-A431-0D0B7F34D964}"/>
+              </a:ext>
+            </a:extLst>
+          </p:cNvPr>
+          <p:cNvSpPr txBox="1">
+            <a:spLocks/>
+          </p:cNvSpPr>
+          <p:nvPr/>
+        </p:nvSpPr>
+        <p:spPr>
+          <a:xfrm>
+            <a:off x="5185787" y="5070703"/>
+            <a:ext cx="2187304" cy="504000"/>
+          </a:xfrm>
+          <a:prstGeom prst="rect">
+            <a:avLst/>
+          </a:prstGeom>
+        </p:spPr>
+        <p:txBody>
+          <a:bodyPr vert="horz" lIns="91440" tIns="45720" rIns="91440" bIns="45720" rtlCol="0">
+            <a:normAutofit/>
+          </a:bodyPr>
+          <a:lstStyle>
+            <a:lvl1pPr marL="228600" indent="-228600" algn="l" defTabSz="914400" rtl="0" eaLnBrk="1" latinLnBrk="0" hangingPunct="1">
+              <a:lnSpc>
+                <a:spcPct val="120000"/>
+              </a:lnSpc>
+              <a:spcBef>
+                <a:spcPts val="1000"/>
+              </a:spcBef>
+              <a:buSzPct val="87000"/>
+              <a:buFont typeface="Arial" panose="020B0604020202020204" pitchFamily="34" charset="0"/>
+              <a:buChar char="•"/>
+              <a:defRPr sz="2000" kern="1200">
+                <a:solidFill>
+                  <a:schemeClr val="tx1"/>
+                </a:solidFill>
+                <a:latin typeface="+mn-lt"/>
+                <a:ea typeface="+mn-ea"/>
+                <a:cs typeface="+mn-cs"/>
+              </a:defRPr>
+            </a:lvl1pPr>
+            <a:lvl2pPr marL="274320" indent="0" algn="l" defTabSz="914400" rtl="0" eaLnBrk="1" latinLnBrk="0" hangingPunct="1">
+              <a:lnSpc>
+                <a:spcPct val="120000"/>
+              </a:lnSpc>
+              <a:spcBef>
+                <a:spcPts val="500"/>
+              </a:spcBef>
+              <a:buSzPct val="87000"/>
+              <a:buFontTx/>
+              <a:buNone/>
+              <a:defRPr sz="1800" kern="1200">
+                <a:solidFill>
+                  <a:schemeClr val="tx1"/>
+                </a:solidFill>
+                <a:latin typeface="+mn-lt"/>
+                <a:ea typeface="+mn-ea"/>
+                <a:cs typeface="+mn-cs"/>
+              </a:defRPr>
+            </a:lvl2pPr>
+            <a:lvl3pPr marL="548640" indent="-228600" algn="l" defTabSz="914400" rtl="0" eaLnBrk="1" latinLnBrk="0" hangingPunct="1">
+              <a:lnSpc>
+                <a:spcPct val="120000"/>
+              </a:lnSpc>
+              <a:spcBef>
+                <a:spcPts val="500"/>
+              </a:spcBef>
+              <a:buSzPct val="87000"/>
+              <a:buFont typeface="Arial" panose="020B0604020202020204" pitchFamily="34" charset="0"/>
+              <a:buChar char="•"/>
+              <a:defRPr sz="1600" kern="1200">
+                <a:solidFill>
+                  <a:schemeClr val="tx1"/>
+                </a:solidFill>
+                <a:latin typeface="+mn-lt"/>
+                <a:ea typeface="+mn-ea"/>
+                <a:cs typeface="+mn-cs"/>
+              </a:defRPr>
+            </a:lvl3pPr>
+            <a:lvl4pPr marL="594360" indent="0" algn="l" defTabSz="914400" rtl="0" eaLnBrk="1" latinLnBrk="0" hangingPunct="1">
+              <a:lnSpc>
+                <a:spcPct val="120000"/>
+              </a:lnSpc>
+              <a:spcBef>
+                <a:spcPts val="500"/>
+              </a:spcBef>
+              <a:buSzPct val="87000"/>
+              <a:buFontTx/>
+              <a:buNone/>
+              <a:defRPr sz="1400" kern="1200">
+                <a:solidFill>
+                  <a:schemeClr val="tx1"/>
+                </a:solidFill>
+                <a:latin typeface="+mn-lt"/>
+                <a:ea typeface="+mn-ea"/>
+                <a:cs typeface="+mn-cs"/>
+              </a:defRPr>
+            </a:lvl4pPr>
+            <a:lvl5pPr marL="822960" indent="-228600" algn="l" defTabSz="914400" rtl="0" eaLnBrk="1" latinLnBrk="0" hangingPunct="1">
+              <a:lnSpc>
+                <a:spcPct val="120000"/>
+              </a:lnSpc>
+              <a:spcBef>
+                <a:spcPts val="500"/>
+              </a:spcBef>
+              <a:buSzPct val="87000"/>
+              <a:buFont typeface="Arial" panose="020B0604020202020204" pitchFamily="34" charset="0"/>
+              <a:buChar char="•"/>
+              <a:defRPr sz="1400" kern="1200">
+                <a:solidFill>
+                  <a:schemeClr val="tx1"/>
+                </a:solidFill>
+                <a:latin typeface="+mn-lt"/>
+                <a:ea typeface="+mn-ea"/>
+                <a:cs typeface="+mn-cs"/>
+              </a:defRPr>
+            </a:lvl5pPr>
+            <a:lvl6pPr marL="2514600" indent="-228600" algn="l" defTabSz="914400" rtl="0" eaLnBrk="1" latinLnBrk="0" hangingPunct="1">
+              <a:lnSpc>
+                <a:spcPct val="90000"/>
+              </a:lnSpc>
+              <a:spcBef>
+                <a:spcPts val="500"/>
+              </a:spcBef>
+              <a:buFont typeface="Arial" panose="020B0604020202020204" pitchFamily="34" charset="0"/>
+              <a:buChar char="•"/>
+              <a:defRPr sz="1800" kern="1200">
+                <a:solidFill>
+                  <a:schemeClr val="tx1"/>
+                </a:solidFill>
+                <a:latin typeface="+mn-lt"/>
+                <a:ea typeface="+mn-ea"/>
+                <a:cs typeface="+mn-cs"/>
+              </a:defRPr>
+            </a:lvl6pPr>
+            <a:lvl7pPr marL="2971800" indent="-228600" algn="l" defTabSz="914400" rtl="0" eaLnBrk="1" latinLnBrk="0" hangingPunct="1">
+              <a:lnSpc>
+                <a:spcPct val="90000"/>
+              </a:lnSpc>
+              <a:spcBef>
+                <a:spcPts val="500"/>
+              </a:spcBef>
+              <a:buFont typeface="Arial" panose="020B0604020202020204" pitchFamily="34" charset="0"/>
+              <a:buChar char="•"/>
+              <a:defRPr sz="1800" kern="1200">
+                <a:solidFill>
+                  <a:schemeClr val="tx1"/>
+                </a:solidFill>
+                <a:latin typeface="+mn-lt"/>
+                <a:ea typeface="+mn-ea"/>
+                <a:cs typeface="+mn-cs"/>
+              </a:defRPr>
+            </a:lvl7pPr>
+            <a:lvl8pPr marL="3429000" indent="-228600" algn="l" defTabSz="914400" rtl="0" eaLnBrk="1" latinLnBrk="0" hangingPunct="1">
+              <a:lnSpc>
+                <a:spcPct val="90000"/>
+              </a:lnSpc>
+              <a:spcBef>
+                <a:spcPts val="500"/>
+              </a:spcBef>
+              <a:buFont typeface="Arial" panose="020B0604020202020204" pitchFamily="34" charset="0"/>
+              <a:buChar char="•"/>
+              <a:defRPr sz="1800" kern="1200">
+                <a:solidFill>
+                  <a:schemeClr val="tx1"/>
+                </a:solidFill>
+                <a:latin typeface="+mn-lt"/>
+                <a:ea typeface="+mn-ea"/>
+                <a:cs typeface="+mn-cs"/>
+              </a:defRPr>
+            </a:lvl8pPr>
+            <a:lvl9pPr marL="3886200" indent="-228600" algn="l" defTabSz="914400" rtl="0" eaLnBrk="1" latinLnBrk="0" hangingPunct="1">
+              <a:lnSpc>
+                <a:spcPct val="90000"/>
+              </a:lnSpc>
+              <a:spcBef>
+                <a:spcPts val="500"/>
+              </a:spcBef>
+              <a:buFont typeface="Arial" panose="020B0604020202020204" pitchFamily="34" charset="0"/>
+              <a:buChar char="•"/>
+              <a:defRPr sz="1800" kern="1200">
+                <a:solidFill>
+                  <a:schemeClr val="tx1"/>
+                </a:solidFill>
+                <a:latin typeface="+mn-lt"/>
+                <a:ea typeface="+mn-ea"/>
+                <a:cs typeface="+mn-cs"/>
+              </a:defRPr>
+            </a:lvl9pPr>
+          </a:lstStyle>
+          <a:p>
+            <a:pPr marL="0" indent="0" algn="ctr" fontAlgn="base">
+              <a:buFont typeface="Arial" panose="020B0604020202020204" pitchFamily="34" charset="0"/>
+              <a:buNone/>
+            </a:pPr>
+            <a:r>
+              <a:rPr lang="en-US" sz="2400" dirty="0">
+                <a:latin typeface="Inter"/>
+              </a:rPr>
+              <a:t>ENUMERATION</a:t>
+            </a:r>
+            <a:endParaRPr lang="en-US" sz="2800" dirty="0">
+              <a:latin typeface="Inter"/>
+            </a:endParaRPr>
+          </a:p>
+        </p:txBody>
+      </p:sp>
+      <p:sp>
+        <p:nvSpPr>
+          <p:cNvPr id="23" name="Segnaposto contenuto 4">
+            <a:extLst>
+              <a:ext uri="{FF2B5EF4-FFF2-40B4-BE49-F238E27FC236}">
+                <a16:creationId xmlns:a16="http://schemas.microsoft.com/office/drawing/2014/main" id="{BA1D3CF5-A8AF-442D-9BA2-48E25CE23748}"/>
+              </a:ext>
+            </a:extLst>
+          </p:cNvPr>
+          <p:cNvSpPr txBox="1">
+            <a:spLocks/>
+          </p:cNvSpPr>
+          <p:nvPr/>
+        </p:nvSpPr>
+        <p:spPr>
+          <a:xfrm>
+            <a:off x="9137681" y="4869201"/>
+            <a:ext cx="2187304" cy="907004"/>
+          </a:xfrm>
+          <a:prstGeom prst="rect">
+            <a:avLst/>
+          </a:prstGeom>
+        </p:spPr>
+        <p:txBody>
+          <a:bodyPr vert="horz" lIns="91440" tIns="45720" rIns="91440" bIns="45720" rtlCol="0">
+            <a:normAutofit lnSpcReduction="10000"/>
+          </a:bodyPr>
+          <a:lstStyle>
+            <a:lvl1pPr marL="228600" indent="-228600" algn="l" defTabSz="914400" rtl="0" eaLnBrk="1" latinLnBrk="0" hangingPunct="1">
+              <a:lnSpc>
+                <a:spcPct val="120000"/>
+              </a:lnSpc>
+              <a:spcBef>
+                <a:spcPts val="1000"/>
+              </a:spcBef>
+              <a:buSzPct val="87000"/>
+              <a:buFont typeface="Arial" panose="020B0604020202020204" pitchFamily="34" charset="0"/>
+              <a:buChar char="•"/>
+              <a:defRPr sz="2000" kern="1200">
+                <a:solidFill>
+                  <a:schemeClr val="tx1"/>
+                </a:solidFill>
+                <a:latin typeface="+mn-lt"/>
+                <a:ea typeface="+mn-ea"/>
+                <a:cs typeface="+mn-cs"/>
+              </a:defRPr>
+            </a:lvl1pPr>
+            <a:lvl2pPr marL="274320" indent="0" algn="l" defTabSz="914400" rtl="0" eaLnBrk="1" latinLnBrk="0" hangingPunct="1">
+              <a:lnSpc>
+                <a:spcPct val="120000"/>
+              </a:lnSpc>
+              <a:spcBef>
+                <a:spcPts val="500"/>
+              </a:spcBef>
+              <a:buSzPct val="87000"/>
+              <a:buFontTx/>
+              <a:buNone/>
+              <a:defRPr sz="1800" kern="1200">
+                <a:solidFill>
+                  <a:schemeClr val="tx1"/>
+                </a:solidFill>
+                <a:latin typeface="+mn-lt"/>
+                <a:ea typeface="+mn-ea"/>
+                <a:cs typeface="+mn-cs"/>
+              </a:defRPr>
+            </a:lvl2pPr>
+            <a:lvl3pPr marL="548640" indent="-228600" algn="l" defTabSz="914400" rtl="0" eaLnBrk="1" latinLnBrk="0" hangingPunct="1">
+              <a:lnSpc>
+                <a:spcPct val="120000"/>
+              </a:lnSpc>
+              <a:spcBef>
+                <a:spcPts val="500"/>
+              </a:spcBef>
+              <a:buSzPct val="87000"/>
+              <a:buFont typeface="Arial" panose="020B0604020202020204" pitchFamily="34" charset="0"/>
+              <a:buChar char="•"/>
+              <a:defRPr sz="1600" kern="1200">
+                <a:solidFill>
+                  <a:schemeClr val="tx1"/>
+                </a:solidFill>
+                <a:latin typeface="+mn-lt"/>
+                <a:ea typeface="+mn-ea"/>
+                <a:cs typeface="+mn-cs"/>
+              </a:defRPr>
+            </a:lvl3pPr>
+            <a:lvl4pPr marL="594360" indent="0" algn="l" defTabSz="914400" rtl="0" eaLnBrk="1" latinLnBrk="0" hangingPunct="1">
+              <a:lnSpc>
+                <a:spcPct val="120000"/>
+              </a:lnSpc>
+              <a:spcBef>
+                <a:spcPts val="500"/>
+              </a:spcBef>
+              <a:buSzPct val="87000"/>
+              <a:buFontTx/>
+              <a:buNone/>
+              <a:defRPr sz="1400" kern="1200">
+                <a:solidFill>
+                  <a:schemeClr val="tx1"/>
+                </a:solidFill>
+                <a:latin typeface="+mn-lt"/>
+                <a:ea typeface="+mn-ea"/>
+                <a:cs typeface="+mn-cs"/>
+              </a:defRPr>
+            </a:lvl4pPr>
+            <a:lvl5pPr marL="822960" indent="-228600" algn="l" defTabSz="914400" rtl="0" eaLnBrk="1" latinLnBrk="0" hangingPunct="1">
+              <a:lnSpc>
+                <a:spcPct val="120000"/>
+              </a:lnSpc>
+              <a:spcBef>
+                <a:spcPts val="500"/>
+              </a:spcBef>
+              <a:buSzPct val="87000"/>
+              <a:buFont typeface="Arial" panose="020B0604020202020204" pitchFamily="34" charset="0"/>
+              <a:buChar char="•"/>
+              <a:defRPr sz="1400" kern="1200">
+                <a:solidFill>
+                  <a:schemeClr val="tx1"/>
+                </a:solidFill>
+                <a:latin typeface="+mn-lt"/>
+                <a:ea typeface="+mn-ea"/>
+                <a:cs typeface="+mn-cs"/>
+              </a:defRPr>
+            </a:lvl5pPr>
+            <a:lvl6pPr marL="2514600" indent="-228600" algn="l" defTabSz="914400" rtl="0" eaLnBrk="1" latinLnBrk="0" hangingPunct="1">
+              <a:lnSpc>
+                <a:spcPct val="90000"/>
+              </a:lnSpc>
+              <a:spcBef>
+                <a:spcPts val="500"/>
+              </a:spcBef>
+              <a:buFont typeface="Arial" panose="020B0604020202020204" pitchFamily="34" charset="0"/>
+              <a:buChar char="•"/>
+              <a:defRPr sz="1800" kern="1200">
+                <a:solidFill>
+                  <a:schemeClr val="tx1"/>
+                </a:solidFill>
+                <a:latin typeface="+mn-lt"/>
+                <a:ea typeface="+mn-ea"/>
+                <a:cs typeface="+mn-cs"/>
+              </a:defRPr>
+            </a:lvl6pPr>
+            <a:lvl7pPr marL="2971800" indent="-228600" algn="l" defTabSz="914400" rtl="0" eaLnBrk="1" latinLnBrk="0" hangingPunct="1">
+              <a:lnSpc>
+                <a:spcPct val="90000"/>
+              </a:lnSpc>
+              <a:spcBef>
+                <a:spcPts val="500"/>
+              </a:spcBef>
+              <a:buFont typeface="Arial" panose="020B0604020202020204" pitchFamily="34" charset="0"/>
+              <a:buChar char="•"/>
+              <a:defRPr sz="1800" kern="1200">
+                <a:solidFill>
+                  <a:schemeClr val="tx1"/>
+                </a:solidFill>
+                <a:latin typeface="+mn-lt"/>
+                <a:ea typeface="+mn-ea"/>
+                <a:cs typeface="+mn-cs"/>
+              </a:defRPr>
+            </a:lvl7pPr>
+            <a:lvl8pPr marL="3429000" indent="-228600" algn="l" defTabSz="914400" rtl="0" eaLnBrk="1" latinLnBrk="0" hangingPunct="1">
+              <a:lnSpc>
+                <a:spcPct val="90000"/>
+              </a:lnSpc>
+              <a:spcBef>
+                <a:spcPts val="500"/>
+              </a:spcBef>
+              <a:buFont typeface="Arial" panose="020B0604020202020204" pitchFamily="34" charset="0"/>
+              <a:buChar char="•"/>
+              <a:defRPr sz="1800" kern="1200">
+                <a:solidFill>
+                  <a:schemeClr val="tx1"/>
+                </a:solidFill>
+                <a:latin typeface="+mn-lt"/>
+                <a:ea typeface="+mn-ea"/>
+                <a:cs typeface="+mn-cs"/>
+              </a:defRPr>
+            </a:lvl8pPr>
+            <a:lvl9pPr marL="3886200" indent="-228600" algn="l" defTabSz="914400" rtl="0" eaLnBrk="1" latinLnBrk="0" hangingPunct="1">
+              <a:lnSpc>
+                <a:spcPct val="90000"/>
+              </a:lnSpc>
+              <a:spcBef>
+                <a:spcPts val="500"/>
+              </a:spcBef>
+              <a:buFont typeface="Arial" panose="020B0604020202020204" pitchFamily="34" charset="0"/>
+              <a:buChar char="•"/>
+              <a:defRPr sz="1800" kern="1200">
+                <a:solidFill>
+                  <a:schemeClr val="tx1"/>
+                </a:solidFill>
+                <a:latin typeface="+mn-lt"/>
+                <a:ea typeface="+mn-ea"/>
+                <a:cs typeface="+mn-cs"/>
+              </a:defRPr>
+            </a:lvl9pPr>
+          </a:lstStyle>
+          <a:p>
+            <a:pPr marL="0" indent="0" algn="ctr" fontAlgn="base">
+              <a:buFont typeface="Arial" panose="020B0604020202020204" pitchFamily="34" charset="0"/>
+              <a:buNone/>
+            </a:pPr>
+            <a:r>
+              <a:rPr lang="en-US" sz="2400" dirty="0">
+                <a:latin typeface="Inter"/>
+              </a:rPr>
+              <a:t>NOT AN ENUMERATION</a:t>
+            </a:r>
+            <a:endParaRPr lang="en-US" sz="2800" dirty="0">
+              <a:latin typeface="Inter"/>
+            </a:endParaRPr>
+          </a:p>
+        </p:txBody>
+      </p:sp>
     </p:spTree>
     <p:extLst>
       <p:ext uri="{BB962C8B-B14F-4D97-AF65-F5344CB8AC3E}">
-        <p14:creationId xmlns:p14="http://schemas.microsoft.com/office/powerpoint/2010/main" val="2287951722"/>
+        <p14:creationId xmlns:p14="http://schemas.microsoft.com/office/powerpoint/2010/main" val="2401112957"/>
       </p:ext>
     </p:extLst>
   </p:cSld>
@@ -26573,22 +29535,18 @@
         </p:nvSpPr>
         <p:spPr>
           <a:xfrm>
-            <a:off x="4514850" y="3024187"/>
-            <a:ext cx="3162299" cy="809625"/>
+            <a:off x="914400" y="1187382"/>
+            <a:ext cx="3848100" cy="749030"/>
           </a:xfrm>
         </p:spPr>
         <p:txBody>
-          <a:bodyPr>
-            <a:normAutofit fontScale="90000"/>
-          </a:bodyPr>
+          <a:bodyPr/>
           <a:lstStyle/>
           <a:p>
-            <a:pPr algn="ctr"/>
             <a:r>
-              <a:rPr lang="it-IT" sz="5400" b="1" dirty="0"/>
-              <a:t>Queries</a:t>
+              <a:rPr lang="it-IT" b="1" dirty="0"/>
+              <a:t>Model : Focus 2</a:t>
             </a:r>
-            <a:endParaRPr lang="it-IT" sz="4800" b="1" dirty="0"/>
           </a:p>
         </p:txBody>
       </p:sp>
@@ -26597,7 +29555,7 @@
           <p:cNvPr id="2" name="Segnaposto numero diapositiva 1">
             <a:extLst>
               <a:ext uri="{FF2B5EF4-FFF2-40B4-BE49-F238E27FC236}">
-                <a16:creationId xmlns:a16="http://schemas.microsoft.com/office/drawing/2014/main" id="{0371B819-0A52-489C-9FA3-EA676A38ADB9}"/>
+                <a16:creationId xmlns:a16="http://schemas.microsoft.com/office/drawing/2014/main" id="{BF79A675-2CE5-471E-86A4-D4ED7CE3DE97}"/>
               </a:ext>
             </a:extLst>
           </p:cNvPr>
@@ -26613,17 +29571,417 @@
           <a:bodyPr/>
           <a:lstStyle/>
           <a:p>
+            <a:fld id="{0E41FC79-F70E-41D5-8DA8-CBC79D687031}" type="slidenum">
+              <a:rPr lang="it-IT" smtClean="0"/>
+              <a:t>8</a:t>
+            </a:fld>
             <a:r>
               <a:rPr lang="it-IT" dirty="0"/>
-              <a:t> </a:t>
+              <a:t>/24</a:t>
             </a:r>
           </a:p>
         </p:txBody>
       </p:sp>
+      <p:pic>
+        <p:nvPicPr>
+          <p:cNvPr id="21" name="Elemento grafico 20">
+            <a:extLst>
+              <a:ext uri="{FF2B5EF4-FFF2-40B4-BE49-F238E27FC236}">
+                <a16:creationId xmlns:a16="http://schemas.microsoft.com/office/drawing/2014/main" id="{D3D2B87C-E989-4FB4-9FE5-726E2275B5B1}"/>
+              </a:ext>
+            </a:extLst>
+          </p:cNvPr>
+          <p:cNvPicPr>
+            <a:picLocks noChangeAspect="1"/>
+          </p:cNvPicPr>
+          <p:nvPr/>
+        </p:nvPicPr>
+        <p:blipFill>
+          <a:blip r:embed="rId2">
+            <a:extLst>
+              <a:ext uri="{28A0092B-C50C-407E-A947-70E740481C1C}">
+                <a14:useLocalDpi xmlns:a14="http://schemas.microsoft.com/office/drawing/2010/main" val="0"/>
+              </a:ext>
+              <a:ext uri="{96DAC541-7B7A-43D3-8B79-37D633B846F1}">
+                <asvg:svgBlip xmlns:asvg="http://schemas.microsoft.com/office/drawing/2016/SVG/main" r:embed="rId3"/>
+              </a:ext>
+            </a:extLst>
+          </a:blip>
+          <a:stretch>
+            <a:fillRect/>
+          </a:stretch>
+        </p:blipFill>
+        <p:spPr>
+          <a:xfrm>
+            <a:off x="5882260" y="1187382"/>
+            <a:ext cx="5648749" cy="5168968"/>
+          </a:xfrm>
+          <a:prstGeom prst="rect">
+            <a:avLst/>
+          </a:prstGeom>
+        </p:spPr>
+      </p:pic>
+      <p:sp>
+        <p:nvSpPr>
+          <p:cNvPr id="22" name="Segnaposto contenuto 4">
+            <a:extLst>
+              <a:ext uri="{FF2B5EF4-FFF2-40B4-BE49-F238E27FC236}">
+                <a16:creationId xmlns:a16="http://schemas.microsoft.com/office/drawing/2014/main" id="{C8FEDDF9-E60B-405D-BBC6-D22859CB3A07}"/>
+              </a:ext>
+            </a:extLst>
+          </p:cNvPr>
+          <p:cNvSpPr>
+            <a:spLocks noGrp="1"/>
+          </p:cNvSpPr>
+          <p:nvPr>
+            <p:ph idx="1"/>
+          </p:nvPr>
+        </p:nvSpPr>
+        <p:spPr>
+          <a:xfrm>
+            <a:off x="1218450" y="2708989"/>
+            <a:ext cx="3240000" cy="1291511"/>
+          </a:xfrm>
+        </p:spPr>
+        <p:txBody>
+          <a:bodyPr>
+            <a:normAutofit/>
+          </a:bodyPr>
+          <a:lstStyle/>
+          <a:p>
+            <a:pPr marL="0" indent="0" algn="ctr" fontAlgn="base">
+              <a:buNone/>
+            </a:pPr>
+            <a:r>
+              <a:rPr lang="en-GB" i="0" dirty="0">
+                <a:effectLst/>
+                <a:latin typeface="Inter"/>
+              </a:rPr>
+              <a:t>dummy node to represent the positioning of a track in a specific Chart</a:t>
+            </a:r>
+          </a:p>
+          <a:p>
+            <a:pPr marL="0" indent="0" algn="ctr" fontAlgn="base">
+              <a:buNone/>
+            </a:pPr>
+            <a:endParaRPr lang="en-US" i="0" dirty="0">
+              <a:effectLst/>
+              <a:latin typeface="Inter"/>
+            </a:endParaRPr>
+          </a:p>
+        </p:txBody>
+      </p:sp>
+      <p:sp>
+        <p:nvSpPr>
+          <p:cNvPr id="23" name="Segnaposto contenuto 4">
+            <a:extLst>
+              <a:ext uri="{FF2B5EF4-FFF2-40B4-BE49-F238E27FC236}">
+                <a16:creationId xmlns:a16="http://schemas.microsoft.com/office/drawing/2014/main" id="{582C7655-9F60-4766-94CC-DD95CE60B707}"/>
+              </a:ext>
+            </a:extLst>
+          </p:cNvPr>
+          <p:cNvSpPr txBox="1">
+            <a:spLocks/>
+          </p:cNvSpPr>
+          <p:nvPr/>
+        </p:nvSpPr>
+        <p:spPr>
+          <a:xfrm>
+            <a:off x="1218450" y="5111566"/>
+            <a:ext cx="3240000" cy="984434"/>
+          </a:xfrm>
+          <a:prstGeom prst="rect">
+            <a:avLst/>
+          </a:prstGeom>
+        </p:spPr>
+        <p:txBody>
+          <a:bodyPr vert="horz" lIns="91440" tIns="45720" rIns="91440" bIns="45720" rtlCol="0">
+            <a:normAutofit/>
+          </a:bodyPr>
+          <a:lstStyle>
+            <a:lvl1pPr marL="228600" indent="-228600" algn="l" defTabSz="914400" rtl="0" eaLnBrk="1" latinLnBrk="0" hangingPunct="1">
+              <a:lnSpc>
+                <a:spcPct val="120000"/>
+              </a:lnSpc>
+              <a:spcBef>
+                <a:spcPts val="1000"/>
+              </a:spcBef>
+              <a:buSzPct val="87000"/>
+              <a:buFont typeface="Arial" panose="020B0604020202020204" pitchFamily="34" charset="0"/>
+              <a:buChar char="•"/>
+              <a:defRPr sz="2000" kern="1200">
+                <a:solidFill>
+                  <a:schemeClr val="tx1"/>
+                </a:solidFill>
+                <a:latin typeface="+mn-lt"/>
+                <a:ea typeface="+mn-ea"/>
+                <a:cs typeface="+mn-cs"/>
+              </a:defRPr>
+            </a:lvl1pPr>
+            <a:lvl2pPr marL="274320" indent="0" algn="l" defTabSz="914400" rtl="0" eaLnBrk="1" latinLnBrk="0" hangingPunct="1">
+              <a:lnSpc>
+                <a:spcPct val="120000"/>
+              </a:lnSpc>
+              <a:spcBef>
+                <a:spcPts val="500"/>
+              </a:spcBef>
+              <a:buSzPct val="87000"/>
+              <a:buFontTx/>
+              <a:buNone/>
+              <a:defRPr sz="1800" kern="1200">
+                <a:solidFill>
+                  <a:schemeClr val="tx1"/>
+                </a:solidFill>
+                <a:latin typeface="+mn-lt"/>
+                <a:ea typeface="+mn-ea"/>
+                <a:cs typeface="+mn-cs"/>
+              </a:defRPr>
+            </a:lvl2pPr>
+            <a:lvl3pPr marL="548640" indent="-228600" algn="l" defTabSz="914400" rtl="0" eaLnBrk="1" latinLnBrk="0" hangingPunct="1">
+              <a:lnSpc>
+                <a:spcPct val="120000"/>
+              </a:lnSpc>
+              <a:spcBef>
+                <a:spcPts val="500"/>
+              </a:spcBef>
+              <a:buSzPct val="87000"/>
+              <a:buFont typeface="Arial" panose="020B0604020202020204" pitchFamily="34" charset="0"/>
+              <a:buChar char="•"/>
+              <a:defRPr sz="1600" kern="1200">
+                <a:solidFill>
+                  <a:schemeClr val="tx1"/>
+                </a:solidFill>
+                <a:latin typeface="+mn-lt"/>
+                <a:ea typeface="+mn-ea"/>
+                <a:cs typeface="+mn-cs"/>
+              </a:defRPr>
+            </a:lvl3pPr>
+            <a:lvl4pPr marL="594360" indent="0" algn="l" defTabSz="914400" rtl="0" eaLnBrk="1" latinLnBrk="0" hangingPunct="1">
+              <a:lnSpc>
+                <a:spcPct val="120000"/>
+              </a:lnSpc>
+              <a:spcBef>
+                <a:spcPts val="500"/>
+              </a:spcBef>
+              <a:buSzPct val="87000"/>
+              <a:buFontTx/>
+              <a:buNone/>
+              <a:defRPr sz="1400" kern="1200">
+                <a:solidFill>
+                  <a:schemeClr val="tx1"/>
+                </a:solidFill>
+                <a:latin typeface="+mn-lt"/>
+                <a:ea typeface="+mn-ea"/>
+                <a:cs typeface="+mn-cs"/>
+              </a:defRPr>
+            </a:lvl4pPr>
+            <a:lvl5pPr marL="822960" indent="-228600" algn="l" defTabSz="914400" rtl="0" eaLnBrk="1" latinLnBrk="0" hangingPunct="1">
+              <a:lnSpc>
+                <a:spcPct val="120000"/>
+              </a:lnSpc>
+              <a:spcBef>
+                <a:spcPts val="500"/>
+              </a:spcBef>
+              <a:buSzPct val="87000"/>
+              <a:buFont typeface="Arial" panose="020B0604020202020204" pitchFamily="34" charset="0"/>
+              <a:buChar char="•"/>
+              <a:defRPr sz="1400" kern="1200">
+                <a:solidFill>
+                  <a:schemeClr val="tx1"/>
+                </a:solidFill>
+                <a:latin typeface="+mn-lt"/>
+                <a:ea typeface="+mn-ea"/>
+                <a:cs typeface="+mn-cs"/>
+              </a:defRPr>
+            </a:lvl5pPr>
+            <a:lvl6pPr marL="2514600" indent="-228600" algn="l" defTabSz="914400" rtl="0" eaLnBrk="1" latinLnBrk="0" hangingPunct="1">
+              <a:lnSpc>
+                <a:spcPct val="90000"/>
+              </a:lnSpc>
+              <a:spcBef>
+                <a:spcPts val="500"/>
+              </a:spcBef>
+              <a:buFont typeface="Arial" panose="020B0604020202020204" pitchFamily="34" charset="0"/>
+              <a:buChar char="•"/>
+              <a:defRPr sz="1800" kern="1200">
+                <a:solidFill>
+                  <a:schemeClr val="tx1"/>
+                </a:solidFill>
+                <a:latin typeface="+mn-lt"/>
+                <a:ea typeface="+mn-ea"/>
+                <a:cs typeface="+mn-cs"/>
+              </a:defRPr>
+            </a:lvl6pPr>
+            <a:lvl7pPr marL="2971800" indent="-228600" algn="l" defTabSz="914400" rtl="0" eaLnBrk="1" latinLnBrk="0" hangingPunct="1">
+              <a:lnSpc>
+                <a:spcPct val="90000"/>
+              </a:lnSpc>
+              <a:spcBef>
+                <a:spcPts val="500"/>
+              </a:spcBef>
+              <a:buFont typeface="Arial" panose="020B0604020202020204" pitchFamily="34" charset="0"/>
+              <a:buChar char="•"/>
+              <a:defRPr sz="1800" kern="1200">
+                <a:solidFill>
+                  <a:schemeClr val="tx1"/>
+                </a:solidFill>
+                <a:latin typeface="+mn-lt"/>
+                <a:ea typeface="+mn-ea"/>
+                <a:cs typeface="+mn-cs"/>
+              </a:defRPr>
+            </a:lvl7pPr>
+            <a:lvl8pPr marL="3429000" indent="-228600" algn="l" defTabSz="914400" rtl="0" eaLnBrk="1" latinLnBrk="0" hangingPunct="1">
+              <a:lnSpc>
+                <a:spcPct val="90000"/>
+              </a:lnSpc>
+              <a:spcBef>
+                <a:spcPts val="500"/>
+              </a:spcBef>
+              <a:buFont typeface="Arial" panose="020B0604020202020204" pitchFamily="34" charset="0"/>
+              <a:buChar char="•"/>
+              <a:defRPr sz="1800" kern="1200">
+                <a:solidFill>
+                  <a:schemeClr val="tx1"/>
+                </a:solidFill>
+                <a:latin typeface="+mn-lt"/>
+                <a:ea typeface="+mn-ea"/>
+                <a:cs typeface="+mn-cs"/>
+              </a:defRPr>
+            </a:lvl8pPr>
+            <a:lvl9pPr marL="3886200" indent="-228600" algn="l" defTabSz="914400" rtl="0" eaLnBrk="1" latinLnBrk="0" hangingPunct="1">
+              <a:lnSpc>
+                <a:spcPct val="90000"/>
+              </a:lnSpc>
+              <a:spcBef>
+                <a:spcPts val="500"/>
+              </a:spcBef>
+              <a:buFont typeface="Arial" panose="020B0604020202020204" pitchFamily="34" charset="0"/>
+              <a:buChar char="•"/>
+              <a:defRPr sz="1800" kern="1200">
+                <a:solidFill>
+                  <a:schemeClr val="tx1"/>
+                </a:solidFill>
+                <a:latin typeface="+mn-lt"/>
+                <a:ea typeface="+mn-ea"/>
+                <a:cs typeface="+mn-cs"/>
+              </a:defRPr>
+            </a:lvl9pPr>
+          </a:lstStyle>
+          <a:p>
+            <a:pPr marL="0" indent="0" algn="ctr" fontAlgn="base">
+              <a:buFont typeface="Arial" panose="020B0604020202020204" pitchFamily="34" charset="0"/>
+              <a:buNone/>
+            </a:pPr>
+            <a:r>
+              <a:rPr lang="en-GB" dirty="0">
+                <a:latin typeface="Inter"/>
+              </a:rPr>
+              <a:t>Contains all the information related to a specific chart</a:t>
+            </a:r>
+          </a:p>
+          <a:p>
+            <a:pPr marL="0" indent="0" algn="ctr" fontAlgn="base">
+              <a:buFont typeface="Arial" panose="020B0604020202020204" pitchFamily="34" charset="0"/>
+              <a:buNone/>
+            </a:pPr>
+            <a:endParaRPr lang="en-US" dirty="0">
+              <a:latin typeface="Inter"/>
+            </a:endParaRPr>
+          </a:p>
+        </p:txBody>
+      </p:sp>
+      <p:cxnSp>
+        <p:nvCxnSpPr>
+          <p:cNvPr id="25" name="Connettore 2 24">
+            <a:extLst>
+              <a:ext uri="{FF2B5EF4-FFF2-40B4-BE49-F238E27FC236}">
+                <a16:creationId xmlns:a16="http://schemas.microsoft.com/office/drawing/2014/main" id="{C8E8E0DC-EBA0-4EBA-8F3F-E85DAA4108A6}"/>
+              </a:ext>
+            </a:extLst>
+          </p:cNvPr>
+          <p:cNvCxnSpPr>
+            <a:cxnSpLocks/>
+          </p:cNvCxnSpPr>
+          <p:nvPr/>
+        </p:nvCxnSpPr>
+        <p:spPr>
+          <a:xfrm flipV="1">
+            <a:off x="4458450" y="2505075"/>
+            <a:ext cx="1847100" cy="594079"/>
+          </a:xfrm>
+          <a:prstGeom prst="straightConnector1">
+            <a:avLst/>
+          </a:prstGeom>
+          <a:ln w="76200">
+            <a:solidFill>
+              <a:schemeClr val="accent2"/>
+            </a:solidFill>
+            <a:tailEnd type="triangle"/>
+          </a:ln>
+        </p:spPr>
+        <p:style>
+          <a:lnRef idx="1">
+            <a:schemeClr val="accent1"/>
+          </a:lnRef>
+          <a:fillRef idx="0">
+            <a:schemeClr val="accent1"/>
+          </a:fillRef>
+          <a:effectRef idx="0">
+            <a:schemeClr val="accent1"/>
+          </a:effectRef>
+          <a:fontRef idx="minor">
+            <a:schemeClr val="tx1"/>
+          </a:fontRef>
+        </p:style>
+      </p:cxnSp>
+      <p:cxnSp>
+        <p:nvCxnSpPr>
+          <p:cNvPr id="30" name="Connettore 2 29">
+            <a:extLst>
+              <a:ext uri="{FF2B5EF4-FFF2-40B4-BE49-F238E27FC236}">
+                <a16:creationId xmlns:a16="http://schemas.microsoft.com/office/drawing/2014/main" id="{78A278DD-6731-4624-852E-828341236E8F}"/>
+              </a:ext>
+            </a:extLst>
+          </p:cNvPr>
+          <p:cNvCxnSpPr>
+            <a:cxnSpLocks/>
+          </p:cNvCxnSpPr>
+          <p:nvPr/>
+        </p:nvCxnSpPr>
+        <p:spPr>
+          <a:xfrm flipV="1">
+            <a:off x="4458450" y="5603783"/>
+            <a:ext cx="1847100" cy="1"/>
+          </a:xfrm>
+          <a:prstGeom prst="straightConnector1">
+            <a:avLst/>
+          </a:prstGeom>
+          <a:ln w="76200">
+            <a:solidFill>
+              <a:schemeClr val="accent2"/>
+            </a:solidFill>
+            <a:tailEnd type="triangle"/>
+          </a:ln>
+        </p:spPr>
+        <p:style>
+          <a:lnRef idx="1">
+            <a:schemeClr val="accent1"/>
+          </a:lnRef>
+          <a:fillRef idx="0">
+            <a:schemeClr val="accent1"/>
+          </a:fillRef>
+          <a:effectRef idx="0">
+            <a:schemeClr val="accent1"/>
+          </a:effectRef>
+          <a:fontRef idx="minor">
+            <a:schemeClr val="tx1"/>
+          </a:fontRef>
+        </p:style>
+      </p:cxnSp>
     </p:spTree>
     <p:extLst>
       <p:ext uri="{BB962C8B-B14F-4D97-AF65-F5344CB8AC3E}">
-        <p14:creationId xmlns:p14="http://schemas.microsoft.com/office/powerpoint/2010/main" val="3491404989"/>
+        <p14:creationId xmlns:p14="http://schemas.microsoft.com/office/powerpoint/2010/main" val="3243029037"/>
       </p:ext>
     </p:extLst>
   </p:cSld>
@@ -26668,65 +30026,18 @@
         </p:nvSpPr>
         <p:spPr>
           <a:xfrm>
-            <a:off x="914400" y="1079770"/>
+            <a:off x="914400" y="1187382"/>
             <a:ext cx="5181600" cy="749030"/>
           </a:xfrm>
         </p:spPr>
         <p:txBody>
-          <a:bodyPr>
-            <a:normAutofit/>
-          </a:bodyPr>
+          <a:bodyPr/>
           <a:lstStyle/>
           <a:p>
             <a:r>
-              <a:rPr lang="it-IT" sz="3600" b="1" dirty="0"/>
-              <a:t>Query 1</a:t>
+              <a:rPr lang="it-IT" b="1" dirty="0"/>
+              <a:t>Model : Focus 3</a:t>
             </a:r>
-          </a:p>
-        </p:txBody>
-      </p:sp>
-      <p:sp>
-        <p:nvSpPr>
-          <p:cNvPr id="5" name="Segnaposto contenuto 4">
-            <a:extLst>
-              <a:ext uri="{FF2B5EF4-FFF2-40B4-BE49-F238E27FC236}">
-                <a16:creationId xmlns:a16="http://schemas.microsoft.com/office/drawing/2014/main" id="{0822A188-4351-443E-9A73-0BDAAB88A97A}"/>
-              </a:ext>
-            </a:extLst>
-          </p:cNvPr>
-          <p:cNvSpPr>
-            <a:spLocks noGrp="1"/>
-          </p:cNvSpPr>
-          <p:nvPr>
-            <p:ph idx="1"/>
-          </p:nvPr>
-        </p:nvSpPr>
-        <p:spPr>
-          <a:xfrm>
-            <a:off x="914400" y="1654309"/>
-            <a:ext cx="11277600" cy="428625"/>
-          </a:xfrm>
-        </p:spPr>
-        <p:txBody>
-          <a:bodyPr>
-            <a:normAutofit lnSpcReduction="10000"/>
-          </a:bodyPr>
-          <a:lstStyle/>
-          <a:p>
-            <a:pPr marL="0" indent="0" algn="l" fontAlgn="base">
-              <a:buNone/>
-            </a:pPr>
-            <a:r>
-              <a:rPr lang="en-US" i="0" dirty="0">
-                <a:effectLst/>
-                <a:latin typeface="Inter"/>
-              </a:rPr>
-              <a:t>On average how many artist of a specific nationality are in the top 100 of the same country?</a:t>
-            </a:r>
-            <a:endParaRPr lang="en-US" sz="2800" i="1" dirty="0">
-              <a:effectLst/>
-              <a:latin typeface="Inter"/>
-            </a:endParaRPr>
           </a:p>
         </p:txBody>
       </p:sp>
@@ -26735,7 +30046,7 @@
           <p:cNvPr id="2" name="Segnaposto numero diapositiva 1">
             <a:extLst>
               <a:ext uri="{FF2B5EF4-FFF2-40B4-BE49-F238E27FC236}">
-                <a16:creationId xmlns:a16="http://schemas.microsoft.com/office/drawing/2014/main" id="{AF743220-D2ED-43D4-A1FF-37CA562FFA98}"/>
+                <a16:creationId xmlns:a16="http://schemas.microsoft.com/office/drawing/2014/main" id="{BF79A675-2CE5-471E-86A4-D4ED7CE3DE97}"/>
               </a:ext>
             </a:extLst>
           </p:cNvPr>
@@ -26762,12 +30073,418 @@
           </a:p>
         </p:txBody>
       </p:sp>
+      <p:graphicFrame>
+        <p:nvGraphicFramePr>
+          <p:cNvPr id="9" name="Segnaposto contenuto 4">
+            <a:extLst>
+              <a:ext uri="{FF2B5EF4-FFF2-40B4-BE49-F238E27FC236}">
+                <a16:creationId xmlns:a16="http://schemas.microsoft.com/office/drawing/2014/main" id="{11ED6C67-6D91-4820-A9E0-E00828D3CC11}"/>
+              </a:ext>
+            </a:extLst>
+          </p:cNvPr>
+          <p:cNvGraphicFramePr/>
+          <p:nvPr>
+            <p:extLst>
+              <p:ext uri="{D42A27DB-BD31-4B8C-83A1-F6EECF244321}">
+                <p14:modId xmlns:p14="http://schemas.microsoft.com/office/powerpoint/2010/main" val="242712078"/>
+              </p:ext>
+            </p:extLst>
+          </p:nvPr>
+        </p:nvGraphicFramePr>
+        <p:xfrm>
+          <a:off x="914401" y="2343151"/>
+          <a:ext cx="4644000" cy="1080000"/>
+        </p:xfrm>
+        <a:graphic>
+          <a:graphicData uri="http://schemas.openxmlformats.org/drawingml/2006/diagram">
+            <dgm:relIds xmlns:dgm="http://schemas.openxmlformats.org/drawingml/2006/diagram" xmlns:r="http://schemas.openxmlformats.org/officeDocument/2006/relationships" r:dm="rId2" r:lo="rId3" r:qs="rId4" r:cs="rId5"/>
+          </a:graphicData>
+        </a:graphic>
+      </p:graphicFrame>
+      <p:sp>
+        <p:nvSpPr>
+          <p:cNvPr id="17" name="Segnaposto contenuto 4">
+            <a:extLst>
+              <a:ext uri="{FF2B5EF4-FFF2-40B4-BE49-F238E27FC236}">
+                <a16:creationId xmlns:a16="http://schemas.microsoft.com/office/drawing/2014/main" id="{1CCDEF83-E0F3-46B9-9F67-4F353473FA82}"/>
+              </a:ext>
+            </a:extLst>
+          </p:cNvPr>
+          <p:cNvSpPr>
+            <a:spLocks noGrp="1"/>
+          </p:cNvSpPr>
+          <p:nvPr>
+            <p:ph idx="1"/>
+          </p:nvPr>
+        </p:nvSpPr>
+        <p:spPr>
+          <a:xfrm>
+            <a:off x="914400" y="2171700"/>
+            <a:ext cx="5772149" cy="1514475"/>
+          </a:xfrm>
+        </p:spPr>
+        <p:txBody>
+          <a:bodyPr>
+            <a:normAutofit lnSpcReduction="10000"/>
+          </a:bodyPr>
+          <a:lstStyle/>
+          <a:p>
+            <a:pPr marL="0" indent="0" algn="l" fontAlgn="base">
+              <a:buNone/>
+            </a:pPr>
+            <a:r>
+              <a:rPr lang="en-US" b="0" i="0" dirty="0">
+                <a:effectLst/>
+                <a:latin typeface="Inter"/>
+              </a:rPr>
+              <a:t>The </a:t>
+            </a:r>
+            <a:r>
+              <a:rPr lang="en-US" b="1" i="0" dirty="0">
+                <a:effectLst/>
+                <a:latin typeface="Inter"/>
+              </a:rPr>
+              <a:t>Artist node </a:t>
+            </a:r>
+            <a:r>
+              <a:rPr lang="en-US" dirty="0">
+                <a:latin typeface="Inter"/>
+              </a:rPr>
+              <a:t>is used to </a:t>
+            </a:r>
+            <a:r>
+              <a:rPr lang="en-US" b="0" i="0" dirty="0">
+                <a:effectLst/>
+                <a:latin typeface="Inter"/>
+              </a:rPr>
+              <a:t>represent both:</a:t>
+            </a:r>
+            <a:endParaRPr lang="en-US" sz="2400" dirty="0">
+              <a:latin typeface="Inter"/>
+            </a:endParaRPr>
+          </a:p>
+          <a:p>
+            <a:pPr fontAlgn="base">
+              <a:buFont typeface="Wingdings" panose="05000000000000000000" pitchFamily="2" charset="2"/>
+              <a:buChar char="q"/>
+            </a:pPr>
+            <a:r>
+              <a:rPr lang="en-US" sz="2400" i="0" dirty="0">
+                <a:effectLst/>
+                <a:latin typeface="Inter"/>
+              </a:rPr>
+              <a:t> Group</a:t>
+            </a:r>
+          </a:p>
+          <a:p>
+            <a:pPr fontAlgn="base">
+              <a:buFont typeface="Wingdings" panose="05000000000000000000" pitchFamily="2" charset="2"/>
+              <a:buChar char="q"/>
+            </a:pPr>
+            <a:r>
+              <a:rPr lang="en-US" sz="2400" dirty="0">
+                <a:latin typeface="Inter"/>
+              </a:rPr>
+              <a:t> Single artist </a:t>
+            </a:r>
+            <a:endParaRPr lang="en-US" sz="2400" i="0" dirty="0">
+              <a:effectLst/>
+              <a:latin typeface="Inter"/>
+            </a:endParaRPr>
+          </a:p>
+        </p:txBody>
+      </p:sp>
+      <p:sp>
+        <p:nvSpPr>
+          <p:cNvPr id="19" name="Segnaposto contenuto 4">
+            <a:extLst>
+              <a:ext uri="{FF2B5EF4-FFF2-40B4-BE49-F238E27FC236}">
+                <a16:creationId xmlns:a16="http://schemas.microsoft.com/office/drawing/2014/main" id="{8E4903B5-B2B1-4E0E-9DAF-A755CEA9FFD0}"/>
+              </a:ext>
+            </a:extLst>
+          </p:cNvPr>
+          <p:cNvSpPr txBox="1">
+            <a:spLocks/>
+          </p:cNvSpPr>
+          <p:nvPr/>
+        </p:nvSpPr>
+        <p:spPr>
+          <a:xfrm>
+            <a:off x="914400" y="4489524"/>
+            <a:ext cx="5772149" cy="1870075"/>
+          </a:xfrm>
+          <a:prstGeom prst="rect">
+            <a:avLst/>
+          </a:prstGeom>
+        </p:spPr>
+        <p:txBody>
+          <a:bodyPr vert="horz" lIns="91440" tIns="45720" rIns="91440" bIns="45720" rtlCol="0">
+            <a:normAutofit/>
+          </a:bodyPr>
+          <a:lstStyle>
+            <a:lvl1pPr marL="228600" indent="-228600" algn="l" defTabSz="914400" rtl="0" eaLnBrk="1" latinLnBrk="0" hangingPunct="1">
+              <a:lnSpc>
+                <a:spcPct val="120000"/>
+              </a:lnSpc>
+              <a:spcBef>
+                <a:spcPts val="1000"/>
+              </a:spcBef>
+              <a:buSzPct val="87000"/>
+              <a:buFont typeface="Arial" panose="020B0604020202020204" pitchFamily="34" charset="0"/>
+              <a:buChar char="•"/>
+              <a:defRPr sz="2000" kern="1200">
+                <a:solidFill>
+                  <a:schemeClr val="tx1"/>
+                </a:solidFill>
+                <a:latin typeface="+mn-lt"/>
+                <a:ea typeface="+mn-ea"/>
+                <a:cs typeface="+mn-cs"/>
+              </a:defRPr>
+            </a:lvl1pPr>
+            <a:lvl2pPr marL="274320" indent="0" algn="l" defTabSz="914400" rtl="0" eaLnBrk="1" latinLnBrk="0" hangingPunct="1">
+              <a:lnSpc>
+                <a:spcPct val="120000"/>
+              </a:lnSpc>
+              <a:spcBef>
+                <a:spcPts val="500"/>
+              </a:spcBef>
+              <a:buSzPct val="87000"/>
+              <a:buFontTx/>
+              <a:buNone/>
+              <a:defRPr sz="1800" kern="1200">
+                <a:solidFill>
+                  <a:schemeClr val="tx1"/>
+                </a:solidFill>
+                <a:latin typeface="+mn-lt"/>
+                <a:ea typeface="+mn-ea"/>
+                <a:cs typeface="+mn-cs"/>
+              </a:defRPr>
+            </a:lvl2pPr>
+            <a:lvl3pPr marL="548640" indent="-228600" algn="l" defTabSz="914400" rtl="0" eaLnBrk="1" latinLnBrk="0" hangingPunct="1">
+              <a:lnSpc>
+                <a:spcPct val="120000"/>
+              </a:lnSpc>
+              <a:spcBef>
+                <a:spcPts val="500"/>
+              </a:spcBef>
+              <a:buSzPct val="87000"/>
+              <a:buFont typeface="Arial" panose="020B0604020202020204" pitchFamily="34" charset="0"/>
+              <a:buChar char="•"/>
+              <a:defRPr sz="1600" kern="1200">
+                <a:solidFill>
+                  <a:schemeClr val="tx1"/>
+                </a:solidFill>
+                <a:latin typeface="+mn-lt"/>
+                <a:ea typeface="+mn-ea"/>
+                <a:cs typeface="+mn-cs"/>
+              </a:defRPr>
+            </a:lvl3pPr>
+            <a:lvl4pPr marL="594360" indent="0" algn="l" defTabSz="914400" rtl="0" eaLnBrk="1" latinLnBrk="0" hangingPunct="1">
+              <a:lnSpc>
+                <a:spcPct val="120000"/>
+              </a:lnSpc>
+              <a:spcBef>
+                <a:spcPts val="500"/>
+              </a:spcBef>
+              <a:buSzPct val="87000"/>
+              <a:buFontTx/>
+              <a:buNone/>
+              <a:defRPr sz="1400" kern="1200">
+                <a:solidFill>
+                  <a:schemeClr val="tx1"/>
+                </a:solidFill>
+                <a:latin typeface="+mn-lt"/>
+                <a:ea typeface="+mn-ea"/>
+                <a:cs typeface="+mn-cs"/>
+              </a:defRPr>
+            </a:lvl4pPr>
+            <a:lvl5pPr marL="822960" indent="-228600" algn="l" defTabSz="914400" rtl="0" eaLnBrk="1" latinLnBrk="0" hangingPunct="1">
+              <a:lnSpc>
+                <a:spcPct val="120000"/>
+              </a:lnSpc>
+              <a:spcBef>
+                <a:spcPts val="500"/>
+              </a:spcBef>
+              <a:buSzPct val="87000"/>
+              <a:buFont typeface="Arial" panose="020B0604020202020204" pitchFamily="34" charset="0"/>
+              <a:buChar char="•"/>
+              <a:defRPr sz="1400" kern="1200">
+                <a:solidFill>
+                  <a:schemeClr val="tx1"/>
+                </a:solidFill>
+                <a:latin typeface="+mn-lt"/>
+                <a:ea typeface="+mn-ea"/>
+                <a:cs typeface="+mn-cs"/>
+              </a:defRPr>
+            </a:lvl5pPr>
+            <a:lvl6pPr marL="2514600" indent="-228600" algn="l" defTabSz="914400" rtl="0" eaLnBrk="1" latinLnBrk="0" hangingPunct="1">
+              <a:lnSpc>
+                <a:spcPct val="90000"/>
+              </a:lnSpc>
+              <a:spcBef>
+                <a:spcPts val="500"/>
+              </a:spcBef>
+              <a:buFont typeface="Arial" panose="020B0604020202020204" pitchFamily="34" charset="0"/>
+              <a:buChar char="•"/>
+              <a:defRPr sz="1800" kern="1200">
+                <a:solidFill>
+                  <a:schemeClr val="tx1"/>
+                </a:solidFill>
+                <a:latin typeface="+mn-lt"/>
+                <a:ea typeface="+mn-ea"/>
+                <a:cs typeface="+mn-cs"/>
+              </a:defRPr>
+            </a:lvl6pPr>
+            <a:lvl7pPr marL="2971800" indent="-228600" algn="l" defTabSz="914400" rtl="0" eaLnBrk="1" latinLnBrk="0" hangingPunct="1">
+              <a:lnSpc>
+                <a:spcPct val="90000"/>
+              </a:lnSpc>
+              <a:spcBef>
+                <a:spcPts val="500"/>
+              </a:spcBef>
+              <a:buFont typeface="Arial" panose="020B0604020202020204" pitchFamily="34" charset="0"/>
+              <a:buChar char="•"/>
+              <a:defRPr sz="1800" kern="1200">
+                <a:solidFill>
+                  <a:schemeClr val="tx1"/>
+                </a:solidFill>
+                <a:latin typeface="+mn-lt"/>
+                <a:ea typeface="+mn-ea"/>
+                <a:cs typeface="+mn-cs"/>
+              </a:defRPr>
+            </a:lvl7pPr>
+            <a:lvl8pPr marL="3429000" indent="-228600" algn="l" defTabSz="914400" rtl="0" eaLnBrk="1" latinLnBrk="0" hangingPunct="1">
+              <a:lnSpc>
+                <a:spcPct val="90000"/>
+              </a:lnSpc>
+              <a:spcBef>
+                <a:spcPts val="500"/>
+              </a:spcBef>
+              <a:buFont typeface="Arial" panose="020B0604020202020204" pitchFamily="34" charset="0"/>
+              <a:buChar char="•"/>
+              <a:defRPr sz="1800" kern="1200">
+                <a:solidFill>
+                  <a:schemeClr val="tx1"/>
+                </a:solidFill>
+                <a:latin typeface="+mn-lt"/>
+                <a:ea typeface="+mn-ea"/>
+                <a:cs typeface="+mn-cs"/>
+              </a:defRPr>
+            </a:lvl8pPr>
+            <a:lvl9pPr marL="3886200" indent="-228600" algn="l" defTabSz="914400" rtl="0" eaLnBrk="1" latinLnBrk="0" hangingPunct="1">
+              <a:lnSpc>
+                <a:spcPct val="90000"/>
+              </a:lnSpc>
+              <a:spcBef>
+                <a:spcPts val="500"/>
+              </a:spcBef>
+              <a:buFont typeface="Arial" panose="020B0604020202020204" pitchFamily="34" charset="0"/>
+              <a:buChar char="•"/>
+              <a:defRPr sz="1800" kern="1200">
+                <a:solidFill>
+                  <a:schemeClr val="tx1"/>
+                </a:solidFill>
+                <a:latin typeface="+mn-lt"/>
+                <a:ea typeface="+mn-ea"/>
+                <a:cs typeface="+mn-cs"/>
+              </a:defRPr>
+            </a:lvl9pPr>
+          </a:lstStyle>
+          <a:p>
+            <a:pPr marL="0" indent="0" fontAlgn="base">
+              <a:buFont typeface="Arial" panose="020B0604020202020204" pitchFamily="34" charset="0"/>
+              <a:buNone/>
+            </a:pPr>
+            <a:r>
+              <a:rPr lang="en-US" sz="1800" b="1" i="1" dirty="0">
+                <a:latin typeface="Inter"/>
+              </a:rPr>
+              <a:t>Example: </a:t>
+            </a:r>
+            <a:endParaRPr lang="en-US" b="1" i="1" dirty="0">
+              <a:latin typeface="Inter"/>
+            </a:endParaRPr>
+          </a:p>
+          <a:p>
+            <a:pPr fontAlgn="base">
+              <a:buFont typeface="Wingdings" panose="05000000000000000000" pitchFamily="2" charset="2"/>
+              <a:buChar char="q"/>
+            </a:pPr>
+            <a:r>
+              <a:rPr lang="en-GB" b="1" i="1" dirty="0">
+                <a:latin typeface="Inter"/>
+              </a:rPr>
+              <a:t>Sting</a:t>
+            </a:r>
+            <a:r>
+              <a:rPr lang="en-GB" i="1" dirty="0">
+                <a:latin typeface="Inter"/>
+              </a:rPr>
+              <a:t> </a:t>
+            </a:r>
+            <a:r>
+              <a:rPr lang="en-GB" dirty="0">
+                <a:latin typeface="Inter"/>
+              </a:rPr>
+              <a:t>and </a:t>
+            </a:r>
+            <a:r>
+              <a:rPr lang="en-GB" b="1" i="1" dirty="0">
+                <a:latin typeface="Inter"/>
+              </a:rPr>
+              <a:t>The Police </a:t>
+            </a:r>
+            <a:r>
+              <a:rPr lang="en-GB" dirty="0">
+                <a:latin typeface="Inter"/>
+              </a:rPr>
+              <a:t>are both represented as artists</a:t>
+            </a:r>
+          </a:p>
+          <a:p>
+            <a:pPr fontAlgn="base">
+              <a:buFont typeface="Wingdings" panose="05000000000000000000" pitchFamily="2" charset="2"/>
+              <a:buChar char="q"/>
+            </a:pPr>
+            <a:r>
+              <a:rPr lang="en-GB" b="1" i="1" dirty="0">
+                <a:latin typeface="Inter"/>
+              </a:rPr>
+              <a:t>Gordon Sumner </a:t>
+            </a:r>
+            <a:r>
+              <a:rPr lang="en-GB" dirty="0">
+                <a:latin typeface="Inter"/>
+              </a:rPr>
+              <a:t>(Sting’s real name) is both linked to </a:t>
+            </a:r>
+            <a:r>
+              <a:rPr lang="en-GB" b="1" i="1" dirty="0">
+                <a:latin typeface="Inter"/>
+              </a:rPr>
+              <a:t>Sting</a:t>
+            </a:r>
+            <a:r>
+              <a:rPr lang="en-GB" dirty="0">
+                <a:latin typeface="Inter"/>
+              </a:rPr>
+              <a:t> and </a:t>
+            </a:r>
+            <a:r>
+              <a:rPr lang="en-GB" b="1" i="1" dirty="0">
+                <a:latin typeface="Inter"/>
+              </a:rPr>
+              <a:t>The Police </a:t>
+            </a:r>
+          </a:p>
+        </p:txBody>
+      </p:sp>
       <p:pic>
         <p:nvPicPr>
-          <p:cNvPr id="9" name="Immagine 8">
+          <p:cNvPr id="21" name="Elemento grafico 20">
             <a:extLst>
               <a:ext uri="{FF2B5EF4-FFF2-40B4-BE49-F238E27FC236}">
-                <a16:creationId xmlns:a16="http://schemas.microsoft.com/office/drawing/2014/main" id="{EDB6838F-CF51-44C8-A233-DE57BF1414C2}"/>
+                <a16:creationId xmlns:a16="http://schemas.microsoft.com/office/drawing/2014/main" id="{95912951-912B-4C42-BC9B-401536B3B1E7}"/>
               </a:ext>
             </a:extLst>
           </p:cNvPr>
@@ -26777,10 +30494,13 @@
           <p:nvPr/>
         </p:nvPicPr>
         <p:blipFill>
-          <a:blip r:embed="rId2">
+          <a:blip r:embed="rId7">
             <a:extLst>
               <a:ext uri="{28A0092B-C50C-407E-A947-70E740481C1C}">
                 <a14:useLocalDpi xmlns:a14="http://schemas.microsoft.com/office/drawing/2010/main" val="0"/>
+              </a:ext>
+              <a:ext uri="{96DAC541-7B7A-43D3-8B79-37D633B846F1}">
+                <asvg:svgBlip xmlns:asvg="http://schemas.microsoft.com/office/drawing/2016/SVG/main" r:embed="rId8"/>
               </a:ext>
             </a:extLst>
           </a:blip>
@@ -26790,8 +30510,8 @@
         </p:blipFill>
         <p:spPr>
           <a:xfrm>
-            <a:off x="914400" y="2106385"/>
-            <a:ext cx="9477375" cy="4615090"/>
+            <a:off x="6877050" y="1187382"/>
+            <a:ext cx="4653959" cy="5172217"/>
           </a:xfrm>
           <a:prstGeom prst="rect">
             <a:avLst/>
@@ -26801,7 +30521,7 @@
     </p:spTree>
     <p:extLst>
       <p:ext uri="{BB962C8B-B14F-4D97-AF65-F5344CB8AC3E}">
-        <p14:creationId xmlns:p14="http://schemas.microsoft.com/office/powerpoint/2010/main" val="2148419990"/>
+        <p14:creationId xmlns:p14="http://schemas.microsoft.com/office/powerpoint/2010/main" val="2308736522"/>
       </p:ext>
     </p:extLst>
   </p:cSld>
